--- a/presentation/Project_one.pptx
+++ b/presentation/Project_one.pptx
@@ -5,7 +5,7 @@
     <p:sldMasterId id="2147483970" r:id="rId1"/>
   </p:sldMasterIdLst>
   <p:notesMasterIdLst>
-    <p:notesMasterId r:id="rId16"/>
+    <p:notesMasterId r:id="rId29"/>
   </p:notesMasterIdLst>
   <p:sldIdLst>
     <p:sldId id="2440" r:id="rId2"/>
@@ -16,12 +16,25 @@
     <p:sldId id="2579" r:id="rId7"/>
     <p:sldId id="2584" r:id="rId8"/>
     <p:sldId id="2568" r:id="rId9"/>
-    <p:sldId id="3310" r:id="rId10"/>
-    <p:sldId id="2572" r:id="rId11"/>
-    <p:sldId id="3307" r:id="rId12"/>
-    <p:sldId id="2580" r:id="rId13"/>
-    <p:sldId id="2585" r:id="rId14"/>
-    <p:sldId id="3311" r:id="rId15"/>
+    <p:sldId id="3313" r:id="rId10"/>
+    <p:sldId id="3314" r:id="rId11"/>
+    <p:sldId id="3315" r:id="rId12"/>
+    <p:sldId id="3316" r:id="rId13"/>
+    <p:sldId id="3317" r:id="rId14"/>
+    <p:sldId id="3312" r:id="rId15"/>
+    <p:sldId id="3324" r:id="rId16"/>
+    <p:sldId id="3325" r:id="rId17"/>
+    <p:sldId id="3318" r:id="rId18"/>
+    <p:sldId id="3319" r:id="rId19"/>
+    <p:sldId id="3320" r:id="rId20"/>
+    <p:sldId id="3321" r:id="rId21"/>
+    <p:sldId id="3322" r:id="rId22"/>
+    <p:sldId id="3323" r:id="rId23"/>
+    <p:sldId id="2572" r:id="rId24"/>
+    <p:sldId id="3307" r:id="rId25"/>
+    <p:sldId id="2580" r:id="rId26"/>
+    <p:sldId id="2585" r:id="rId27"/>
+    <p:sldId id="3311" r:id="rId28"/>
   </p:sldIdLst>
   <p:sldSz cx="24377650" cy="13716000"/>
   <p:notesSz cx="6858000" cy="9144000"/>
@@ -239,7 +252,7 @@
             <a:fld id="{EFC10EE1-B198-C942-8235-326C972CBB30}" type="datetimeFigureOut">
               <a:rPr lang="en-US" smtClean="0"/>
               <a:pPr/>
-              <a:t>4/26/2021</a:t>
+              <a:t>4/27/2021</a:t>
             </a:fld>
             <a:endParaRPr lang="en-US" dirty="0"/>
           </a:p>
@@ -3231,14 +3244,14 @@
           </a:ln>
           <a:extLst>
             <a:ext uri="{909E8E84-426E-40dd-AFC4-6F175D3DCCD1}">
-              <a14:hiddenFill xmlns:a14="http://schemas.microsoft.com/office/drawing/2010/main" xmlns="">
+              <a14:hiddenFill xmlns="" xmlns:a14="http://schemas.microsoft.com/office/drawing/2010/main">
                 <a:solidFill>
                   <a:srgbClr val="FFFFFF"/>
                 </a:solidFill>
               </a14:hiddenFill>
             </a:ext>
             <a:ext uri="{91240B29-F687-4f45-9708-019B960494DF}">
-              <a14:hiddenLine xmlns:a14="http://schemas.microsoft.com/office/drawing/2010/main" xmlns="" w="12700">
+              <a14:hiddenLine xmlns="" xmlns:a14="http://schemas.microsoft.com/office/drawing/2010/main" w="12700">
                 <a:solidFill>
                   <a:schemeClr val="tx1"/>
                 </a:solidFill>
@@ -3317,6 +3330,2371 @@
 </file>
 
 <file path=ppt/slides/slide10.xml><?xml version="1.0" encoding="utf-8"?>
+<p:sld xmlns:a="http://schemas.openxmlformats.org/drawingml/2006/main" xmlns:r="http://schemas.openxmlformats.org/officeDocument/2006/relationships" xmlns:p="http://schemas.openxmlformats.org/presentationml/2006/main">
+  <p:cSld>
+    <p:spTree>
+      <p:nvGrpSpPr>
+        <p:cNvPr id="1" name=""/>
+        <p:cNvGrpSpPr/>
+        <p:nvPr/>
+      </p:nvGrpSpPr>
+      <p:grpSpPr>
+        <a:xfrm>
+          <a:off x="0" y="0"/>
+          <a:ext cx="0" cy="0"/>
+          <a:chOff x="0" y="0"/>
+          <a:chExt cx="0" cy="0"/>
+        </a:xfrm>
+      </p:grpSpPr>
+      <p:pic>
+        <p:nvPicPr>
+          <p:cNvPr id="7" name="Picture 6">
+            <a:extLst>
+              <a:ext uri="{FF2B5EF4-FFF2-40B4-BE49-F238E27FC236}">
+                <a16:creationId xmlns:a16="http://schemas.microsoft.com/office/drawing/2014/main" id="{AD93C52A-5FC0-4943-90FA-0D905FA7DB9D}"/>
+              </a:ext>
+            </a:extLst>
+          </p:cNvPr>
+          <p:cNvPicPr>
+            <a:picLocks noChangeAspect="1"/>
+          </p:cNvPicPr>
+          <p:nvPr/>
+        </p:nvPicPr>
+        <p:blipFill>
+          <a:blip r:embed="rId2">
+            <a:extLst>
+              <a:ext uri="{28A0092B-C50C-407E-A947-70E740481C1C}">
+                <a14:useLocalDpi xmlns:a14="http://schemas.microsoft.com/office/drawing/2010/main" val="0"/>
+              </a:ext>
+            </a:extLst>
+          </a:blip>
+          <a:stretch>
+            <a:fillRect/>
+          </a:stretch>
+        </p:blipFill>
+        <p:spPr>
+          <a:xfrm>
+            <a:off x="399678" y="3714750"/>
+            <a:ext cx="23578294" cy="7073488"/>
+          </a:xfrm>
+          <a:prstGeom prst="rect">
+            <a:avLst/>
+          </a:prstGeom>
+        </p:spPr>
+      </p:pic>
+      <p:sp>
+        <p:nvSpPr>
+          <p:cNvPr id="8" name="TextBox 7">
+            <a:extLst>
+              <a:ext uri="{FF2B5EF4-FFF2-40B4-BE49-F238E27FC236}">
+                <a16:creationId xmlns:a16="http://schemas.microsoft.com/office/drawing/2014/main" id="{A38BA545-0CA7-4B24-96D4-41E4DD627CA7}"/>
+              </a:ext>
+            </a:extLst>
+          </p:cNvPr>
+          <p:cNvSpPr txBox="1"/>
+          <p:nvPr/>
+        </p:nvSpPr>
+        <p:spPr>
+          <a:xfrm>
+            <a:off x="1515035" y="11217105"/>
+            <a:ext cx="2303836" cy="461665"/>
+          </a:xfrm>
+          <a:prstGeom prst="rect">
+            <a:avLst/>
+          </a:prstGeom>
+          <a:noFill/>
+        </p:spPr>
+        <p:txBody>
+          <a:bodyPr wrap="none" rtlCol="0">
+            <a:spAutoFit/>
+          </a:bodyPr>
+          <a:lstStyle/>
+          <a:p>
+            <a:r>
+              <a:rPr lang="en-US" sz="2400" dirty="0">
+                <a:latin typeface="Open Sans" panose="020B0606030504020204" pitchFamily="34" charset="0"/>
+                <a:ea typeface="Open Sans" panose="020B0606030504020204" pitchFamily="34" charset="0"/>
+                <a:cs typeface="Open Sans" panose="020B0606030504020204" pitchFamily="34" charset="0"/>
+              </a:rPr>
+              <a:t>Commentary:  </a:t>
+            </a:r>
+          </a:p>
+        </p:txBody>
+      </p:sp>
+    </p:spTree>
+    <p:extLst>
+      <p:ext uri="{BB962C8B-B14F-4D97-AF65-F5344CB8AC3E}">
+        <p14:creationId xmlns:p14="http://schemas.microsoft.com/office/powerpoint/2010/main" val="885179750"/>
+      </p:ext>
+    </p:extLst>
+  </p:cSld>
+  <p:clrMapOvr>
+    <a:masterClrMapping/>
+  </p:clrMapOvr>
+</p:sld>
+</file>
+
+<file path=ppt/slides/slide11.xml><?xml version="1.0" encoding="utf-8"?>
+<p:sld xmlns:a="http://schemas.openxmlformats.org/drawingml/2006/main" xmlns:r="http://schemas.openxmlformats.org/officeDocument/2006/relationships" xmlns:p="http://schemas.openxmlformats.org/presentationml/2006/main">
+  <p:cSld>
+    <p:spTree>
+      <p:nvGrpSpPr>
+        <p:cNvPr id="1" name=""/>
+        <p:cNvGrpSpPr/>
+        <p:nvPr/>
+      </p:nvGrpSpPr>
+      <p:grpSpPr>
+        <a:xfrm>
+          <a:off x="0" y="0"/>
+          <a:ext cx="0" cy="0"/>
+          <a:chOff x="0" y="0"/>
+          <a:chExt cx="0" cy="0"/>
+        </a:xfrm>
+      </p:grpSpPr>
+      <p:pic>
+        <p:nvPicPr>
+          <p:cNvPr id="7" name="Picture 6">
+            <a:extLst>
+              <a:ext uri="{FF2B5EF4-FFF2-40B4-BE49-F238E27FC236}">
+                <a16:creationId xmlns:a16="http://schemas.microsoft.com/office/drawing/2014/main" id="{EC848DA7-C00E-416E-BA5E-7069150F3764}"/>
+              </a:ext>
+            </a:extLst>
+          </p:cNvPr>
+          <p:cNvPicPr>
+            <a:picLocks noChangeAspect="1"/>
+          </p:cNvPicPr>
+          <p:nvPr/>
+        </p:nvPicPr>
+        <p:blipFill>
+          <a:blip r:embed="rId2">
+            <a:extLst>
+              <a:ext uri="{28A0092B-C50C-407E-A947-70E740481C1C}">
+                <a14:useLocalDpi xmlns:a14="http://schemas.microsoft.com/office/drawing/2010/main" val="0"/>
+              </a:ext>
+            </a:extLst>
+          </a:blip>
+          <a:stretch>
+            <a:fillRect/>
+          </a:stretch>
+        </p:blipFill>
+        <p:spPr>
+          <a:xfrm>
+            <a:off x="2366720" y="0"/>
+            <a:ext cx="18753765" cy="11252259"/>
+          </a:xfrm>
+          <a:prstGeom prst="rect">
+            <a:avLst/>
+          </a:prstGeom>
+        </p:spPr>
+      </p:pic>
+      <p:sp>
+        <p:nvSpPr>
+          <p:cNvPr id="8" name="TextBox 7">
+            <a:extLst>
+              <a:ext uri="{FF2B5EF4-FFF2-40B4-BE49-F238E27FC236}">
+                <a16:creationId xmlns:a16="http://schemas.microsoft.com/office/drawing/2014/main" id="{D5699C0F-76A3-4202-B252-EB19EB63AD09}"/>
+              </a:ext>
+            </a:extLst>
+          </p:cNvPr>
+          <p:cNvSpPr txBox="1"/>
+          <p:nvPr/>
+        </p:nvSpPr>
+        <p:spPr>
+          <a:xfrm>
+            <a:off x="1515035" y="11217105"/>
+            <a:ext cx="2303836" cy="461665"/>
+          </a:xfrm>
+          <a:prstGeom prst="rect">
+            <a:avLst/>
+          </a:prstGeom>
+          <a:noFill/>
+        </p:spPr>
+        <p:txBody>
+          <a:bodyPr wrap="none" rtlCol="0">
+            <a:spAutoFit/>
+          </a:bodyPr>
+          <a:lstStyle/>
+          <a:p>
+            <a:r>
+              <a:rPr lang="en-US" sz="2400" dirty="0">
+                <a:latin typeface="Open Sans" panose="020B0606030504020204" pitchFamily="34" charset="0"/>
+                <a:ea typeface="Open Sans" panose="020B0606030504020204" pitchFamily="34" charset="0"/>
+                <a:cs typeface="Open Sans" panose="020B0606030504020204" pitchFamily="34" charset="0"/>
+              </a:rPr>
+              <a:t>Commentary:  </a:t>
+            </a:r>
+          </a:p>
+        </p:txBody>
+      </p:sp>
+    </p:spTree>
+    <p:extLst>
+      <p:ext uri="{BB962C8B-B14F-4D97-AF65-F5344CB8AC3E}">
+        <p14:creationId xmlns:p14="http://schemas.microsoft.com/office/powerpoint/2010/main" val="2101011483"/>
+      </p:ext>
+    </p:extLst>
+  </p:cSld>
+  <p:clrMapOvr>
+    <a:masterClrMapping/>
+  </p:clrMapOvr>
+</p:sld>
+</file>
+
+<file path=ppt/slides/slide12.xml><?xml version="1.0" encoding="utf-8"?>
+<p:sld xmlns:a="http://schemas.openxmlformats.org/drawingml/2006/main" xmlns:r="http://schemas.openxmlformats.org/officeDocument/2006/relationships" xmlns:p="http://schemas.openxmlformats.org/presentationml/2006/main">
+  <p:cSld>
+    <p:spTree>
+      <p:nvGrpSpPr>
+        <p:cNvPr id="1" name=""/>
+        <p:cNvGrpSpPr/>
+        <p:nvPr/>
+      </p:nvGrpSpPr>
+      <p:grpSpPr>
+        <a:xfrm>
+          <a:off x="0" y="0"/>
+          <a:ext cx="0" cy="0"/>
+          <a:chOff x="0" y="0"/>
+          <a:chExt cx="0" cy="0"/>
+        </a:xfrm>
+      </p:grpSpPr>
+      <p:pic>
+        <p:nvPicPr>
+          <p:cNvPr id="3" name="Picture 2">
+            <a:extLst>
+              <a:ext uri="{FF2B5EF4-FFF2-40B4-BE49-F238E27FC236}">
+                <a16:creationId xmlns:a16="http://schemas.microsoft.com/office/drawing/2014/main" id="{AE6E0C08-B8BC-4CF5-A83F-BD248983B7E1}"/>
+              </a:ext>
+            </a:extLst>
+          </p:cNvPr>
+          <p:cNvPicPr>
+            <a:picLocks noChangeAspect="1"/>
+          </p:cNvPicPr>
+          <p:nvPr/>
+        </p:nvPicPr>
+        <p:blipFill>
+          <a:blip r:embed="rId2">
+            <a:extLst>
+              <a:ext uri="{28A0092B-C50C-407E-A947-70E740481C1C}">
+                <a14:useLocalDpi xmlns:a14="http://schemas.microsoft.com/office/drawing/2010/main" val="0"/>
+              </a:ext>
+            </a:extLst>
+          </a:blip>
+          <a:stretch>
+            <a:fillRect/>
+          </a:stretch>
+        </p:blipFill>
+        <p:spPr>
+          <a:xfrm>
+            <a:off x="2457403" y="195633"/>
+            <a:ext cx="18753841" cy="11252304"/>
+          </a:xfrm>
+          <a:prstGeom prst="rect">
+            <a:avLst/>
+          </a:prstGeom>
+        </p:spPr>
+      </p:pic>
+      <p:sp>
+        <p:nvSpPr>
+          <p:cNvPr id="7" name="TextBox 6">
+            <a:extLst>
+              <a:ext uri="{FF2B5EF4-FFF2-40B4-BE49-F238E27FC236}">
+                <a16:creationId xmlns:a16="http://schemas.microsoft.com/office/drawing/2014/main" id="{3B8F7EAC-7AA2-4BDB-9D2A-AE3721EA0EF9}"/>
+              </a:ext>
+            </a:extLst>
+          </p:cNvPr>
+          <p:cNvSpPr txBox="1"/>
+          <p:nvPr/>
+        </p:nvSpPr>
+        <p:spPr>
+          <a:xfrm>
+            <a:off x="1515035" y="11217105"/>
+            <a:ext cx="2303836" cy="461665"/>
+          </a:xfrm>
+          <a:prstGeom prst="rect">
+            <a:avLst/>
+          </a:prstGeom>
+          <a:noFill/>
+        </p:spPr>
+        <p:txBody>
+          <a:bodyPr wrap="none" rtlCol="0">
+            <a:spAutoFit/>
+          </a:bodyPr>
+          <a:lstStyle/>
+          <a:p>
+            <a:r>
+              <a:rPr lang="en-US" sz="2400" dirty="0">
+                <a:latin typeface="Open Sans" panose="020B0606030504020204" pitchFamily="34" charset="0"/>
+                <a:ea typeface="Open Sans" panose="020B0606030504020204" pitchFamily="34" charset="0"/>
+                <a:cs typeface="Open Sans" panose="020B0606030504020204" pitchFamily="34" charset="0"/>
+              </a:rPr>
+              <a:t>Commentary:  </a:t>
+            </a:r>
+          </a:p>
+        </p:txBody>
+      </p:sp>
+    </p:spTree>
+    <p:extLst>
+      <p:ext uri="{BB962C8B-B14F-4D97-AF65-F5344CB8AC3E}">
+        <p14:creationId xmlns:p14="http://schemas.microsoft.com/office/powerpoint/2010/main" val="4081986715"/>
+      </p:ext>
+    </p:extLst>
+  </p:cSld>
+  <p:clrMapOvr>
+    <a:masterClrMapping/>
+  </p:clrMapOvr>
+</p:sld>
+</file>
+
+<file path=ppt/slides/slide13.xml><?xml version="1.0" encoding="utf-8"?>
+<p:sld xmlns:a="http://schemas.openxmlformats.org/drawingml/2006/main" xmlns:r="http://schemas.openxmlformats.org/officeDocument/2006/relationships" xmlns:p="http://schemas.openxmlformats.org/presentationml/2006/main">
+  <p:cSld>
+    <p:spTree>
+      <p:nvGrpSpPr>
+        <p:cNvPr id="1" name=""/>
+        <p:cNvGrpSpPr/>
+        <p:nvPr/>
+      </p:nvGrpSpPr>
+      <p:grpSpPr>
+        <a:xfrm>
+          <a:off x="0" y="0"/>
+          <a:ext cx="0" cy="0"/>
+          <a:chOff x="0" y="0"/>
+          <a:chExt cx="0" cy="0"/>
+        </a:xfrm>
+      </p:grpSpPr>
+      <p:pic>
+        <p:nvPicPr>
+          <p:cNvPr id="3" name="Picture 2">
+            <a:extLst>
+              <a:ext uri="{FF2B5EF4-FFF2-40B4-BE49-F238E27FC236}">
+                <a16:creationId xmlns:a16="http://schemas.microsoft.com/office/drawing/2014/main" id="{AC6953B5-1F20-4071-A1C6-A77700EE0EF0}"/>
+              </a:ext>
+            </a:extLst>
+          </p:cNvPr>
+          <p:cNvPicPr>
+            <a:picLocks noChangeAspect="1"/>
+          </p:cNvPicPr>
+          <p:nvPr/>
+        </p:nvPicPr>
+        <p:blipFill>
+          <a:blip r:embed="rId2">
+            <a:extLst>
+              <a:ext uri="{28A0092B-C50C-407E-A947-70E740481C1C}">
+                <a14:useLocalDpi xmlns:a14="http://schemas.microsoft.com/office/drawing/2010/main" val="0"/>
+              </a:ext>
+            </a:extLst>
+          </a:blip>
+          <a:stretch>
+            <a:fillRect/>
+          </a:stretch>
+        </p:blipFill>
+        <p:spPr>
+          <a:xfrm>
+            <a:off x="2666953" y="292794"/>
+            <a:ext cx="18591907" cy="11155143"/>
+          </a:xfrm>
+          <a:prstGeom prst="rect">
+            <a:avLst/>
+          </a:prstGeom>
+        </p:spPr>
+      </p:pic>
+      <p:sp>
+        <p:nvSpPr>
+          <p:cNvPr id="7" name="TextBox 6">
+            <a:extLst>
+              <a:ext uri="{FF2B5EF4-FFF2-40B4-BE49-F238E27FC236}">
+                <a16:creationId xmlns:a16="http://schemas.microsoft.com/office/drawing/2014/main" id="{E83CB8DC-C5F4-46D4-8BEB-9E554F813210}"/>
+              </a:ext>
+            </a:extLst>
+          </p:cNvPr>
+          <p:cNvSpPr txBox="1"/>
+          <p:nvPr/>
+        </p:nvSpPr>
+        <p:spPr>
+          <a:xfrm>
+            <a:off x="1515035" y="11217105"/>
+            <a:ext cx="2303836" cy="461665"/>
+          </a:xfrm>
+          <a:prstGeom prst="rect">
+            <a:avLst/>
+          </a:prstGeom>
+          <a:noFill/>
+        </p:spPr>
+        <p:txBody>
+          <a:bodyPr wrap="none" rtlCol="0">
+            <a:spAutoFit/>
+          </a:bodyPr>
+          <a:lstStyle/>
+          <a:p>
+            <a:r>
+              <a:rPr lang="en-US" sz="2400" dirty="0">
+                <a:latin typeface="Open Sans" panose="020B0606030504020204" pitchFamily="34" charset="0"/>
+                <a:ea typeface="Open Sans" panose="020B0606030504020204" pitchFamily="34" charset="0"/>
+                <a:cs typeface="Open Sans" panose="020B0606030504020204" pitchFamily="34" charset="0"/>
+              </a:rPr>
+              <a:t>Commentary:  </a:t>
+            </a:r>
+          </a:p>
+        </p:txBody>
+      </p:sp>
+    </p:spTree>
+    <p:extLst>
+      <p:ext uri="{BB962C8B-B14F-4D97-AF65-F5344CB8AC3E}">
+        <p14:creationId xmlns:p14="http://schemas.microsoft.com/office/powerpoint/2010/main" val="3005980500"/>
+      </p:ext>
+    </p:extLst>
+  </p:cSld>
+  <p:clrMapOvr>
+    <a:masterClrMapping/>
+  </p:clrMapOvr>
+</p:sld>
+</file>
+
+<file path=ppt/slides/slide14.xml><?xml version="1.0" encoding="utf-8"?>
+<p:sld xmlns:a="http://schemas.openxmlformats.org/drawingml/2006/main" xmlns:r="http://schemas.openxmlformats.org/officeDocument/2006/relationships" xmlns:p="http://schemas.openxmlformats.org/presentationml/2006/main">
+  <p:cSld>
+    <p:spTree>
+      <p:nvGrpSpPr>
+        <p:cNvPr id="1" name=""/>
+        <p:cNvGrpSpPr/>
+        <p:nvPr/>
+      </p:nvGrpSpPr>
+      <p:grpSpPr>
+        <a:xfrm>
+          <a:off x="0" y="0"/>
+          <a:ext cx="0" cy="0"/>
+          <a:chOff x="0" y="0"/>
+          <a:chExt cx="0" cy="0"/>
+        </a:xfrm>
+      </p:grpSpPr>
+      <p:pic>
+        <p:nvPicPr>
+          <p:cNvPr id="3" name="Picture 2">
+            <a:extLst>
+              <a:ext uri="{FF2B5EF4-FFF2-40B4-BE49-F238E27FC236}">
+                <a16:creationId xmlns:a16="http://schemas.microsoft.com/office/drawing/2014/main" id="{4FCCA15A-1628-461E-AE8F-253E84D6513C}"/>
+              </a:ext>
+            </a:extLst>
+          </p:cNvPr>
+          <p:cNvPicPr>
+            <a:picLocks noChangeAspect="1"/>
+          </p:cNvPicPr>
+          <p:nvPr/>
+        </p:nvPicPr>
+        <p:blipFill>
+          <a:blip r:embed="rId2">
+            <a:extLst>
+              <a:ext uri="{28A0092B-C50C-407E-A947-70E740481C1C}">
+                <a14:useLocalDpi xmlns:a14="http://schemas.microsoft.com/office/drawing/2010/main" val="0"/>
+              </a:ext>
+            </a:extLst>
+          </a:blip>
+          <a:stretch>
+            <a:fillRect/>
+          </a:stretch>
+        </p:blipFill>
+        <p:spPr>
+          <a:xfrm>
+            <a:off x="196298" y="3446770"/>
+            <a:ext cx="23288923" cy="6822460"/>
+          </a:xfrm>
+          <a:prstGeom prst="rect">
+            <a:avLst/>
+          </a:prstGeom>
+        </p:spPr>
+      </p:pic>
+      <p:sp>
+        <p:nvSpPr>
+          <p:cNvPr id="6" name="TextBox 5">
+            <a:extLst>
+              <a:ext uri="{FF2B5EF4-FFF2-40B4-BE49-F238E27FC236}">
+                <a16:creationId xmlns:a16="http://schemas.microsoft.com/office/drawing/2014/main" id="{61A7B6F8-BA83-4266-A3D3-7590DFE1C8E6}"/>
+              </a:ext>
+            </a:extLst>
+          </p:cNvPr>
+          <p:cNvSpPr txBox="1"/>
+          <p:nvPr/>
+        </p:nvSpPr>
+        <p:spPr>
+          <a:xfrm>
+            <a:off x="1515035" y="11217105"/>
+            <a:ext cx="2303836" cy="461665"/>
+          </a:xfrm>
+          <a:prstGeom prst="rect">
+            <a:avLst/>
+          </a:prstGeom>
+          <a:noFill/>
+        </p:spPr>
+        <p:txBody>
+          <a:bodyPr wrap="none" rtlCol="0">
+            <a:spAutoFit/>
+          </a:bodyPr>
+          <a:lstStyle/>
+          <a:p>
+            <a:r>
+              <a:rPr lang="en-US" sz="2400" dirty="0">
+                <a:latin typeface="Open Sans" panose="020B0606030504020204" pitchFamily="34" charset="0"/>
+                <a:ea typeface="Open Sans" panose="020B0606030504020204" pitchFamily="34" charset="0"/>
+                <a:cs typeface="Open Sans" panose="020B0606030504020204" pitchFamily="34" charset="0"/>
+              </a:rPr>
+              <a:t>Commentary:  </a:t>
+            </a:r>
+          </a:p>
+        </p:txBody>
+      </p:sp>
+    </p:spTree>
+    <p:extLst>
+      <p:ext uri="{BB962C8B-B14F-4D97-AF65-F5344CB8AC3E}">
+        <p14:creationId xmlns:p14="http://schemas.microsoft.com/office/powerpoint/2010/main" val="3427666166"/>
+      </p:ext>
+    </p:extLst>
+  </p:cSld>
+  <p:clrMapOvr>
+    <a:masterClrMapping/>
+  </p:clrMapOvr>
+</p:sld>
+</file>
+
+<file path=ppt/slides/slide15.xml><?xml version="1.0" encoding="utf-8"?>
+<p:sld xmlns:a="http://schemas.openxmlformats.org/drawingml/2006/main" xmlns:r="http://schemas.openxmlformats.org/officeDocument/2006/relationships" xmlns:p="http://schemas.openxmlformats.org/presentationml/2006/main">
+  <p:cSld>
+    <p:spTree>
+      <p:nvGrpSpPr>
+        <p:cNvPr id="1" name=""/>
+        <p:cNvGrpSpPr/>
+        <p:nvPr/>
+      </p:nvGrpSpPr>
+      <p:grpSpPr>
+        <a:xfrm>
+          <a:off x="0" y="0"/>
+          <a:ext cx="0" cy="0"/>
+          <a:chOff x="0" y="0"/>
+          <a:chExt cx="0" cy="0"/>
+        </a:xfrm>
+      </p:grpSpPr>
+      <p:sp>
+        <p:nvSpPr>
+          <p:cNvPr id="6" name="TextBox 5">
+            <a:extLst>
+              <a:ext uri="{FF2B5EF4-FFF2-40B4-BE49-F238E27FC236}">
+                <a16:creationId xmlns:a16="http://schemas.microsoft.com/office/drawing/2014/main" id="{61A7B6F8-BA83-4266-A3D3-7590DFE1C8E6}"/>
+              </a:ext>
+            </a:extLst>
+          </p:cNvPr>
+          <p:cNvSpPr txBox="1"/>
+          <p:nvPr/>
+        </p:nvSpPr>
+        <p:spPr>
+          <a:xfrm>
+            <a:off x="1515035" y="11217105"/>
+            <a:ext cx="2303836" cy="461665"/>
+          </a:xfrm>
+          <a:prstGeom prst="rect">
+            <a:avLst/>
+          </a:prstGeom>
+          <a:noFill/>
+        </p:spPr>
+        <p:txBody>
+          <a:bodyPr wrap="none" rtlCol="0">
+            <a:spAutoFit/>
+          </a:bodyPr>
+          <a:lstStyle/>
+          <a:p>
+            <a:r>
+              <a:rPr lang="en-US" sz="2400" dirty="0">
+                <a:latin typeface="Open Sans" panose="020B0606030504020204" pitchFamily="34" charset="0"/>
+                <a:ea typeface="Open Sans" panose="020B0606030504020204" pitchFamily="34" charset="0"/>
+                <a:cs typeface="Open Sans" panose="020B0606030504020204" pitchFamily="34" charset="0"/>
+              </a:rPr>
+              <a:t>Commentary:  </a:t>
+            </a:r>
+          </a:p>
+        </p:txBody>
+      </p:sp>
+      <p:pic>
+        <p:nvPicPr>
+          <p:cNvPr id="4" name="Picture 3">
+            <a:extLst>
+              <a:ext uri="{FF2B5EF4-FFF2-40B4-BE49-F238E27FC236}">
+                <a16:creationId xmlns:a16="http://schemas.microsoft.com/office/drawing/2014/main" id="{0071525E-41BE-4341-BDAF-01AE139FE97C}"/>
+              </a:ext>
+            </a:extLst>
+          </p:cNvPr>
+          <p:cNvPicPr>
+            <a:picLocks noChangeAspect="1"/>
+          </p:cNvPicPr>
+          <p:nvPr/>
+        </p:nvPicPr>
+        <p:blipFill>
+          <a:blip r:embed="rId2">
+            <a:extLst>
+              <a:ext uri="{28A0092B-C50C-407E-A947-70E740481C1C}">
+                <a14:useLocalDpi xmlns:a14="http://schemas.microsoft.com/office/drawing/2010/main" val="0"/>
+              </a:ext>
+            </a:extLst>
+          </a:blip>
+          <a:stretch>
+            <a:fillRect/>
+          </a:stretch>
+        </p:blipFill>
+        <p:spPr>
+          <a:xfrm>
+            <a:off x="209717" y="3357711"/>
+            <a:ext cx="23958215" cy="7000578"/>
+          </a:xfrm>
+          <a:prstGeom prst="rect">
+            <a:avLst/>
+          </a:prstGeom>
+        </p:spPr>
+      </p:pic>
+    </p:spTree>
+    <p:extLst>
+      <p:ext uri="{BB962C8B-B14F-4D97-AF65-F5344CB8AC3E}">
+        <p14:creationId xmlns:p14="http://schemas.microsoft.com/office/powerpoint/2010/main" val="3596669641"/>
+      </p:ext>
+    </p:extLst>
+  </p:cSld>
+  <p:clrMapOvr>
+    <a:masterClrMapping/>
+  </p:clrMapOvr>
+</p:sld>
+</file>
+
+<file path=ppt/slides/slide16.xml><?xml version="1.0" encoding="utf-8"?>
+<p:sld xmlns:a="http://schemas.openxmlformats.org/drawingml/2006/main" xmlns:r="http://schemas.openxmlformats.org/officeDocument/2006/relationships" xmlns:p="http://schemas.openxmlformats.org/presentationml/2006/main">
+  <p:cSld>
+    <p:spTree>
+      <p:nvGrpSpPr>
+        <p:cNvPr id="1" name=""/>
+        <p:cNvGrpSpPr/>
+        <p:nvPr/>
+      </p:nvGrpSpPr>
+      <p:grpSpPr>
+        <a:xfrm>
+          <a:off x="0" y="0"/>
+          <a:ext cx="0" cy="0"/>
+          <a:chOff x="0" y="0"/>
+          <a:chExt cx="0" cy="0"/>
+        </a:xfrm>
+      </p:grpSpPr>
+      <p:sp>
+        <p:nvSpPr>
+          <p:cNvPr id="6" name="TextBox 5">
+            <a:extLst>
+              <a:ext uri="{FF2B5EF4-FFF2-40B4-BE49-F238E27FC236}">
+                <a16:creationId xmlns:a16="http://schemas.microsoft.com/office/drawing/2014/main" id="{61A7B6F8-BA83-4266-A3D3-7590DFE1C8E6}"/>
+              </a:ext>
+            </a:extLst>
+          </p:cNvPr>
+          <p:cNvSpPr txBox="1"/>
+          <p:nvPr/>
+        </p:nvSpPr>
+        <p:spPr>
+          <a:xfrm>
+            <a:off x="1515035" y="11217105"/>
+            <a:ext cx="2303836" cy="461665"/>
+          </a:xfrm>
+          <a:prstGeom prst="rect">
+            <a:avLst/>
+          </a:prstGeom>
+          <a:noFill/>
+        </p:spPr>
+        <p:txBody>
+          <a:bodyPr wrap="none" rtlCol="0">
+            <a:spAutoFit/>
+          </a:bodyPr>
+          <a:lstStyle/>
+          <a:p>
+            <a:r>
+              <a:rPr lang="en-US" sz="2400" dirty="0">
+                <a:latin typeface="Open Sans" panose="020B0606030504020204" pitchFamily="34" charset="0"/>
+                <a:ea typeface="Open Sans" panose="020B0606030504020204" pitchFamily="34" charset="0"/>
+                <a:cs typeface="Open Sans" panose="020B0606030504020204" pitchFamily="34" charset="0"/>
+              </a:rPr>
+              <a:t>Commentary:  </a:t>
+            </a:r>
+          </a:p>
+        </p:txBody>
+      </p:sp>
+      <p:pic>
+        <p:nvPicPr>
+          <p:cNvPr id="5" name="Picture 4">
+            <a:extLst>
+              <a:ext uri="{FF2B5EF4-FFF2-40B4-BE49-F238E27FC236}">
+                <a16:creationId xmlns:a16="http://schemas.microsoft.com/office/drawing/2014/main" id="{392A8263-F53D-48F7-B37C-CC73655E6ADA}"/>
+              </a:ext>
+            </a:extLst>
+          </p:cNvPr>
+          <p:cNvPicPr>
+            <a:picLocks noChangeAspect="1"/>
+          </p:cNvPicPr>
+          <p:nvPr/>
+        </p:nvPicPr>
+        <p:blipFill>
+          <a:blip r:embed="rId2"/>
+          <a:stretch>
+            <a:fillRect/>
+          </a:stretch>
+        </p:blipFill>
+        <p:spPr>
+          <a:xfrm>
+            <a:off x="3902074" y="0"/>
+            <a:ext cx="16573501" cy="13716000"/>
+          </a:xfrm>
+          <a:prstGeom prst="rect">
+            <a:avLst/>
+          </a:prstGeom>
+        </p:spPr>
+      </p:pic>
+    </p:spTree>
+    <p:extLst>
+      <p:ext uri="{BB962C8B-B14F-4D97-AF65-F5344CB8AC3E}">
+        <p14:creationId xmlns:p14="http://schemas.microsoft.com/office/powerpoint/2010/main" val="2177168587"/>
+      </p:ext>
+    </p:extLst>
+  </p:cSld>
+  <p:clrMapOvr>
+    <a:masterClrMapping/>
+  </p:clrMapOvr>
+</p:sld>
+</file>
+
+<file path=ppt/slides/slide17.xml><?xml version="1.0" encoding="utf-8"?>
+<p:sld xmlns:a="http://schemas.openxmlformats.org/drawingml/2006/main" xmlns:r="http://schemas.openxmlformats.org/officeDocument/2006/relationships" xmlns:p="http://schemas.openxmlformats.org/presentationml/2006/main">
+  <p:cSld>
+    <p:spTree>
+      <p:nvGrpSpPr>
+        <p:cNvPr id="1" name=""/>
+        <p:cNvGrpSpPr/>
+        <p:nvPr/>
+      </p:nvGrpSpPr>
+      <p:grpSpPr>
+        <a:xfrm>
+          <a:off x="0" y="0"/>
+          <a:ext cx="0" cy="0"/>
+          <a:chOff x="0" y="0"/>
+          <a:chExt cx="0" cy="0"/>
+        </a:xfrm>
+      </p:grpSpPr>
+      <p:sp>
+        <p:nvSpPr>
+          <p:cNvPr id="7" name="TextBox 6">
+            <a:extLst>
+              <a:ext uri="{FF2B5EF4-FFF2-40B4-BE49-F238E27FC236}">
+                <a16:creationId xmlns:a16="http://schemas.microsoft.com/office/drawing/2014/main" id="{52040759-D789-46E3-B613-7E50821A1881}"/>
+              </a:ext>
+            </a:extLst>
+          </p:cNvPr>
+          <p:cNvSpPr txBox="1"/>
+          <p:nvPr/>
+        </p:nvSpPr>
+        <p:spPr>
+          <a:xfrm>
+            <a:off x="1515035" y="11217105"/>
+            <a:ext cx="2303836" cy="461665"/>
+          </a:xfrm>
+          <a:prstGeom prst="rect">
+            <a:avLst/>
+          </a:prstGeom>
+          <a:noFill/>
+        </p:spPr>
+        <p:txBody>
+          <a:bodyPr wrap="none" rtlCol="0">
+            <a:spAutoFit/>
+          </a:bodyPr>
+          <a:lstStyle/>
+          <a:p>
+            <a:r>
+              <a:rPr lang="en-US" sz="2400" dirty="0">
+                <a:latin typeface="Open Sans" panose="020B0606030504020204" pitchFamily="34" charset="0"/>
+                <a:ea typeface="Open Sans" panose="020B0606030504020204" pitchFamily="34" charset="0"/>
+                <a:cs typeface="Open Sans" panose="020B0606030504020204" pitchFamily="34" charset="0"/>
+              </a:rPr>
+              <a:t>Commentary:  </a:t>
+            </a:r>
+          </a:p>
+        </p:txBody>
+      </p:sp>
+      <p:pic>
+        <p:nvPicPr>
+          <p:cNvPr id="3" name="Picture 2">
+            <a:extLst>
+              <a:ext uri="{FF2B5EF4-FFF2-40B4-BE49-F238E27FC236}">
+                <a16:creationId xmlns:a16="http://schemas.microsoft.com/office/drawing/2014/main" id="{749C16AD-FCE1-41AE-87EC-1C83EAEB5471}"/>
+              </a:ext>
+            </a:extLst>
+          </p:cNvPr>
+          <p:cNvPicPr>
+            <a:picLocks noChangeAspect="1"/>
+          </p:cNvPicPr>
+          <p:nvPr/>
+        </p:nvPicPr>
+        <p:blipFill>
+          <a:blip r:embed="rId2">
+            <a:extLst>
+              <a:ext uri="{28A0092B-C50C-407E-A947-70E740481C1C}">
+                <a14:useLocalDpi xmlns:a14="http://schemas.microsoft.com/office/drawing/2010/main" val="0"/>
+              </a:ext>
+            </a:extLst>
+          </a:blip>
+          <a:stretch>
+            <a:fillRect/>
+          </a:stretch>
+        </p:blipFill>
+        <p:spPr>
+          <a:xfrm>
+            <a:off x="1921528" y="243185"/>
+            <a:ext cx="18289867" cy="10973920"/>
+          </a:xfrm>
+          <a:prstGeom prst="rect">
+            <a:avLst/>
+          </a:prstGeom>
+        </p:spPr>
+      </p:pic>
+    </p:spTree>
+    <p:extLst>
+      <p:ext uri="{BB962C8B-B14F-4D97-AF65-F5344CB8AC3E}">
+        <p14:creationId xmlns:p14="http://schemas.microsoft.com/office/powerpoint/2010/main" val="105310189"/>
+      </p:ext>
+    </p:extLst>
+  </p:cSld>
+  <p:clrMapOvr>
+    <a:masterClrMapping/>
+  </p:clrMapOvr>
+</p:sld>
+</file>
+
+<file path=ppt/slides/slide18.xml><?xml version="1.0" encoding="utf-8"?>
+<p:sld xmlns:a="http://schemas.openxmlformats.org/drawingml/2006/main" xmlns:r="http://schemas.openxmlformats.org/officeDocument/2006/relationships" xmlns:p="http://schemas.openxmlformats.org/presentationml/2006/main">
+  <p:cSld>
+    <p:spTree>
+      <p:nvGrpSpPr>
+        <p:cNvPr id="1" name=""/>
+        <p:cNvGrpSpPr/>
+        <p:nvPr/>
+      </p:nvGrpSpPr>
+      <p:grpSpPr>
+        <a:xfrm>
+          <a:off x="0" y="0"/>
+          <a:ext cx="0" cy="0"/>
+          <a:chOff x="0" y="0"/>
+          <a:chExt cx="0" cy="0"/>
+        </a:xfrm>
+      </p:grpSpPr>
+      <p:sp>
+        <p:nvSpPr>
+          <p:cNvPr id="7" name="TextBox 6">
+            <a:extLst>
+              <a:ext uri="{FF2B5EF4-FFF2-40B4-BE49-F238E27FC236}">
+                <a16:creationId xmlns:a16="http://schemas.microsoft.com/office/drawing/2014/main" id="{52040759-D789-46E3-B613-7E50821A1881}"/>
+              </a:ext>
+            </a:extLst>
+          </p:cNvPr>
+          <p:cNvSpPr txBox="1"/>
+          <p:nvPr/>
+        </p:nvSpPr>
+        <p:spPr>
+          <a:xfrm>
+            <a:off x="1515035" y="11217105"/>
+            <a:ext cx="2303836" cy="461665"/>
+          </a:xfrm>
+          <a:prstGeom prst="rect">
+            <a:avLst/>
+          </a:prstGeom>
+          <a:noFill/>
+        </p:spPr>
+        <p:txBody>
+          <a:bodyPr wrap="none" rtlCol="0">
+            <a:spAutoFit/>
+          </a:bodyPr>
+          <a:lstStyle/>
+          <a:p>
+            <a:r>
+              <a:rPr lang="en-US" sz="2400" dirty="0">
+                <a:latin typeface="Open Sans" panose="020B0606030504020204" pitchFamily="34" charset="0"/>
+                <a:ea typeface="Open Sans" panose="020B0606030504020204" pitchFamily="34" charset="0"/>
+                <a:cs typeface="Open Sans" panose="020B0606030504020204" pitchFamily="34" charset="0"/>
+              </a:rPr>
+              <a:t>Commentary:  </a:t>
+            </a:r>
+          </a:p>
+        </p:txBody>
+      </p:sp>
+      <p:pic>
+        <p:nvPicPr>
+          <p:cNvPr id="3" name="Picture 2">
+            <a:extLst>
+              <a:ext uri="{FF2B5EF4-FFF2-40B4-BE49-F238E27FC236}">
+                <a16:creationId xmlns:a16="http://schemas.microsoft.com/office/drawing/2014/main" id="{BBBFEE07-FE16-41F3-BA90-05DDE051175C}"/>
+              </a:ext>
+            </a:extLst>
+          </p:cNvPr>
+          <p:cNvPicPr>
+            <a:picLocks noChangeAspect="1"/>
+          </p:cNvPicPr>
+          <p:nvPr/>
+        </p:nvPicPr>
+        <p:blipFill>
+          <a:blip r:embed="rId2">
+            <a:extLst>
+              <a:ext uri="{28A0092B-C50C-407E-A947-70E740481C1C}">
+                <a14:useLocalDpi xmlns:a14="http://schemas.microsoft.com/office/drawing/2010/main" val="0"/>
+              </a:ext>
+            </a:extLst>
+          </a:blip>
+          <a:stretch>
+            <a:fillRect/>
+          </a:stretch>
+        </p:blipFill>
+        <p:spPr>
+          <a:xfrm>
+            <a:off x="2057400" y="357435"/>
+            <a:ext cx="18099450" cy="10859670"/>
+          </a:xfrm>
+          <a:prstGeom prst="rect">
+            <a:avLst/>
+          </a:prstGeom>
+        </p:spPr>
+      </p:pic>
+    </p:spTree>
+    <p:extLst>
+      <p:ext uri="{BB962C8B-B14F-4D97-AF65-F5344CB8AC3E}">
+        <p14:creationId xmlns:p14="http://schemas.microsoft.com/office/powerpoint/2010/main" val="2543928527"/>
+      </p:ext>
+    </p:extLst>
+  </p:cSld>
+  <p:clrMapOvr>
+    <a:masterClrMapping/>
+  </p:clrMapOvr>
+</p:sld>
+</file>
+
+<file path=ppt/slides/slide19.xml><?xml version="1.0" encoding="utf-8"?>
+<p:sld xmlns:a="http://schemas.openxmlformats.org/drawingml/2006/main" xmlns:r="http://schemas.openxmlformats.org/officeDocument/2006/relationships" xmlns:p="http://schemas.openxmlformats.org/presentationml/2006/main">
+  <p:cSld>
+    <p:spTree>
+      <p:nvGrpSpPr>
+        <p:cNvPr id="1" name=""/>
+        <p:cNvGrpSpPr/>
+        <p:nvPr/>
+      </p:nvGrpSpPr>
+      <p:grpSpPr>
+        <a:xfrm>
+          <a:off x="0" y="0"/>
+          <a:ext cx="0" cy="0"/>
+          <a:chOff x="0" y="0"/>
+          <a:chExt cx="0" cy="0"/>
+        </a:xfrm>
+      </p:grpSpPr>
+      <p:sp>
+        <p:nvSpPr>
+          <p:cNvPr id="7" name="TextBox 6">
+            <a:extLst>
+              <a:ext uri="{FF2B5EF4-FFF2-40B4-BE49-F238E27FC236}">
+                <a16:creationId xmlns:a16="http://schemas.microsoft.com/office/drawing/2014/main" id="{52040759-D789-46E3-B613-7E50821A1881}"/>
+              </a:ext>
+            </a:extLst>
+          </p:cNvPr>
+          <p:cNvSpPr txBox="1"/>
+          <p:nvPr/>
+        </p:nvSpPr>
+        <p:spPr>
+          <a:xfrm>
+            <a:off x="1515035" y="11217105"/>
+            <a:ext cx="2303836" cy="461665"/>
+          </a:xfrm>
+          <a:prstGeom prst="rect">
+            <a:avLst/>
+          </a:prstGeom>
+          <a:noFill/>
+        </p:spPr>
+        <p:txBody>
+          <a:bodyPr wrap="none" rtlCol="0">
+            <a:spAutoFit/>
+          </a:bodyPr>
+          <a:lstStyle/>
+          <a:p>
+            <a:r>
+              <a:rPr lang="en-US" sz="2400" dirty="0">
+                <a:latin typeface="Open Sans" panose="020B0606030504020204" pitchFamily="34" charset="0"/>
+                <a:ea typeface="Open Sans" panose="020B0606030504020204" pitchFamily="34" charset="0"/>
+                <a:cs typeface="Open Sans" panose="020B0606030504020204" pitchFamily="34" charset="0"/>
+              </a:rPr>
+              <a:t>Commentary:  </a:t>
+            </a:r>
+          </a:p>
+        </p:txBody>
+      </p:sp>
+      <p:pic>
+        <p:nvPicPr>
+          <p:cNvPr id="3" name="Picture 2">
+            <a:extLst>
+              <a:ext uri="{FF2B5EF4-FFF2-40B4-BE49-F238E27FC236}">
+                <a16:creationId xmlns:a16="http://schemas.microsoft.com/office/drawing/2014/main" id="{743AE862-9590-4571-B80F-41E97AC89BC0}"/>
+              </a:ext>
+            </a:extLst>
+          </p:cNvPr>
+          <p:cNvPicPr>
+            <a:picLocks noChangeAspect="1"/>
+          </p:cNvPicPr>
+          <p:nvPr/>
+        </p:nvPicPr>
+        <p:blipFill>
+          <a:blip r:embed="rId2">
+            <a:extLst>
+              <a:ext uri="{28A0092B-C50C-407E-A947-70E740481C1C}">
+                <a14:useLocalDpi xmlns:a14="http://schemas.microsoft.com/office/drawing/2010/main" val="0"/>
+              </a:ext>
+            </a:extLst>
+          </a:blip>
+          <a:stretch>
+            <a:fillRect/>
+          </a:stretch>
+        </p:blipFill>
+        <p:spPr>
+          <a:xfrm>
+            <a:off x="2033568" y="59498"/>
+            <a:ext cx="18596013" cy="11157607"/>
+          </a:xfrm>
+          <a:prstGeom prst="rect">
+            <a:avLst/>
+          </a:prstGeom>
+        </p:spPr>
+      </p:pic>
+    </p:spTree>
+    <p:extLst>
+      <p:ext uri="{BB962C8B-B14F-4D97-AF65-F5344CB8AC3E}">
+        <p14:creationId xmlns:p14="http://schemas.microsoft.com/office/powerpoint/2010/main" val="554629027"/>
+      </p:ext>
+    </p:extLst>
+  </p:cSld>
+  <p:clrMapOvr>
+    <a:masterClrMapping/>
+  </p:clrMapOvr>
+</p:sld>
+</file>
+
+<file path=ppt/slides/slide2.xml><?xml version="1.0" encoding="utf-8"?>
+<p:sld xmlns:a="http://schemas.openxmlformats.org/drawingml/2006/main" xmlns:r="http://schemas.openxmlformats.org/officeDocument/2006/relationships" xmlns:p="http://schemas.openxmlformats.org/presentationml/2006/main">
+  <p:cSld>
+    <p:spTree>
+      <p:nvGrpSpPr>
+        <p:cNvPr id="1" name=""/>
+        <p:cNvGrpSpPr/>
+        <p:nvPr/>
+      </p:nvGrpSpPr>
+      <p:grpSpPr>
+        <a:xfrm>
+          <a:off x="0" y="0"/>
+          <a:ext cx="0" cy="0"/>
+          <a:chOff x="0" y="0"/>
+          <a:chExt cx="0" cy="0"/>
+        </a:xfrm>
+      </p:grpSpPr>
+      <p:sp>
+        <p:nvSpPr>
+          <p:cNvPr id="17" name="TextBox 16">
+            <a:extLst>
+              <a:ext uri="{FF2B5EF4-FFF2-40B4-BE49-F238E27FC236}">
+                <a16:creationId xmlns:a16="http://schemas.microsoft.com/office/drawing/2014/main" id="{451A3EA3-1314-4F49-8814-3805E25D98FD}"/>
+              </a:ext>
+            </a:extLst>
+          </p:cNvPr>
+          <p:cNvSpPr txBox="1"/>
+          <p:nvPr/>
+        </p:nvSpPr>
+        <p:spPr>
+          <a:xfrm>
+            <a:off x="9663368" y="1263600"/>
+            <a:ext cx="5109732" cy="1046440"/>
+          </a:xfrm>
+          <a:prstGeom prst="rect">
+            <a:avLst/>
+          </a:prstGeom>
+          <a:noFill/>
+        </p:spPr>
+        <p:txBody>
+          <a:bodyPr wrap="none" lIns="91440" tIns="0" rIns="0" bIns="0" rtlCol="0">
+            <a:spAutoFit/>
+          </a:bodyPr>
+          <a:lstStyle/>
+          <a:p>
+            <a:pPr algn="ctr"/>
+            <a:r>
+              <a:rPr lang="en-US" sz="6800" spc="400" dirty="0">
+                <a:solidFill>
+                  <a:schemeClr val="tx2"/>
+                </a:solidFill>
+                <a:latin typeface="Open Sans Light" panose="020B0306030504020204" pitchFamily="34" charset="0"/>
+                <a:ea typeface="Open Sans Light" panose="020B0306030504020204" pitchFamily="34" charset="0"/>
+                <a:cs typeface="Open Sans Light" panose="020B0306030504020204" pitchFamily="34" charset="0"/>
+              </a:rPr>
+              <a:t>Hypotheses</a:t>
+            </a:r>
+          </a:p>
+        </p:txBody>
+      </p:sp>
+      <p:cxnSp>
+        <p:nvCxnSpPr>
+          <p:cNvPr id="22" name="Straight Connector 21">
+            <a:extLst>
+              <a:ext uri="{FF2B5EF4-FFF2-40B4-BE49-F238E27FC236}">
+                <a16:creationId xmlns:a16="http://schemas.microsoft.com/office/drawing/2014/main" id="{C917E75A-8621-4607-B1CA-E1C8D6EA1C9B}"/>
+              </a:ext>
+            </a:extLst>
+          </p:cNvPr>
+          <p:cNvCxnSpPr/>
+          <p:nvPr/>
+        </p:nvCxnSpPr>
+        <p:spPr>
+          <a:xfrm>
+            <a:off x="11520308" y="2622962"/>
+            <a:ext cx="1364539" cy="0"/>
+          </a:xfrm>
+          <a:prstGeom prst="line">
+            <a:avLst/>
+          </a:prstGeom>
+          <a:ln w="45720">
+            <a:solidFill>
+              <a:schemeClr val="accent3"/>
+            </a:solidFill>
+          </a:ln>
+        </p:spPr>
+        <p:style>
+          <a:lnRef idx="1">
+            <a:schemeClr val="accent1"/>
+          </a:lnRef>
+          <a:fillRef idx="0">
+            <a:schemeClr val="accent1"/>
+          </a:fillRef>
+          <a:effectRef idx="0">
+            <a:schemeClr val="accent1"/>
+          </a:effectRef>
+          <a:fontRef idx="minor">
+            <a:schemeClr val="tx1"/>
+          </a:fontRef>
+        </p:style>
+      </p:cxnSp>
+      <p:pic>
+        <p:nvPicPr>
+          <p:cNvPr id="45" name="Picture Placeholder 44">
+            <a:extLst>
+              <a:ext uri="{FF2B5EF4-FFF2-40B4-BE49-F238E27FC236}">
+                <a16:creationId xmlns:a16="http://schemas.microsoft.com/office/drawing/2014/main" id="{F0239AD5-6E60-4D4C-8A90-E93FE9AC23CF}"/>
+              </a:ext>
+            </a:extLst>
+          </p:cNvPr>
+          <p:cNvPicPr>
+            <a:picLocks noGrp="1" noChangeAspect="1"/>
+          </p:cNvPicPr>
+          <p:nvPr>
+            <p:ph type="pic" sz="quarter" idx="10"/>
+          </p:nvPr>
+        </p:nvPicPr>
+        <p:blipFill rotWithShape="1">
+          <a:blip r:embed="rId2" cstate="email">
+            <a:extLst>
+              <a:ext uri="{28A0092B-C50C-407E-A947-70E740481C1C}">
+                <a14:useLocalDpi xmlns:a14="http://schemas.microsoft.com/office/drawing/2010/main" val="0"/>
+              </a:ext>
+            </a:extLst>
+          </a:blip>
+          <a:srcRect l="25849" t="30965" r="28133"/>
+          <a:stretch/>
+        </p:blipFill>
+        <p:spPr>
+          <a:xfrm>
+            <a:off x="8995560" y="3664735"/>
+            <a:ext cx="6386530" cy="6386530"/>
+          </a:xfrm>
+        </p:spPr>
+      </p:pic>
+      <p:pic>
+        <p:nvPicPr>
+          <p:cNvPr id="37" name="Picture Placeholder 36">
+            <a:extLst>
+              <a:ext uri="{FF2B5EF4-FFF2-40B4-BE49-F238E27FC236}">
+                <a16:creationId xmlns:a16="http://schemas.microsoft.com/office/drawing/2014/main" id="{3ED6C99C-EE6F-475E-9C51-64B51A21EB56}"/>
+              </a:ext>
+            </a:extLst>
+          </p:cNvPr>
+          <p:cNvPicPr>
+            <a:picLocks noGrp="1" noChangeAspect="1"/>
+          </p:cNvPicPr>
+          <p:nvPr>
+            <p:ph type="pic" sz="quarter" idx="11"/>
+          </p:nvPr>
+        </p:nvPicPr>
+        <p:blipFill rotWithShape="1">
+          <a:blip r:embed="rId3" cstate="email">
+            <a:extLst>
+              <a:ext uri="{28A0092B-C50C-407E-A947-70E740481C1C}">
+                <a14:useLocalDpi xmlns:a14="http://schemas.microsoft.com/office/drawing/2010/main" val="0"/>
+              </a:ext>
+            </a:extLst>
+          </a:blip>
+          <a:srcRect l="16662" r="16662"/>
+          <a:stretch/>
+        </p:blipFill>
+        <p:spPr/>
+      </p:pic>
+      <p:pic>
+        <p:nvPicPr>
+          <p:cNvPr id="39" name="Picture Placeholder 38">
+            <a:extLst>
+              <a:ext uri="{FF2B5EF4-FFF2-40B4-BE49-F238E27FC236}">
+                <a16:creationId xmlns:a16="http://schemas.microsoft.com/office/drawing/2014/main" id="{A2DBAD52-E47E-4A37-BB96-F370AE3F4E72}"/>
+              </a:ext>
+            </a:extLst>
+          </p:cNvPr>
+          <p:cNvPicPr>
+            <a:picLocks noGrp="1" noChangeAspect="1"/>
+          </p:cNvPicPr>
+          <p:nvPr>
+            <p:ph type="pic" sz="quarter" idx="12"/>
+          </p:nvPr>
+        </p:nvPicPr>
+        <p:blipFill rotWithShape="1">
+          <a:blip r:embed="rId4" cstate="email">
+            <a:extLst>
+              <a:ext uri="{28A0092B-C50C-407E-A947-70E740481C1C}">
+                <a14:useLocalDpi xmlns:a14="http://schemas.microsoft.com/office/drawing/2010/main" val="0"/>
+              </a:ext>
+            </a:extLst>
+          </a:blip>
+          <a:srcRect l="7896" r="25437"/>
+          <a:stretch/>
+        </p:blipFill>
+        <p:spPr>
+          <a:xfrm>
+            <a:off x="12276748" y="7047080"/>
+            <a:ext cx="6386530" cy="6386530"/>
+          </a:xfrm>
+        </p:spPr>
+      </p:pic>
+      <p:sp>
+        <p:nvSpPr>
+          <p:cNvPr id="11" name="Subtitle 2">
+            <a:extLst>
+              <a:ext uri="{FF2B5EF4-FFF2-40B4-BE49-F238E27FC236}">
+                <a16:creationId xmlns:a16="http://schemas.microsoft.com/office/drawing/2014/main" id="{AA5AFDCB-9EF3-48EA-9A3E-C216DBC353D7}"/>
+              </a:ext>
+            </a:extLst>
+          </p:cNvPr>
+          <p:cNvSpPr txBox="1">
+            <a:spLocks/>
+          </p:cNvSpPr>
+          <p:nvPr/>
+        </p:nvSpPr>
+        <p:spPr>
+          <a:xfrm>
+            <a:off x="3086100" y="3849113"/>
+            <a:ext cx="7296150" cy="1665587"/>
+          </a:xfrm>
+          <a:prstGeom prst="rect">
+            <a:avLst/>
+          </a:prstGeom>
+        </p:spPr>
+        <p:txBody>
+          <a:bodyPr vert="horz" wrap="square" lIns="217490" tIns="108745" rIns="217490" bIns="108745" rtlCol="0">
+            <a:spAutoFit/>
+          </a:bodyPr>
+          <a:lstStyle>
+            <a:lvl1pPr marL="0" indent="0" algn="ctr" defTabSz="1087636" rtl="0" eaLnBrk="1" latinLnBrk="0" hangingPunct="1">
+              <a:lnSpc>
+                <a:spcPct val="120000"/>
+              </a:lnSpc>
+              <a:spcBef>
+                <a:spcPct val="20000"/>
+              </a:spcBef>
+              <a:buFont typeface="Arial"/>
+              <a:buNone/>
+              <a:defRPr sz="2400" kern="1200">
+                <a:solidFill>
+                  <a:schemeClr val="tx2"/>
+                </a:solidFill>
+                <a:latin typeface="Open Sans Light"/>
+                <a:ea typeface="+mn-ea"/>
+                <a:cs typeface="Open Sans Light"/>
+              </a:defRPr>
+            </a:lvl1pPr>
+            <a:lvl2pPr marL="1087636" indent="0" algn="ctr" defTabSz="1087636" rtl="0" eaLnBrk="1" latinLnBrk="0" hangingPunct="1">
+              <a:lnSpc>
+                <a:spcPct val="130000"/>
+              </a:lnSpc>
+              <a:spcBef>
+                <a:spcPct val="20000"/>
+              </a:spcBef>
+              <a:buFont typeface="Arial"/>
+              <a:buNone/>
+              <a:defRPr sz="3200" kern="1200">
+                <a:solidFill>
+                  <a:schemeClr val="tx1">
+                    <a:tint val="75000"/>
+                  </a:schemeClr>
+                </a:solidFill>
+                <a:latin typeface="Open Sans"/>
+                <a:ea typeface="+mn-ea"/>
+                <a:cs typeface="Open Sans"/>
+              </a:defRPr>
+            </a:lvl2pPr>
+            <a:lvl3pPr marL="2175271" indent="0" algn="ctr" defTabSz="1087636" rtl="0" eaLnBrk="1" latinLnBrk="0" hangingPunct="1">
+              <a:lnSpc>
+                <a:spcPct val="130000"/>
+              </a:lnSpc>
+              <a:spcBef>
+                <a:spcPct val="20000"/>
+              </a:spcBef>
+              <a:buFont typeface="Arial"/>
+              <a:buNone/>
+              <a:defRPr sz="3200" kern="1200">
+                <a:solidFill>
+                  <a:schemeClr val="tx1">
+                    <a:tint val="75000"/>
+                  </a:schemeClr>
+                </a:solidFill>
+                <a:latin typeface="Open Sans"/>
+                <a:ea typeface="+mn-ea"/>
+                <a:cs typeface="Open Sans"/>
+              </a:defRPr>
+            </a:lvl3pPr>
+            <a:lvl4pPr marL="3262912" indent="0" algn="ctr" defTabSz="1087636" rtl="0" eaLnBrk="1" latinLnBrk="0" hangingPunct="1">
+              <a:lnSpc>
+                <a:spcPct val="130000"/>
+              </a:lnSpc>
+              <a:spcBef>
+                <a:spcPct val="20000"/>
+              </a:spcBef>
+              <a:buFont typeface="Arial"/>
+              <a:buNone/>
+              <a:defRPr sz="3200" kern="1200">
+                <a:solidFill>
+                  <a:schemeClr val="tx1">
+                    <a:tint val="75000"/>
+                  </a:schemeClr>
+                </a:solidFill>
+                <a:latin typeface="Open Sans"/>
+                <a:ea typeface="+mn-ea"/>
+                <a:cs typeface="Open Sans"/>
+              </a:defRPr>
+            </a:lvl4pPr>
+            <a:lvl5pPr marL="4350546" indent="0" algn="ctr" defTabSz="1087636" rtl="0" eaLnBrk="1" latinLnBrk="0" hangingPunct="1">
+              <a:lnSpc>
+                <a:spcPct val="130000"/>
+              </a:lnSpc>
+              <a:spcBef>
+                <a:spcPct val="20000"/>
+              </a:spcBef>
+              <a:buFont typeface="Arial"/>
+              <a:buNone/>
+              <a:defRPr sz="3200" kern="1200">
+                <a:solidFill>
+                  <a:schemeClr val="tx1">
+                    <a:tint val="75000"/>
+                  </a:schemeClr>
+                </a:solidFill>
+                <a:latin typeface="Open Sans"/>
+                <a:ea typeface="+mn-ea"/>
+                <a:cs typeface="Open Sans"/>
+              </a:defRPr>
+            </a:lvl5pPr>
+            <a:lvl6pPr marL="5438184" indent="0" algn="ctr" defTabSz="1087636" rtl="0" eaLnBrk="1" latinLnBrk="0" hangingPunct="1">
+              <a:spcBef>
+                <a:spcPct val="20000"/>
+              </a:spcBef>
+              <a:buFont typeface="Arial"/>
+              <a:buNone/>
+              <a:defRPr sz="4800" kern="1200">
+                <a:solidFill>
+                  <a:schemeClr val="tx1">
+                    <a:tint val="75000"/>
+                  </a:schemeClr>
+                </a:solidFill>
+                <a:latin typeface="+mn-lt"/>
+                <a:ea typeface="+mn-ea"/>
+                <a:cs typeface="+mn-cs"/>
+              </a:defRPr>
+            </a:lvl6pPr>
+            <a:lvl7pPr marL="6525820" indent="0" algn="ctr" defTabSz="1087636" rtl="0" eaLnBrk="1" latinLnBrk="0" hangingPunct="1">
+              <a:spcBef>
+                <a:spcPct val="20000"/>
+              </a:spcBef>
+              <a:buFont typeface="Arial"/>
+              <a:buNone/>
+              <a:defRPr sz="4800" kern="1200">
+                <a:solidFill>
+                  <a:schemeClr val="tx1">
+                    <a:tint val="75000"/>
+                  </a:schemeClr>
+                </a:solidFill>
+                <a:latin typeface="+mn-lt"/>
+                <a:ea typeface="+mn-ea"/>
+                <a:cs typeface="+mn-cs"/>
+              </a:defRPr>
+            </a:lvl7pPr>
+            <a:lvl8pPr marL="7613455" indent="0" algn="ctr" defTabSz="1087636" rtl="0" eaLnBrk="1" latinLnBrk="0" hangingPunct="1">
+              <a:spcBef>
+                <a:spcPct val="20000"/>
+              </a:spcBef>
+              <a:buFont typeface="Arial"/>
+              <a:buNone/>
+              <a:defRPr sz="4800" kern="1200">
+                <a:solidFill>
+                  <a:schemeClr val="tx1">
+                    <a:tint val="75000"/>
+                  </a:schemeClr>
+                </a:solidFill>
+                <a:latin typeface="+mn-lt"/>
+                <a:ea typeface="+mn-ea"/>
+                <a:cs typeface="+mn-cs"/>
+              </a:defRPr>
+            </a:lvl8pPr>
+            <a:lvl9pPr marL="8701091" indent="0" algn="ctr" defTabSz="1087636" rtl="0" eaLnBrk="1" latinLnBrk="0" hangingPunct="1">
+              <a:spcBef>
+                <a:spcPct val="20000"/>
+              </a:spcBef>
+              <a:buFont typeface="Arial"/>
+              <a:buNone/>
+              <a:defRPr sz="4800" kern="1200">
+                <a:solidFill>
+                  <a:schemeClr val="tx1">
+                    <a:tint val="75000"/>
+                  </a:schemeClr>
+                </a:solidFill>
+                <a:latin typeface="+mn-lt"/>
+                <a:ea typeface="+mn-ea"/>
+                <a:cs typeface="+mn-cs"/>
+              </a:defRPr>
+            </a:lvl9pPr>
+          </a:lstStyle>
+          <a:p>
+            <a:pPr algn="l"/>
+            <a:r>
+              <a:rPr lang="en-US" b="0" dirty="0">
+                <a:solidFill>
+                  <a:srgbClr val="000000"/>
+                </a:solidFill>
+                <a:effectLst/>
+                <a:latin typeface="Open Sans"/>
+              </a:rPr>
+              <a:t>We expect to see a significant ramp-up</a:t>
+            </a:r>
+          </a:p>
+          <a:p>
+            <a:pPr algn="l"/>
+            <a:r>
+              <a:rPr lang="en-US" b="0" dirty="0">
+                <a:solidFill>
+                  <a:srgbClr val="000000"/>
+                </a:solidFill>
+                <a:effectLst/>
+                <a:latin typeface="Open Sans"/>
+              </a:rPr>
+              <a:t>in vaccine allocation with time.  Aside from </a:t>
+            </a:r>
+          </a:p>
+          <a:p>
+            <a:pPr algn="l"/>
+            <a:r>
+              <a:rPr lang="en-US" b="0" dirty="0">
+                <a:solidFill>
+                  <a:srgbClr val="000000"/>
+                </a:solidFill>
+                <a:effectLst/>
+                <a:latin typeface="Open Sans"/>
+              </a:rPr>
+              <a:t>known anomalies like the Texas storm in March.</a:t>
+            </a:r>
+          </a:p>
+        </p:txBody>
+      </p:sp>
+      <p:sp>
+        <p:nvSpPr>
+          <p:cNvPr id="12" name="Subtitle 2">
+            <a:extLst>
+              <a:ext uri="{FF2B5EF4-FFF2-40B4-BE49-F238E27FC236}">
+                <a16:creationId xmlns:a16="http://schemas.microsoft.com/office/drawing/2014/main" id="{7EAA1FA7-5FC1-414A-BDED-C73C49FE93CB}"/>
+              </a:ext>
+            </a:extLst>
+          </p:cNvPr>
+          <p:cNvSpPr txBox="1">
+            <a:spLocks/>
+          </p:cNvSpPr>
+          <p:nvPr/>
+        </p:nvSpPr>
+        <p:spPr>
+          <a:xfrm>
+            <a:off x="950310" y="7126615"/>
+            <a:ext cx="6574439" cy="3216781"/>
+          </a:xfrm>
+          <a:prstGeom prst="rect">
+            <a:avLst/>
+          </a:prstGeom>
+        </p:spPr>
+        <p:txBody>
+          <a:bodyPr vert="horz" wrap="square" lIns="217490" tIns="108745" rIns="217490" bIns="108745" rtlCol="0">
+            <a:spAutoFit/>
+          </a:bodyPr>
+          <a:lstStyle>
+            <a:lvl1pPr marL="0" indent="0" algn="ctr" defTabSz="1087636" rtl="0" eaLnBrk="1" latinLnBrk="0" hangingPunct="1">
+              <a:lnSpc>
+                <a:spcPct val="120000"/>
+              </a:lnSpc>
+              <a:spcBef>
+                <a:spcPct val="20000"/>
+              </a:spcBef>
+              <a:buFont typeface="Arial"/>
+              <a:buNone/>
+              <a:defRPr sz="2400" kern="1200">
+                <a:solidFill>
+                  <a:schemeClr val="tx2"/>
+                </a:solidFill>
+                <a:latin typeface="Open Sans Light"/>
+                <a:ea typeface="+mn-ea"/>
+                <a:cs typeface="Open Sans Light"/>
+              </a:defRPr>
+            </a:lvl1pPr>
+            <a:lvl2pPr marL="1087636" indent="0" algn="ctr" defTabSz="1087636" rtl="0" eaLnBrk="1" latinLnBrk="0" hangingPunct="1">
+              <a:lnSpc>
+                <a:spcPct val="130000"/>
+              </a:lnSpc>
+              <a:spcBef>
+                <a:spcPct val="20000"/>
+              </a:spcBef>
+              <a:buFont typeface="Arial"/>
+              <a:buNone/>
+              <a:defRPr sz="3200" kern="1200">
+                <a:solidFill>
+                  <a:schemeClr val="tx1">
+                    <a:tint val="75000"/>
+                  </a:schemeClr>
+                </a:solidFill>
+                <a:latin typeface="Open Sans"/>
+                <a:ea typeface="+mn-ea"/>
+                <a:cs typeface="Open Sans"/>
+              </a:defRPr>
+            </a:lvl2pPr>
+            <a:lvl3pPr marL="2175271" indent="0" algn="ctr" defTabSz="1087636" rtl="0" eaLnBrk="1" latinLnBrk="0" hangingPunct="1">
+              <a:lnSpc>
+                <a:spcPct val="130000"/>
+              </a:lnSpc>
+              <a:spcBef>
+                <a:spcPct val="20000"/>
+              </a:spcBef>
+              <a:buFont typeface="Arial"/>
+              <a:buNone/>
+              <a:defRPr sz="3200" kern="1200">
+                <a:solidFill>
+                  <a:schemeClr val="tx1">
+                    <a:tint val="75000"/>
+                  </a:schemeClr>
+                </a:solidFill>
+                <a:latin typeface="Open Sans"/>
+                <a:ea typeface="+mn-ea"/>
+                <a:cs typeface="Open Sans"/>
+              </a:defRPr>
+            </a:lvl3pPr>
+            <a:lvl4pPr marL="3262912" indent="0" algn="ctr" defTabSz="1087636" rtl="0" eaLnBrk="1" latinLnBrk="0" hangingPunct="1">
+              <a:lnSpc>
+                <a:spcPct val="130000"/>
+              </a:lnSpc>
+              <a:spcBef>
+                <a:spcPct val="20000"/>
+              </a:spcBef>
+              <a:buFont typeface="Arial"/>
+              <a:buNone/>
+              <a:defRPr sz="3200" kern="1200">
+                <a:solidFill>
+                  <a:schemeClr val="tx1">
+                    <a:tint val="75000"/>
+                  </a:schemeClr>
+                </a:solidFill>
+                <a:latin typeface="Open Sans"/>
+                <a:ea typeface="+mn-ea"/>
+                <a:cs typeface="Open Sans"/>
+              </a:defRPr>
+            </a:lvl4pPr>
+            <a:lvl5pPr marL="4350546" indent="0" algn="ctr" defTabSz="1087636" rtl="0" eaLnBrk="1" latinLnBrk="0" hangingPunct="1">
+              <a:lnSpc>
+                <a:spcPct val="130000"/>
+              </a:lnSpc>
+              <a:spcBef>
+                <a:spcPct val="20000"/>
+              </a:spcBef>
+              <a:buFont typeface="Arial"/>
+              <a:buNone/>
+              <a:defRPr sz="3200" kern="1200">
+                <a:solidFill>
+                  <a:schemeClr val="tx1">
+                    <a:tint val="75000"/>
+                  </a:schemeClr>
+                </a:solidFill>
+                <a:latin typeface="Open Sans"/>
+                <a:ea typeface="+mn-ea"/>
+                <a:cs typeface="Open Sans"/>
+              </a:defRPr>
+            </a:lvl5pPr>
+            <a:lvl6pPr marL="5438184" indent="0" algn="ctr" defTabSz="1087636" rtl="0" eaLnBrk="1" latinLnBrk="0" hangingPunct="1">
+              <a:spcBef>
+                <a:spcPct val="20000"/>
+              </a:spcBef>
+              <a:buFont typeface="Arial"/>
+              <a:buNone/>
+              <a:defRPr sz="4800" kern="1200">
+                <a:solidFill>
+                  <a:schemeClr val="tx1">
+                    <a:tint val="75000"/>
+                  </a:schemeClr>
+                </a:solidFill>
+                <a:latin typeface="+mn-lt"/>
+                <a:ea typeface="+mn-ea"/>
+                <a:cs typeface="+mn-cs"/>
+              </a:defRPr>
+            </a:lvl6pPr>
+            <a:lvl7pPr marL="6525820" indent="0" algn="ctr" defTabSz="1087636" rtl="0" eaLnBrk="1" latinLnBrk="0" hangingPunct="1">
+              <a:spcBef>
+                <a:spcPct val="20000"/>
+              </a:spcBef>
+              <a:buFont typeface="Arial"/>
+              <a:buNone/>
+              <a:defRPr sz="4800" kern="1200">
+                <a:solidFill>
+                  <a:schemeClr val="tx1">
+                    <a:tint val="75000"/>
+                  </a:schemeClr>
+                </a:solidFill>
+                <a:latin typeface="+mn-lt"/>
+                <a:ea typeface="+mn-ea"/>
+                <a:cs typeface="+mn-cs"/>
+              </a:defRPr>
+            </a:lvl7pPr>
+            <a:lvl8pPr marL="7613455" indent="0" algn="ctr" defTabSz="1087636" rtl="0" eaLnBrk="1" latinLnBrk="0" hangingPunct="1">
+              <a:spcBef>
+                <a:spcPct val="20000"/>
+              </a:spcBef>
+              <a:buFont typeface="Arial"/>
+              <a:buNone/>
+              <a:defRPr sz="4800" kern="1200">
+                <a:solidFill>
+                  <a:schemeClr val="tx1">
+                    <a:tint val="75000"/>
+                  </a:schemeClr>
+                </a:solidFill>
+                <a:latin typeface="+mn-lt"/>
+                <a:ea typeface="+mn-ea"/>
+                <a:cs typeface="+mn-cs"/>
+              </a:defRPr>
+            </a:lvl8pPr>
+            <a:lvl9pPr marL="8701091" indent="0" algn="ctr" defTabSz="1087636" rtl="0" eaLnBrk="1" latinLnBrk="0" hangingPunct="1">
+              <a:spcBef>
+                <a:spcPct val="20000"/>
+              </a:spcBef>
+              <a:buFont typeface="Arial"/>
+              <a:buNone/>
+              <a:defRPr sz="4800" kern="1200">
+                <a:solidFill>
+                  <a:schemeClr val="tx1">
+                    <a:tint val="75000"/>
+                  </a:schemeClr>
+                </a:solidFill>
+                <a:latin typeface="+mn-lt"/>
+                <a:ea typeface="+mn-ea"/>
+                <a:cs typeface="+mn-cs"/>
+              </a:defRPr>
+            </a:lvl9pPr>
+          </a:lstStyle>
+          <a:p>
+            <a:pPr algn="l"/>
+            <a:r>
+              <a:rPr lang="en-US" b="0" dirty="0">
+                <a:solidFill>
+                  <a:srgbClr val="000000"/>
+                </a:solidFill>
+                <a:effectLst/>
+                <a:latin typeface="Open Sans"/>
+              </a:rPr>
+              <a:t>We believe the distribution ratios between</a:t>
+            </a:r>
+          </a:p>
+          <a:p>
+            <a:pPr algn="l"/>
+            <a:r>
+              <a:rPr lang="en-US" b="0" dirty="0">
+                <a:solidFill>
+                  <a:srgbClr val="000000"/>
+                </a:solidFill>
+                <a:effectLst/>
+                <a:latin typeface="Open Sans"/>
+              </a:rPr>
+              <a:t>the first and second dose will invert </a:t>
+            </a:r>
+          </a:p>
+          <a:p>
+            <a:pPr algn="l"/>
+            <a:r>
+              <a:rPr lang="en-US" b="0" dirty="0">
+                <a:solidFill>
+                  <a:srgbClr val="000000"/>
+                </a:solidFill>
+                <a:effectLst/>
+                <a:latin typeface="Open Sans"/>
+              </a:rPr>
+              <a:t>over time with early dates showing a </a:t>
+            </a:r>
+          </a:p>
+          <a:p>
+            <a:pPr algn="l"/>
+            <a:r>
+              <a:rPr lang="en-US" b="0" dirty="0">
+                <a:solidFill>
+                  <a:srgbClr val="000000"/>
+                </a:solidFill>
+                <a:effectLst/>
+                <a:latin typeface="Open Sans"/>
+              </a:rPr>
+              <a:t>higher level of 1st dose allocations and </a:t>
+            </a:r>
+          </a:p>
+          <a:p>
+            <a:pPr algn="l"/>
+            <a:r>
+              <a:rPr lang="en-US" b="0" dirty="0">
+                <a:solidFill>
+                  <a:srgbClr val="000000"/>
+                </a:solidFill>
+                <a:effectLst/>
+                <a:latin typeface="Open Sans"/>
+              </a:rPr>
+              <a:t>later dates showing a higher level </a:t>
+            </a:r>
+          </a:p>
+          <a:p>
+            <a:pPr algn="l"/>
+            <a:r>
+              <a:rPr lang="en-US" b="0" dirty="0">
+                <a:solidFill>
+                  <a:srgbClr val="000000"/>
+                </a:solidFill>
+                <a:effectLst/>
+                <a:latin typeface="Open Sans"/>
+              </a:rPr>
+              <a:t>of 2nd dose allocations.</a:t>
+            </a:r>
+          </a:p>
+        </p:txBody>
+      </p:sp>
+      <p:sp>
+        <p:nvSpPr>
+          <p:cNvPr id="13" name="Subtitle 2">
+            <a:extLst>
+              <a:ext uri="{FF2B5EF4-FFF2-40B4-BE49-F238E27FC236}">
+                <a16:creationId xmlns:a16="http://schemas.microsoft.com/office/drawing/2014/main" id="{FCF82FA1-1910-4BBF-9622-F96EF9846A89}"/>
+              </a:ext>
+            </a:extLst>
+          </p:cNvPr>
+          <p:cNvSpPr txBox="1">
+            <a:spLocks/>
+          </p:cNvSpPr>
+          <p:nvPr/>
+        </p:nvSpPr>
+        <p:spPr>
+          <a:xfrm>
+            <a:off x="17522228" y="5622126"/>
+            <a:ext cx="6652221" cy="3659979"/>
+          </a:xfrm>
+          <a:prstGeom prst="rect">
+            <a:avLst/>
+          </a:prstGeom>
+        </p:spPr>
+        <p:txBody>
+          <a:bodyPr vert="horz" wrap="square" lIns="217490" tIns="108745" rIns="217490" bIns="108745" rtlCol="0">
+            <a:spAutoFit/>
+          </a:bodyPr>
+          <a:lstStyle>
+            <a:lvl1pPr marL="0" indent="0" algn="ctr" defTabSz="1087636" rtl="0" eaLnBrk="1" latinLnBrk="0" hangingPunct="1">
+              <a:lnSpc>
+                <a:spcPct val="120000"/>
+              </a:lnSpc>
+              <a:spcBef>
+                <a:spcPct val="20000"/>
+              </a:spcBef>
+              <a:buFont typeface="Arial"/>
+              <a:buNone/>
+              <a:defRPr sz="2400" kern="1200">
+                <a:solidFill>
+                  <a:schemeClr val="tx2"/>
+                </a:solidFill>
+                <a:latin typeface="Open Sans Light"/>
+                <a:ea typeface="+mn-ea"/>
+                <a:cs typeface="Open Sans Light"/>
+              </a:defRPr>
+            </a:lvl1pPr>
+            <a:lvl2pPr marL="1087636" indent="0" algn="ctr" defTabSz="1087636" rtl="0" eaLnBrk="1" latinLnBrk="0" hangingPunct="1">
+              <a:lnSpc>
+                <a:spcPct val="130000"/>
+              </a:lnSpc>
+              <a:spcBef>
+                <a:spcPct val="20000"/>
+              </a:spcBef>
+              <a:buFont typeface="Arial"/>
+              <a:buNone/>
+              <a:defRPr sz="3200" kern="1200">
+                <a:solidFill>
+                  <a:schemeClr val="tx1">
+                    <a:tint val="75000"/>
+                  </a:schemeClr>
+                </a:solidFill>
+                <a:latin typeface="Open Sans"/>
+                <a:ea typeface="+mn-ea"/>
+                <a:cs typeface="Open Sans"/>
+              </a:defRPr>
+            </a:lvl2pPr>
+            <a:lvl3pPr marL="2175271" indent="0" algn="ctr" defTabSz="1087636" rtl="0" eaLnBrk="1" latinLnBrk="0" hangingPunct="1">
+              <a:lnSpc>
+                <a:spcPct val="130000"/>
+              </a:lnSpc>
+              <a:spcBef>
+                <a:spcPct val="20000"/>
+              </a:spcBef>
+              <a:buFont typeface="Arial"/>
+              <a:buNone/>
+              <a:defRPr sz="3200" kern="1200">
+                <a:solidFill>
+                  <a:schemeClr val="tx1">
+                    <a:tint val="75000"/>
+                  </a:schemeClr>
+                </a:solidFill>
+                <a:latin typeface="Open Sans"/>
+                <a:ea typeface="+mn-ea"/>
+                <a:cs typeface="Open Sans"/>
+              </a:defRPr>
+            </a:lvl3pPr>
+            <a:lvl4pPr marL="3262912" indent="0" algn="ctr" defTabSz="1087636" rtl="0" eaLnBrk="1" latinLnBrk="0" hangingPunct="1">
+              <a:lnSpc>
+                <a:spcPct val="130000"/>
+              </a:lnSpc>
+              <a:spcBef>
+                <a:spcPct val="20000"/>
+              </a:spcBef>
+              <a:buFont typeface="Arial"/>
+              <a:buNone/>
+              <a:defRPr sz="3200" kern="1200">
+                <a:solidFill>
+                  <a:schemeClr val="tx1">
+                    <a:tint val="75000"/>
+                  </a:schemeClr>
+                </a:solidFill>
+                <a:latin typeface="Open Sans"/>
+                <a:ea typeface="+mn-ea"/>
+                <a:cs typeface="Open Sans"/>
+              </a:defRPr>
+            </a:lvl4pPr>
+            <a:lvl5pPr marL="4350546" indent="0" algn="ctr" defTabSz="1087636" rtl="0" eaLnBrk="1" latinLnBrk="0" hangingPunct="1">
+              <a:lnSpc>
+                <a:spcPct val="130000"/>
+              </a:lnSpc>
+              <a:spcBef>
+                <a:spcPct val="20000"/>
+              </a:spcBef>
+              <a:buFont typeface="Arial"/>
+              <a:buNone/>
+              <a:defRPr sz="3200" kern="1200">
+                <a:solidFill>
+                  <a:schemeClr val="tx1">
+                    <a:tint val="75000"/>
+                  </a:schemeClr>
+                </a:solidFill>
+                <a:latin typeface="Open Sans"/>
+                <a:ea typeface="+mn-ea"/>
+                <a:cs typeface="Open Sans"/>
+              </a:defRPr>
+            </a:lvl5pPr>
+            <a:lvl6pPr marL="5438184" indent="0" algn="ctr" defTabSz="1087636" rtl="0" eaLnBrk="1" latinLnBrk="0" hangingPunct="1">
+              <a:spcBef>
+                <a:spcPct val="20000"/>
+              </a:spcBef>
+              <a:buFont typeface="Arial"/>
+              <a:buNone/>
+              <a:defRPr sz="4800" kern="1200">
+                <a:solidFill>
+                  <a:schemeClr val="tx1">
+                    <a:tint val="75000"/>
+                  </a:schemeClr>
+                </a:solidFill>
+                <a:latin typeface="+mn-lt"/>
+                <a:ea typeface="+mn-ea"/>
+                <a:cs typeface="+mn-cs"/>
+              </a:defRPr>
+            </a:lvl6pPr>
+            <a:lvl7pPr marL="6525820" indent="0" algn="ctr" defTabSz="1087636" rtl="0" eaLnBrk="1" latinLnBrk="0" hangingPunct="1">
+              <a:spcBef>
+                <a:spcPct val="20000"/>
+              </a:spcBef>
+              <a:buFont typeface="Arial"/>
+              <a:buNone/>
+              <a:defRPr sz="4800" kern="1200">
+                <a:solidFill>
+                  <a:schemeClr val="tx1">
+                    <a:tint val="75000"/>
+                  </a:schemeClr>
+                </a:solidFill>
+                <a:latin typeface="+mn-lt"/>
+                <a:ea typeface="+mn-ea"/>
+                <a:cs typeface="+mn-cs"/>
+              </a:defRPr>
+            </a:lvl7pPr>
+            <a:lvl8pPr marL="7613455" indent="0" algn="ctr" defTabSz="1087636" rtl="0" eaLnBrk="1" latinLnBrk="0" hangingPunct="1">
+              <a:spcBef>
+                <a:spcPct val="20000"/>
+              </a:spcBef>
+              <a:buFont typeface="Arial"/>
+              <a:buNone/>
+              <a:defRPr sz="4800" kern="1200">
+                <a:solidFill>
+                  <a:schemeClr val="tx1">
+                    <a:tint val="75000"/>
+                  </a:schemeClr>
+                </a:solidFill>
+                <a:latin typeface="+mn-lt"/>
+                <a:ea typeface="+mn-ea"/>
+                <a:cs typeface="+mn-cs"/>
+              </a:defRPr>
+            </a:lvl8pPr>
+            <a:lvl9pPr marL="8701091" indent="0" algn="ctr" defTabSz="1087636" rtl="0" eaLnBrk="1" latinLnBrk="0" hangingPunct="1">
+              <a:spcBef>
+                <a:spcPct val="20000"/>
+              </a:spcBef>
+              <a:buFont typeface="Arial"/>
+              <a:buNone/>
+              <a:defRPr sz="4800" kern="1200">
+                <a:solidFill>
+                  <a:schemeClr val="tx1">
+                    <a:tint val="75000"/>
+                  </a:schemeClr>
+                </a:solidFill>
+                <a:latin typeface="+mn-lt"/>
+                <a:ea typeface="+mn-ea"/>
+                <a:cs typeface="+mn-cs"/>
+              </a:defRPr>
+            </a:lvl9pPr>
+          </a:lstStyle>
+          <a:p>
+            <a:pPr algn="l"/>
+            <a:r>
+              <a:rPr lang="en-US" b="0" dirty="0">
+                <a:solidFill>
+                  <a:srgbClr val="000000"/>
+                </a:solidFill>
+                <a:effectLst/>
+                <a:latin typeface="Open Sans"/>
+              </a:rPr>
+              <a:t>We expect to see larger quantities of Pfizer</a:t>
+            </a:r>
+          </a:p>
+          <a:p>
+            <a:pPr algn="l"/>
+            <a:r>
+              <a:rPr lang="en-US" b="0" dirty="0">
+                <a:solidFill>
+                  <a:srgbClr val="000000"/>
+                </a:solidFill>
+                <a:effectLst/>
+                <a:latin typeface="Open Sans"/>
+              </a:rPr>
+              <a:t>vaccines being allocated to states with the </a:t>
+            </a:r>
+          </a:p>
+          <a:p>
+            <a:pPr algn="l"/>
+            <a:r>
+              <a:rPr lang="en-US" b="0" dirty="0">
+                <a:solidFill>
+                  <a:srgbClr val="000000"/>
+                </a:solidFill>
+                <a:effectLst/>
+                <a:latin typeface="Open Sans"/>
+              </a:rPr>
+              <a:t>greatest population density due to storage</a:t>
+            </a:r>
+          </a:p>
+          <a:p>
+            <a:pPr algn="l"/>
+            <a:r>
+              <a:rPr lang="en-US" b="0" dirty="0">
+                <a:solidFill>
+                  <a:srgbClr val="000000"/>
+                </a:solidFill>
+                <a:effectLst/>
+                <a:latin typeface="Open Sans"/>
+              </a:rPr>
+              <a:t> requirements and larger quantities of </a:t>
+            </a:r>
+          </a:p>
+          <a:p>
+            <a:pPr algn="l"/>
+            <a:r>
+              <a:rPr lang="en-US" b="0" dirty="0">
+                <a:solidFill>
+                  <a:srgbClr val="000000"/>
+                </a:solidFill>
+                <a:effectLst/>
+                <a:latin typeface="Open Sans"/>
+              </a:rPr>
+              <a:t>Johnson and Johnson vaccines being  </a:t>
+            </a:r>
+          </a:p>
+          <a:p>
+            <a:pPr algn="l"/>
+            <a:r>
+              <a:rPr lang="en-US" dirty="0">
+                <a:solidFill>
+                  <a:srgbClr val="000000"/>
+                </a:solidFill>
+                <a:latin typeface="Open Sans"/>
+              </a:rPr>
+              <a:t>a</a:t>
+            </a:r>
+            <a:r>
+              <a:rPr lang="en-US" b="0" dirty="0">
+                <a:solidFill>
+                  <a:srgbClr val="000000"/>
+                </a:solidFill>
+                <a:effectLst/>
+                <a:latin typeface="Open Sans"/>
+              </a:rPr>
+              <a:t>llocated to states with lower population densities.</a:t>
+            </a:r>
+          </a:p>
+        </p:txBody>
+      </p:sp>
+    </p:spTree>
+    <p:extLst>
+      <p:ext uri="{BB962C8B-B14F-4D97-AF65-F5344CB8AC3E}">
+        <p14:creationId xmlns:p14="http://schemas.microsoft.com/office/powerpoint/2010/main" val="3417605883"/>
+      </p:ext>
+    </p:extLst>
+  </p:cSld>
+  <p:clrMapOvr>
+    <a:masterClrMapping/>
+  </p:clrMapOvr>
+</p:sld>
+</file>
+
+<file path=ppt/slides/slide20.xml><?xml version="1.0" encoding="utf-8"?>
+<p:sld xmlns:a="http://schemas.openxmlformats.org/drawingml/2006/main" xmlns:r="http://schemas.openxmlformats.org/officeDocument/2006/relationships" xmlns:p="http://schemas.openxmlformats.org/presentationml/2006/main">
+  <p:cSld>
+    <p:spTree>
+      <p:nvGrpSpPr>
+        <p:cNvPr id="1" name=""/>
+        <p:cNvGrpSpPr/>
+        <p:nvPr/>
+      </p:nvGrpSpPr>
+      <p:grpSpPr>
+        <a:xfrm>
+          <a:off x="0" y="0"/>
+          <a:ext cx="0" cy="0"/>
+          <a:chOff x="0" y="0"/>
+          <a:chExt cx="0" cy="0"/>
+        </a:xfrm>
+      </p:grpSpPr>
+      <p:sp>
+        <p:nvSpPr>
+          <p:cNvPr id="7" name="TextBox 6">
+            <a:extLst>
+              <a:ext uri="{FF2B5EF4-FFF2-40B4-BE49-F238E27FC236}">
+                <a16:creationId xmlns:a16="http://schemas.microsoft.com/office/drawing/2014/main" id="{52040759-D789-46E3-B613-7E50821A1881}"/>
+              </a:ext>
+            </a:extLst>
+          </p:cNvPr>
+          <p:cNvSpPr txBox="1"/>
+          <p:nvPr/>
+        </p:nvSpPr>
+        <p:spPr>
+          <a:xfrm>
+            <a:off x="1515035" y="11217105"/>
+            <a:ext cx="2303836" cy="461665"/>
+          </a:xfrm>
+          <a:prstGeom prst="rect">
+            <a:avLst/>
+          </a:prstGeom>
+          <a:noFill/>
+        </p:spPr>
+        <p:txBody>
+          <a:bodyPr wrap="none" rtlCol="0">
+            <a:spAutoFit/>
+          </a:bodyPr>
+          <a:lstStyle/>
+          <a:p>
+            <a:r>
+              <a:rPr lang="en-US" sz="2400" dirty="0">
+                <a:latin typeface="Open Sans" panose="020B0606030504020204" pitchFamily="34" charset="0"/>
+                <a:ea typeface="Open Sans" panose="020B0606030504020204" pitchFamily="34" charset="0"/>
+                <a:cs typeface="Open Sans" panose="020B0606030504020204" pitchFamily="34" charset="0"/>
+              </a:rPr>
+              <a:t>Commentary:  </a:t>
+            </a:r>
+          </a:p>
+        </p:txBody>
+      </p:sp>
+      <p:pic>
+        <p:nvPicPr>
+          <p:cNvPr id="3" name="Picture 2">
+            <a:extLst>
+              <a:ext uri="{FF2B5EF4-FFF2-40B4-BE49-F238E27FC236}">
+                <a16:creationId xmlns:a16="http://schemas.microsoft.com/office/drawing/2014/main" id="{4DB415E9-1636-4559-8CC4-CF12CABE284A}"/>
+              </a:ext>
+            </a:extLst>
+          </p:cNvPr>
+          <p:cNvPicPr>
+            <a:picLocks noChangeAspect="1"/>
+          </p:cNvPicPr>
+          <p:nvPr/>
+        </p:nvPicPr>
+        <p:blipFill>
+          <a:blip r:embed="rId2">
+            <a:extLst>
+              <a:ext uri="{28A0092B-C50C-407E-A947-70E740481C1C}">
+                <a14:useLocalDpi xmlns:a14="http://schemas.microsoft.com/office/drawing/2010/main" val="0"/>
+              </a:ext>
+            </a:extLst>
+          </a:blip>
+          <a:stretch>
+            <a:fillRect/>
+          </a:stretch>
+        </p:blipFill>
+        <p:spPr>
+          <a:xfrm>
+            <a:off x="1943053" y="6524"/>
+            <a:ext cx="18684303" cy="11210581"/>
+          </a:xfrm>
+          <a:prstGeom prst="rect">
+            <a:avLst/>
+          </a:prstGeom>
+        </p:spPr>
+      </p:pic>
+    </p:spTree>
+    <p:extLst>
+      <p:ext uri="{BB962C8B-B14F-4D97-AF65-F5344CB8AC3E}">
+        <p14:creationId xmlns:p14="http://schemas.microsoft.com/office/powerpoint/2010/main" val="2449586150"/>
+      </p:ext>
+    </p:extLst>
+  </p:cSld>
+  <p:clrMapOvr>
+    <a:masterClrMapping/>
+  </p:clrMapOvr>
+</p:sld>
+</file>
+
+<file path=ppt/slides/slide21.xml><?xml version="1.0" encoding="utf-8"?>
+<p:sld xmlns:a="http://schemas.openxmlformats.org/drawingml/2006/main" xmlns:r="http://schemas.openxmlformats.org/officeDocument/2006/relationships" xmlns:p="http://schemas.openxmlformats.org/presentationml/2006/main">
+  <p:cSld>
+    <p:spTree>
+      <p:nvGrpSpPr>
+        <p:cNvPr id="1" name=""/>
+        <p:cNvGrpSpPr/>
+        <p:nvPr/>
+      </p:nvGrpSpPr>
+      <p:grpSpPr>
+        <a:xfrm>
+          <a:off x="0" y="0"/>
+          <a:ext cx="0" cy="0"/>
+          <a:chOff x="0" y="0"/>
+          <a:chExt cx="0" cy="0"/>
+        </a:xfrm>
+      </p:grpSpPr>
+      <p:sp>
+        <p:nvSpPr>
+          <p:cNvPr id="7" name="TextBox 6">
+            <a:extLst>
+              <a:ext uri="{FF2B5EF4-FFF2-40B4-BE49-F238E27FC236}">
+                <a16:creationId xmlns:a16="http://schemas.microsoft.com/office/drawing/2014/main" id="{52040759-D789-46E3-B613-7E50821A1881}"/>
+              </a:ext>
+            </a:extLst>
+          </p:cNvPr>
+          <p:cNvSpPr txBox="1"/>
+          <p:nvPr/>
+        </p:nvSpPr>
+        <p:spPr>
+          <a:xfrm>
+            <a:off x="1515035" y="11217105"/>
+            <a:ext cx="2303836" cy="461665"/>
+          </a:xfrm>
+          <a:prstGeom prst="rect">
+            <a:avLst/>
+          </a:prstGeom>
+          <a:noFill/>
+        </p:spPr>
+        <p:txBody>
+          <a:bodyPr wrap="none" rtlCol="0">
+            <a:spAutoFit/>
+          </a:bodyPr>
+          <a:lstStyle/>
+          <a:p>
+            <a:r>
+              <a:rPr lang="en-US" sz="2400" dirty="0">
+                <a:latin typeface="Open Sans" panose="020B0606030504020204" pitchFamily="34" charset="0"/>
+                <a:ea typeface="Open Sans" panose="020B0606030504020204" pitchFamily="34" charset="0"/>
+                <a:cs typeface="Open Sans" panose="020B0606030504020204" pitchFamily="34" charset="0"/>
+              </a:rPr>
+              <a:t>Commentary:  </a:t>
+            </a:r>
+          </a:p>
+        </p:txBody>
+      </p:sp>
+      <p:pic>
+        <p:nvPicPr>
+          <p:cNvPr id="3" name="Picture 2">
+            <a:extLst>
+              <a:ext uri="{FF2B5EF4-FFF2-40B4-BE49-F238E27FC236}">
+                <a16:creationId xmlns:a16="http://schemas.microsoft.com/office/drawing/2014/main" id="{A70A89C9-3410-4EF2-9605-9FB2D7E00DC6}"/>
+              </a:ext>
+            </a:extLst>
+          </p:cNvPr>
+          <p:cNvPicPr>
+            <a:picLocks noChangeAspect="1"/>
+          </p:cNvPicPr>
+          <p:nvPr/>
+        </p:nvPicPr>
+        <p:blipFill>
+          <a:blip r:embed="rId2">
+            <a:extLst>
+              <a:ext uri="{28A0092B-C50C-407E-A947-70E740481C1C}">
+                <a14:useLocalDpi xmlns:a14="http://schemas.microsoft.com/office/drawing/2010/main" val="0"/>
+              </a:ext>
+            </a:extLst>
+          </a:blip>
+          <a:stretch>
+            <a:fillRect/>
+          </a:stretch>
+        </p:blipFill>
+        <p:spPr>
+          <a:xfrm>
+            <a:off x="2111659" y="130347"/>
+            <a:ext cx="18477931" cy="11086758"/>
+          </a:xfrm>
+          <a:prstGeom prst="rect">
+            <a:avLst/>
+          </a:prstGeom>
+        </p:spPr>
+      </p:pic>
+    </p:spTree>
+    <p:extLst>
+      <p:ext uri="{BB962C8B-B14F-4D97-AF65-F5344CB8AC3E}">
+        <p14:creationId xmlns:p14="http://schemas.microsoft.com/office/powerpoint/2010/main" val="4162362849"/>
+      </p:ext>
+    </p:extLst>
+  </p:cSld>
+  <p:clrMapOvr>
+    <a:masterClrMapping/>
+  </p:clrMapOvr>
+</p:sld>
+</file>
+
+<file path=ppt/slides/slide22.xml><?xml version="1.0" encoding="utf-8"?>
+<p:sld xmlns:a="http://schemas.openxmlformats.org/drawingml/2006/main" xmlns:r="http://schemas.openxmlformats.org/officeDocument/2006/relationships" xmlns:p="http://schemas.openxmlformats.org/presentationml/2006/main">
+  <p:cSld>
+    <p:spTree>
+      <p:nvGrpSpPr>
+        <p:cNvPr id="1" name=""/>
+        <p:cNvGrpSpPr/>
+        <p:nvPr/>
+      </p:nvGrpSpPr>
+      <p:grpSpPr>
+        <a:xfrm>
+          <a:off x="0" y="0"/>
+          <a:ext cx="0" cy="0"/>
+          <a:chOff x="0" y="0"/>
+          <a:chExt cx="0" cy="0"/>
+        </a:xfrm>
+      </p:grpSpPr>
+      <p:sp>
+        <p:nvSpPr>
+          <p:cNvPr id="7" name="TextBox 6">
+            <a:extLst>
+              <a:ext uri="{FF2B5EF4-FFF2-40B4-BE49-F238E27FC236}">
+                <a16:creationId xmlns:a16="http://schemas.microsoft.com/office/drawing/2014/main" id="{52040759-D789-46E3-B613-7E50821A1881}"/>
+              </a:ext>
+            </a:extLst>
+          </p:cNvPr>
+          <p:cNvSpPr txBox="1"/>
+          <p:nvPr/>
+        </p:nvSpPr>
+        <p:spPr>
+          <a:xfrm>
+            <a:off x="1515035" y="11217105"/>
+            <a:ext cx="2303836" cy="461665"/>
+          </a:xfrm>
+          <a:prstGeom prst="rect">
+            <a:avLst/>
+          </a:prstGeom>
+          <a:noFill/>
+        </p:spPr>
+        <p:txBody>
+          <a:bodyPr wrap="none" rtlCol="0">
+            <a:spAutoFit/>
+          </a:bodyPr>
+          <a:lstStyle/>
+          <a:p>
+            <a:r>
+              <a:rPr lang="en-US" sz="2400" dirty="0">
+                <a:latin typeface="Open Sans" panose="020B0606030504020204" pitchFamily="34" charset="0"/>
+                <a:ea typeface="Open Sans" panose="020B0606030504020204" pitchFamily="34" charset="0"/>
+                <a:cs typeface="Open Sans" panose="020B0606030504020204" pitchFamily="34" charset="0"/>
+              </a:rPr>
+              <a:t>Commentary:  </a:t>
+            </a:r>
+          </a:p>
+        </p:txBody>
+      </p:sp>
+      <p:pic>
+        <p:nvPicPr>
+          <p:cNvPr id="3" name="Picture 2">
+            <a:extLst>
+              <a:ext uri="{FF2B5EF4-FFF2-40B4-BE49-F238E27FC236}">
+                <a16:creationId xmlns:a16="http://schemas.microsoft.com/office/drawing/2014/main" id="{B2826A21-2C98-4BC4-9DFE-629F238C7019}"/>
+              </a:ext>
+            </a:extLst>
+          </p:cNvPr>
+          <p:cNvPicPr>
+            <a:picLocks noChangeAspect="1"/>
+          </p:cNvPicPr>
+          <p:nvPr/>
+        </p:nvPicPr>
+        <p:blipFill>
+          <a:blip r:embed="rId2">
+            <a:extLst>
+              <a:ext uri="{28A0092B-C50C-407E-A947-70E740481C1C}">
+                <a14:useLocalDpi xmlns:a14="http://schemas.microsoft.com/office/drawing/2010/main" val="0"/>
+              </a:ext>
+            </a:extLst>
+          </a:blip>
+          <a:stretch>
+            <a:fillRect/>
+          </a:stretch>
+        </p:blipFill>
+        <p:spPr>
+          <a:xfrm>
+            <a:off x="2028171" y="377998"/>
+            <a:ext cx="17620679" cy="10572407"/>
+          </a:xfrm>
+          <a:prstGeom prst="rect">
+            <a:avLst/>
+          </a:prstGeom>
+        </p:spPr>
+      </p:pic>
+    </p:spTree>
+    <p:extLst>
+      <p:ext uri="{BB962C8B-B14F-4D97-AF65-F5344CB8AC3E}">
+        <p14:creationId xmlns:p14="http://schemas.microsoft.com/office/powerpoint/2010/main" val="4128095273"/>
+      </p:ext>
+    </p:extLst>
+  </p:cSld>
+  <p:clrMapOvr>
+    <a:masterClrMapping/>
+  </p:clrMapOvr>
+</p:sld>
+</file>
+
+<file path=ppt/slides/slide23.xml><?xml version="1.0" encoding="utf-8"?>
 <p:sld xmlns:a="http://schemas.openxmlformats.org/drawingml/2006/main" xmlns:r="http://schemas.openxmlformats.org/officeDocument/2006/relationships" xmlns:p="http://schemas.openxmlformats.org/presentationml/2006/main">
   <p:cSld>
     <p:spTree>
@@ -3384,7 +5762,7 @@
         <p:spPr>
           <a:xfrm>
             <a:off x="1673225" y="9557502"/>
-            <a:ext cx="9752130" cy="711608"/>
+            <a:ext cx="9752130" cy="722572"/>
           </a:xfrm>
           <a:prstGeom prst="rect">
             <a:avLst/>
@@ -3571,7 +5949,7 @@
             <a:r>
               <a:rPr lang="en-US" sz="2700" dirty="0">
                 <a:solidFill>
-                  <a:schemeClr val="tx1"/>
+                  <a:srgbClr val="FF0000"/>
                 </a:solidFill>
                 <a:latin typeface="Open Sans Light" panose="020B0306030504020204" pitchFamily="34" charset="0"/>
                 <a:ea typeface="Open Sans Light" panose="020B0306030504020204" pitchFamily="34" charset="0"/>
@@ -3683,7 +6061,7 @@
 </p:sld>
 </file>
 
-<file path=ppt/slides/slide11.xml><?xml version="1.0" encoding="utf-8"?>
+<file path=ppt/slides/slide24.xml><?xml version="1.0" encoding="utf-8"?>
 <p:sld xmlns:a="http://schemas.openxmlformats.org/drawingml/2006/main" xmlns:r="http://schemas.openxmlformats.org/officeDocument/2006/relationships" xmlns:p="http://schemas.openxmlformats.org/presentationml/2006/main">
   <p:cSld>
     <p:spTree>
@@ -4681,7 +7059,11 @@
           <a:lstStyle/>
           <a:p>
             <a:r>
-              <a:rPr lang="en-US" dirty="0"/>
+              <a:rPr lang="en-US" dirty="0">
+                <a:solidFill>
+                  <a:srgbClr val="FF0000"/>
+                </a:solidFill>
+              </a:rPr>
               <a:t>Include # of doses administered as of 4/19; include total % of US Population having received at least one dose (62.1%).</a:t>
             </a:r>
           </a:p>
@@ -4700,7 +7082,7 @@
 </p:sld>
 </file>
 
-<file path=ppt/slides/slide12.xml><?xml version="1.0" encoding="utf-8"?>
+<file path=ppt/slides/slide25.xml><?xml version="1.0" encoding="utf-8"?>
 <p:sld xmlns:a="http://schemas.openxmlformats.org/drawingml/2006/main" xmlns:r="http://schemas.openxmlformats.org/officeDocument/2006/relationships" xmlns:p="http://schemas.openxmlformats.org/presentationml/2006/main">
   <p:cSld>
     <p:spTree>
@@ -6501,7 +8883,7 @@
 </p:sld>
 </file>
 
-<file path=ppt/slides/slide13.xml><?xml version="1.0" encoding="utf-8"?>
+<file path=ppt/slides/slide26.xml><?xml version="1.0" encoding="utf-8"?>
 <p:sld xmlns:a="http://schemas.openxmlformats.org/drawingml/2006/main" xmlns:r="http://schemas.openxmlformats.org/officeDocument/2006/relationships" xmlns:p="http://schemas.openxmlformats.org/presentationml/2006/main">
   <p:cSld>
     <p:spTree>
@@ -8459,7 +10841,7 @@
 </p:sld>
 </file>
 
-<file path=ppt/slides/slide14.xml><?xml version="1.0" encoding="utf-8"?>
+<file path=ppt/slides/slide27.xml><?xml version="1.0" encoding="utf-8"?>
 <p:sld xmlns:a="http://schemas.openxmlformats.org/drawingml/2006/main" xmlns:r="http://schemas.openxmlformats.org/officeDocument/2006/relationships" xmlns:p="http://schemas.openxmlformats.org/presentationml/2006/main">
   <p:cSld>
     <p:spTree>
@@ -15091,925 +17473,6 @@
     <p:extLst>
       <p:ext uri="{BB962C8B-B14F-4D97-AF65-F5344CB8AC3E}">
         <p14:creationId xmlns:p14="http://schemas.microsoft.com/office/powerpoint/2010/main" val="3908263030"/>
-      </p:ext>
-    </p:extLst>
-  </p:cSld>
-  <p:clrMapOvr>
-    <a:masterClrMapping/>
-  </p:clrMapOvr>
-</p:sld>
-</file>
-
-<file path=ppt/slides/slide2.xml><?xml version="1.0" encoding="utf-8"?>
-<p:sld xmlns:a="http://schemas.openxmlformats.org/drawingml/2006/main" xmlns:r="http://schemas.openxmlformats.org/officeDocument/2006/relationships" xmlns:p="http://schemas.openxmlformats.org/presentationml/2006/main">
-  <p:cSld>
-    <p:spTree>
-      <p:nvGrpSpPr>
-        <p:cNvPr id="1" name=""/>
-        <p:cNvGrpSpPr/>
-        <p:nvPr/>
-      </p:nvGrpSpPr>
-      <p:grpSpPr>
-        <a:xfrm>
-          <a:off x="0" y="0"/>
-          <a:ext cx="0" cy="0"/>
-          <a:chOff x="0" y="0"/>
-          <a:chExt cx="0" cy="0"/>
-        </a:xfrm>
-      </p:grpSpPr>
-      <p:sp>
-        <p:nvSpPr>
-          <p:cNvPr id="17" name="TextBox 16">
-            <a:extLst>
-              <a:ext uri="{FF2B5EF4-FFF2-40B4-BE49-F238E27FC236}">
-                <a16:creationId xmlns:a16="http://schemas.microsoft.com/office/drawing/2014/main" id="{451A3EA3-1314-4F49-8814-3805E25D98FD}"/>
-              </a:ext>
-            </a:extLst>
-          </p:cNvPr>
-          <p:cNvSpPr txBox="1"/>
-          <p:nvPr/>
-        </p:nvSpPr>
-        <p:spPr>
-          <a:xfrm>
-            <a:off x="9663368" y="1263600"/>
-            <a:ext cx="5109732" cy="1046440"/>
-          </a:xfrm>
-          <a:prstGeom prst="rect">
-            <a:avLst/>
-          </a:prstGeom>
-          <a:noFill/>
-        </p:spPr>
-        <p:txBody>
-          <a:bodyPr wrap="none" lIns="91440" tIns="0" rIns="0" bIns="0" rtlCol="0">
-            <a:spAutoFit/>
-          </a:bodyPr>
-          <a:lstStyle/>
-          <a:p>
-            <a:pPr algn="ctr"/>
-            <a:r>
-              <a:rPr lang="en-US" sz="6800" spc="400" dirty="0">
-                <a:solidFill>
-                  <a:schemeClr val="tx2"/>
-                </a:solidFill>
-                <a:latin typeface="Open Sans Light" panose="020B0306030504020204" pitchFamily="34" charset="0"/>
-                <a:ea typeface="Open Sans Light" panose="020B0306030504020204" pitchFamily="34" charset="0"/>
-                <a:cs typeface="Open Sans Light" panose="020B0306030504020204" pitchFamily="34" charset="0"/>
-              </a:rPr>
-              <a:t>Hypotheses</a:t>
-            </a:r>
-          </a:p>
-        </p:txBody>
-      </p:sp>
-      <p:cxnSp>
-        <p:nvCxnSpPr>
-          <p:cNvPr id="22" name="Straight Connector 21">
-            <a:extLst>
-              <a:ext uri="{FF2B5EF4-FFF2-40B4-BE49-F238E27FC236}">
-                <a16:creationId xmlns:a16="http://schemas.microsoft.com/office/drawing/2014/main" id="{C917E75A-8621-4607-B1CA-E1C8D6EA1C9B}"/>
-              </a:ext>
-            </a:extLst>
-          </p:cNvPr>
-          <p:cNvCxnSpPr/>
-          <p:nvPr/>
-        </p:nvCxnSpPr>
-        <p:spPr>
-          <a:xfrm>
-            <a:off x="11520308" y="2622962"/>
-            <a:ext cx="1364539" cy="0"/>
-          </a:xfrm>
-          <a:prstGeom prst="line">
-            <a:avLst/>
-          </a:prstGeom>
-          <a:ln w="45720">
-            <a:solidFill>
-              <a:schemeClr val="accent3"/>
-            </a:solidFill>
-          </a:ln>
-        </p:spPr>
-        <p:style>
-          <a:lnRef idx="1">
-            <a:schemeClr val="accent1"/>
-          </a:lnRef>
-          <a:fillRef idx="0">
-            <a:schemeClr val="accent1"/>
-          </a:fillRef>
-          <a:effectRef idx="0">
-            <a:schemeClr val="accent1"/>
-          </a:effectRef>
-          <a:fontRef idx="minor">
-            <a:schemeClr val="tx1"/>
-          </a:fontRef>
-        </p:style>
-      </p:cxnSp>
-      <p:pic>
-        <p:nvPicPr>
-          <p:cNvPr id="45" name="Picture Placeholder 44">
-            <a:extLst>
-              <a:ext uri="{FF2B5EF4-FFF2-40B4-BE49-F238E27FC236}">
-                <a16:creationId xmlns:a16="http://schemas.microsoft.com/office/drawing/2014/main" id="{F0239AD5-6E60-4D4C-8A90-E93FE9AC23CF}"/>
-              </a:ext>
-            </a:extLst>
-          </p:cNvPr>
-          <p:cNvPicPr>
-            <a:picLocks noGrp="1" noChangeAspect="1"/>
-          </p:cNvPicPr>
-          <p:nvPr>
-            <p:ph type="pic" sz="quarter" idx="10"/>
-          </p:nvPr>
-        </p:nvPicPr>
-        <p:blipFill rotWithShape="1">
-          <a:blip r:embed="rId2" cstate="email">
-            <a:extLst>
-              <a:ext uri="{28A0092B-C50C-407E-A947-70E740481C1C}">
-                <a14:useLocalDpi xmlns:a14="http://schemas.microsoft.com/office/drawing/2010/main" val="0"/>
-              </a:ext>
-            </a:extLst>
-          </a:blip>
-          <a:srcRect l="25849" t="30965" r="28133"/>
-          <a:stretch/>
-        </p:blipFill>
-        <p:spPr>
-          <a:xfrm>
-            <a:off x="8995560" y="3664735"/>
-            <a:ext cx="6386530" cy="6386530"/>
-          </a:xfrm>
-        </p:spPr>
-      </p:pic>
-      <p:pic>
-        <p:nvPicPr>
-          <p:cNvPr id="37" name="Picture Placeholder 36">
-            <a:extLst>
-              <a:ext uri="{FF2B5EF4-FFF2-40B4-BE49-F238E27FC236}">
-                <a16:creationId xmlns:a16="http://schemas.microsoft.com/office/drawing/2014/main" id="{3ED6C99C-EE6F-475E-9C51-64B51A21EB56}"/>
-              </a:ext>
-            </a:extLst>
-          </p:cNvPr>
-          <p:cNvPicPr>
-            <a:picLocks noGrp="1" noChangeAspect="1"/>
-          </p:cNvPicPr>
-          <p:nvPr>
-            <p:ph type="pic" sz="quarter" idx="11"/>
-          </p:nvPr>
-        </p:nvPicPr>
-        <p:blipFill rotWithShape="1">
-          <a:blip r:embed="rId3" cstate="email">
-            <a:extLst>
-              <a:ext uri="{28A0092B-C50C-407E-A947-70E740481C1C}">
-                <a14:useLocalDpi xmlns:a14="http://schemas.microsoft.com/office/drawing/2010/main" val="0"/>
-              </a:ext>
-            </a:extLst>
-          </a:blip>
-          <a:srcRect l="16662" r="16662"/>
-          <a:stretch/>
-        </p:blipFill>
-        <p:spPr/>
-      </p:pic>
-      <p:pic>
-        <p:nvPicPr>
-          <p:cNvPr id="39" name="Picture Placeholder 38">
-            <a:extLst>
-              <a:ext uri="{FF2B5EF4-FFF2-40B4-BE49-F238E27FC236}">
-                <a16:creationId xmlns:a16="http://schemas.microsoft.com/office/drawing/2014/main" id="{A2DBAD52-E47E-4A37-BB96-F370AE3F4E72}"/>
-              </a:ext>
-            </a:extLst>
-          </p:cNvPr>
-          <p:cNvPicPr>
-            <a:picLocks noGrp="1" noChangeAspect="1"/>
-          </p:cNvPicPr>
-          <p:nvPr>
-            <p:ph type="pic" sz="quarter" idx="12"/>
-          </p:nvPr>
-        </p:nvPicPr>
-        <p:blipFill rotWithShape="1">
-          <a:blip r:embed="rId4" cstate="email">
-            <a:extLst>
-              <a:ext uri="{28A0092B-C50C-407E-A947-70E740481C1C}">
-                <a14:useLocalDpi xmlns:a14="http://schemas.microsoft.com/office/drawing/2010/main" val="0"/>
-              </a:ext>
-            </a:extLst>
-          </a:blip>
-          <a:srcRect l="7896" r="25437"/>
-          <a:stretch/>
-        </p:blipFill>
-        <p:spPr>
-          <a:xfrm>
-            <a:off x="12276748" y="7047080"/>
-            <a:ext cx="6386530" cy="6386530"/>
-          </a:xfrm>
-        </p:spPr>
-      </p:pic>
-      <p:sp>
-        <p:nvSpPr>
-          <p:cNvPr id="11" name="Subtitle 2">
-            <a:extLst>
-              <a:ext uri="{FF2B5EF4-FFF2-40B4-BE49-F238E27FC236}">
-                <a16:creationId xmlns:a16="http://schemas.microsoft.com/office/drawing/2014/main" id="{AA5AFDCB-9EF3-48EA-9A3E-C216DBC353D7}"/>
-              </a:ext>
-            </a:extLst>
-          </p:cNvPr>
-          <p:cNvSpPr txBox="1">
-            <a:spLocks/>
-          </p:cNvSpPr>
-          <p:nvPr/>
-        </p:nvSpPr>
-        <p:spPr>
-          <a:xfrm>
-            <a:off x="3086100" y="3849113"/>
-            <a:ext cx="6911463" cy="1581975"/>
-          </a:xfrm>
-          <a:prstGeom prst="rect">
-            <a:avLst/>
-          </a:prstGeom>
-        </p:spPr>
-        <p:txBody>
-          <a:bodyPr vert="horz" wrap="square" lIns="217490" tIns="108745" rIns="217490" bIns="108745" rtlCol="0">
-            <a:spAutoFit/>
-          </a:bodyPr>
-          <a:lstStyle>
-            <a:lvl1pPr marL="0" indent="0" algn="ctr" defTabSz="1087636" rtl="0" eaLnBrk="1" latinLnBrk="0" hangingPunct="1">
-              <a:lnSpc>
-                <a:spcPct val="120000"/>
-              </a:lnSpc>
-              <a:spcBef>
-                <a:spcPct val="20000"/>
-              </a:spcBef>
-              <a:buFont typeface="Arial"/>
-              <a:buNone/>
-              <a:defRPr sz="2400" kern="1200">
-                <a:solidFill>
-                  <a:schemeClr val="tx2"/>
-                </a:solidFill>
-                <a:latin typeface="Open Sans Light"/>
-                <a:ea typeface="+mn-ea"/>
-                <a:cs typeface="Open Sans Light"/>
-              </a:defRPr>
-            </a:lvl1pPr>
-            <a:lvl2pPr marL="1087636" indent="0" algn="ctr" defTabSz="1087636" rtl="0" eaLnBrk="1" latinLnBrk="0" hangingPunct="1">
-              <a:lnSpc>
-                <a:spcPct val="130000"/>
-              </a:lnSpc>
-              <a:spcBef>
-                <a:spcPct val="20000"/>
-              </a:spcBef>
-              <a:buFont typeface="Arial"/>
-              <a:buNone/>
-              <a:defRPr sz="3200" kern="1200">
-                <a:solidFill>
-                  <a:schemeClr val="tx1">
-                    <a:tint val="75000"/>
-                  </a:schemeClr>
-                </a:solidFill>
-                <a:latin typeface="Open Sans"/>
-                <a:ea typeface="+mn-ea"/>
-                <a:cs typeface="Open Sans"/>
-              </a:defRPr>
-            </a:lvl2pPr>
-            <a:lvl3pPr marL="2175271" indent="0" algn="ctr" defTabSz="1087636" rtl="0" eaLnBrk="1" latinLnBrk="0" hangingPunct="1">
-              <a:lnSpc>
-                <a:spcPct val="130000"/>
-              </a:lnSpc>
-              <a:spcBef>
-                <a:spcPct val="20000"/>
-              </a:spcBef>
-              <a:buFont typeface="Arial"/>
-              <a:buNone/>
-              <a:defRPr sz="3200" kern="1200">
-                <a:solidFill>
-                  <a:schemeClr val="tx1">
-                    <a:tint val="75000"/>
-                  </a:schemeClr>
-                </a:solidFill>
-                <a:latin typeface="Open Sans"/>
-                <a:ea typeface="+mn-ea"/>
-                <a:cs typeface="Open Sans"/>
-              </a:defRPr>
-            </a:lvl3pPr>
-            <a:lvl4pPr marL="3262912" indent="0" algn="ctr" defTabSz="1087636" rtl="0" eaLnBrk="1" latinLnBrk="0" hangingPunct="1">
-              <a:lnSpc>
-                <a:spcPct val="130000"/>
-              </a:lnSpc>
-              <a:spcBef>
-                <a:spcPct val="20000"/>
-              </a:spcBef>
-              <a:buFont typeface="Arial"/>
-              <a:buNone/>
-              <a:defRPr sz="3200" kern="1200">
-                <a:solidFill>
-                  <a:schemeClr val="tx1">
-                    <a:tint val="75000"/>
-                  </a:schemeClr>
-                </a:solidFill>
-                <a:latin typeface="Open Sans"/>
-                <a:ea typeface="+mn-ea"/>
-                <a:cs typeface="Open Sans"/>
-              </a:defRPr>
-            </a:lvl4pPr>
-            <a:lvl5pPr marL="4350546" indent="0" algn="ctr" defTabSz="1087636" rtl="0" eaLnBrk="1" latinLnBrk="0" hangingPunct="1">
-              <a:lnSpc>
-                <a:spcPct val="130000"/>
-              </a:lnSpc>
-              <a:spcBef>
-                <a:spcPct val="20000"/>
-              </a:spcBef>
-              <a:buFont typeface="Arial"/>
-              <a:buNone/>
-              <a:defRPr sz="3200" kern="1200">
-                <a:solidFill>
-                  <a:schemeClr val="tx1">
-                    <a:tint val="75000"/>
-                  </a:schemeClr>
-                </a:solidFill>
-                <a:latin typeface="Open Sans"/>
-                <a:ea typeface="+mn-ea"/>
-                <a:cs typeface="Open Sans"/>
-              </a:defRPr>
-            </a:lvl5pPr>
-            <a:lvl6pPr marL="5438184" indent="0" algn="ctr" defTabSz="1087636" rtl="0" eaLnBrk="1" latinLnBrk="0" hangingPunct="1">
-              <a:spcBef>
-                <a:spcPct val="20000"/>
-              </a:spcBef>
-              <a:buFont typeface="Arial"/>
-              <a:buNone/>
-              <a:defRPr sz="4800" kern="1200">
-                <a:solidFill>
-                  <a:schemeClr val="tx1">
-                    <a:tint val="75000"/>
-                  </a:schemeClr>
-                </a:solidFill>
-                <a:latin typeface="+mn-lt"/>
-                <a:ea typeface="+mn-ea"/>
-                <a:cs typeface="+mn-cs"/>
-              </a:defRPr>
-            </a:lvl6pPr>
-            <a:lvl7pPr marL="6525820" indent="0" algn="ctr" defTabSz="1087636" rtl="0" eaLnBrk="1" latinLnBrk="0" hangingPunct="1">
-              <a:spcBef>
-                <a:spcPct val="20000"/>
-              </a:spcBef>
-              <a:buFont typeface="Arial"/>
-              <a:buNone/>
-              <a:defRPr sz="4800" kern="1200">
-                <a:solidFill>
-                  <a:schemeClr val="tx1">
-                    <a:tint val="75000"/>
-                  </a:schemeClr>
-                </a:solidFill>
-                <a:latin typeface="+mn-lt"/>
-                <a:ea typeface="+mn-ea"/>
-                <a:cs typeface="+mn-cs"/>
-              </a:defRPr>
-            </a:lvl7pPr>
-            <a:lvl8pPr marL="7613455" indent="0" algn="ctr" defTabSz="1087636" rtl="0" eaLnBrk="1" latinLnBrk="0" hangingPunct="1">
-              <a:spcBef>
-                <a:spcPct val="20000"/>
-              </a:spcBef>
-              <a:buFont typeface="Arial"/>
-              <a:buNone/>
-              <a:defRPr sz="4800" kern="1200">
-                <a:solidFill>
-                  <a:schemeClr val="tx1">
-                    <a:tint val="75000"/>
-                  </a:schemeClr>
-                </a:solidFill>
-                <a:latin typeface="+mn-lt"/>
-                <a:ea typeface="+mn-ea"/>
-                <a:cs typeface="+mn-cs"/>
-              </a:defRPr>
-            </a:lvl8pPr>
-            <a:lvl9pPr marL="8701091" indent="0" algn="ctr" defTabSz="1087636" rtl="0" eaLnBrk="1" latinLnBrk="0" hangingPunct="1">
-              <a:spcBef>
-                <a:spcPct val="20000"/>
-              </a:spcBef>
-              <a:buFont typeface="Arial"/>
-              <a:buNone/>
-              <a:defRPr sz="4800" kern="1200">
-                <a:solidFill>
-                  <a:schemeClr val="tx1">
-                    <a:tint val="75000"/>
-                  </a:schemeClr>
-                </a:solidFill>
-                <a:latin typeface="+mn-lt"/>
-                <a:ea typeface="+mn-ea"/>
-                <a:cs typeface="+mn-cs"/>
-              </a:defRPr>
-            </a:lvl9pPr>
-          </a:lstStyle>
-          <a:p>
-            <a:pPr algn="l"/>
-            <a:r>
-              <a:rPr lang="en-US" b="0" dirty="0">
-                <a:solidFill>
-                  <a:srgbClr val="000000"/>
-                </a:solidFill>
-                <a:effectLst/>
-                <a:latin typeface="Open Sans"/>
-              </a:rPr>
-              <a:t>We expect to see a significant ramp-up</a:t>
-            </a:r>
-          </a:p>
-          <a:p>
-            <a:pPr algn="l"/>
-            <a:r>
-              <a:rPr lang="en-US" b="0" dirty="0">
-                <a:solidFill>
-                  <a:srgbClr val="000000"/>
-                </a:solidFill>
-                <a:effectLst/>
-                <a:latin typeface="Open Sans"/>
-              </a:rPr>
-              <a:t>in vaccine allocation with time. Aside from known anomalies like the Texas storm in March.</a:t>
-            </a:r>
-          </a:p>
-        </p:txBody>
-      </p:sp>
-      <p:sp>
-        <p:nvSpPr>
-          <p:cNvPr id="12" name="Subtitle 2">
-            <a:extLst>
-              <a:ext uri="{FF2B5EF4-FFF2-40B4-BE49-F238E27FC236}">
-                <a16:creationId xmlns:a16="http://schemas.microsoft.com/office/drawing/2014/main" id="{7EAA1FA7-5FC1-414A-BDED-C73C49FE93CB}"/>
-              </a:ext>
-            </a:extLst>
-          </p:cNvPr>
-          <p:cNvSpPr txBox="1">
-            <a:spLocks/>
-          </p:cNvSpPr>
-          <p:nvPr/>
-        </p:nvSpPr>
-        <p:spPr>
-          <a:xfrm>
-            <a:off x="950311" y="7126615"/>
-            <a:ext cx="6147174" cy="3059302"/>
-          </a:xfrm>
-          <a:prstGeom prst="rect">
-            <a:avLst/>
-          </a:prstGeom>
-        </p:spPr>
-        <p:txBody>
-          <a:bodyPr vert="horz" wrap="square" lIns="217490" tIns="108745" rIns="217490" bIns="108745" rtlCol="0">
-            <a:spAutoFit/>
-          </a:bodyPr>
-          <a:lstStyle>
-            <a:lvl1pPr marL="0" indent="0" algn="ctr" defTabSz="1087636" rtl="0" eaLnBrk="1" latinLnBrk="0" hangingPunct="1">
-              <a:lnSpc>
-                <a:spcPct val="120000"/>
-              </a:lnSpc>
-              <a:spcBef>
-                <a:spcPct val="20000"/>
-              </a:spcBef>
-              <a:buFont typeface="Arial"/>
-              <a:buNone/>
-              <a:defRPr sz="2400" kern="1200">
-                <a:solidFill>
-                  <a:schemeClr val="tx2"/>
-                </a:solidFill>
-                <a:latin typeface="Open Sans Light"/>
-                <a:ea typeface="+mn-ea"/>
-                <a:cs typeface="Open Sans Light"/>
-              </a:defRPr>
-            </a:lvl1pPr>
-            <a:lvl2pPr marL="1087636" indent="0" algn="ctr" defTabSz="1087636" rtl="0" eaLnBrk="1" latinLnBrk="0" hangingPunct="1">
-              <a:lnSpc>
-                <a:spcPct val="130000"/>
-              </a:lnSpc>
-              <a:spcBef>
-                <a:spcPct val="20000"/>
-              </a:spcBef>
-              <a:buFont typeface="Arial"/>
-              <a:buNone/>
-              <a:defRPr sz="3200" kern="1200">
-                <a:solidFill>
-                  <a:schemeClr val="tx1">
-                    <a:tint val="75000"/>
-                  </a:schemeClr>
-                </a:solidFill>
-                <a:latin typeface="Open Sans"/>
-                <a:ea typeface="+mn-ea"/>
-                <a:cs typeface="Open Sans"/>
-              </a:defRPr>
-            </a:lvl2pPr>
-            <a:lvl3pPr marL="2175271" indent="0" algn="ctr" defTabSz="1087636" rtl="0" eaLnBrk="1" latinLnBrk="0" hangingPunct="1">
-              <a:lnSpc>
-                <a:spcPct val="130000"/>
-              </a:lnSpc>
-              <a:spcBef>
-                <a:spcPct val="20000"/>
-              </a:spcBef>
-              <a:buFont typeface="Arial"/>
-              <a:buNone/>
-              <a:defRPr sz="3200" kern="1200">
-                <a:solidFill>
-                  <a:schemeClr val="tx1">
-                    <a:tint val="75000"/>
-                  </a:schemeClr>
-                </a:solidFill>
-                <a:latin typeface="Open Sans"/>
-                <a:ea typeface="+mn-ea"/>
-                <a:cs typeface="Open Sans"/>
-              </a:defRPr>
-            </a:lvl3pPr>
-            <a:lvl4pPr marL="3262912" indent="0" algn="ctr" defTabSz="1087636" rtl="0" eaLnBrk="1" latinLnBrk="0" hangingPunct="1">
-              <a:lnSpc>
-                <a:spcPct val="130000"/>
-              </a:lnSpc>
-              <a:spcBef>
-                <a:spcPct val="20000"/>
-              </a:spcBef>
-              <a:buFont typeface="Arial"/>
-              <a:buNone/>
-              <a:defRPr sz="3200" kern="1200">
-                <a:solidFill>
-                  <a:schemeClr val="tx1">
-                    <a:tint val="75000"/>
-                  </a:schemeClr>
-                </a:solidFill>
-                <a:latin typeface="Open Sans"/>
-                <a:ea typeface="+mn-ea"/>
-                <a:cs typeface="Open Sans"/>
-              </a:defRPr>
-            </a:lvl4pPr>
-            <a:lvl5pPr marL="4350546" indent="0" algn="ctr" defTabSz="1087636" rtl="0" eaLnBrk="1" latinLnBrk="0" hangingPunct="1">
-              <a:lnSpc>
-                <a:spcPct val="130000"/>
-              </a:lnSpc>
-              <a:spcBef>
-                <a:spcPct val="20000"/>
-              </a:spcBef>
-              <a:buFont typeface="Arial"/>
-              <a:buNone/>
-              <a:defRPr sz="3200" kern="1200">
-                <a:solidFill>
-                  <a:schemeClr val="tx1">
-                    <a:tint val="75000"/>
-                  </a:schemeClr>
-                </a:solidFill>
-                <a:latin typeface="Open Sans"/>
-                <a:ea typeface="+mn-ea"/>
-                <a:cs typeface="Open Sans"/>
-              </a:defRPr>
-            </a:lvl5pPr>
-            <a:lvl6pPr marL="5438184" indent="0" algn="ctr" defTabSz="1087636" rtl="0" eaLnBrk="1" latinLnBrk="0" hangingPunct="1">
-              <a:spcBef>
-                <a:spcPct val="20000"/>
-              </a:spcBef>
-              <a:buFont typeface="Arial"/>
-              <a:buNone/>
-              <a:defRPr sz="4800" kern="1200">
-                <a:solidFill>
-                  <a:schemeClr val="tx1">
-                    <a:tint val="75000"/>
-                  </a:schemeClr>
-                </a:solidFill>
-                <a:latin typeface="+mn-lt"/>
-                <a:ea typeface="+mn-ea"/>
-                <a:cs typeface="+mn-cs"/>
-              </a:defRPr>
-            </a:lvl6pPr>
-            <a:lvl7pPr marL="6525820" indent="0" algn="ctr" defTabSz="1087636" rtl="0" eaLnBrk="1" latinLnBrk="0" hangingPunct="1">
-              <a:spcBef>
-                <a:spcPct val="20000"/>
-              </a:spcBef>
-              <a:buFont typeface="Arial"/>
-              <a:buNone/>
-              <a:defRPr sz="4800" kern="1200">
-                <a:solidFill>
-                  <a:schemeClr val="tx1">
-                    <a:tint val="75000"/>
-                  </a:schemeClr>
-                </a:solidFill>
-                <a:latin typeface="+mn-lt"/>
-                <a:ea typeface="+mn-ea"/>
-                <a:cs typeface="+mn-cs"/>
-              </a:defRPr>
-            </a:lvl7pPr>
-            <a:lvl8pPr marL="7613455" indent="0" algn="ctr" defTabSz="1087636" rtl="0" eaLnBrk="1" latinLnBrk="0" hangingPunct="1">
-              <a:spcBef>
-                <a:spcPct val="20000"/>
-              </a:spcBef>
-              <a:buFont typeface="Arial"/>
-              <a:buNone/>
-              <a:defRPr sz="4800" kern="1200">
-                <a:solidFill>
-                  <a:schemeClr val="tx1">
-                    <a:tint val="75000"/>
-                  </a:schemeClr>
-                </a:solidFill>
-                <a:latin typeface="+mn-lt"/>
-                <a:ea typeface="+mn-ea"/>
-                <a:cs typeface="+mn-cs"/>
-              </a:defRPr>
-            </a:lvl8pPr>
-            <a:lvl9pPr marL="8701091" indent="0" algn="ctr" defTabSz="1087636" rtl="0" eaLnBrk="1" latinLnBrk="0" hangingPunct="1">
-              <a:spcBef>
-                <a:spcPct val="20000"/>
-              </a:spcBef>
-              <a:buFont typeface="Arial"/>
-              <a:buNone/>
-              <a:defRPr sz="4800" kern="1200">
-                <a:solidFill>
-                  <a:schemeClr val="tx1">
-                    <a:tint val="75000"/>
-                  </a:schemeClr>
-                </a:solidFill>
-                <a:latin typeface="+mn-lt"/>
-                <a:ea typeface="+mn-ea"/>
-                <a:cs typeface="+mn-cs"/>
-              </a:defRPr>
-            </a:lvl9pPr>
-          </a:lstStyle>
-          <a:p>
-            <a:pPr algn="l"/>
-            <a:r>
-              <a:rPr lang="en-US" b="0" dirty="0">
-                <a:solidFill>
-                  <a:srgbClr val="000000"/>
-                </a:solidFill>
-                <a:effectLst/>
-                <a:latin typeface="Open Sans"/>
-              </a:rPr>
-              <a:t>We believe the distribution ratios betweenthe first and second dose will invert over </a:t>
-            </a:r>
-          </a:p>
-          <a:p>
-            <a:pPr algn="l"/>
-            <a:r>
-              <a:rPr lang="en-US" b="0" dirty="0">
-                <a:solidFill>
-                  <a:srgbClr val="000000"/>
-                </a:solidFill>
-                <a:effectLst/>
-                <a:latin typeface="Open Sans"/>
-              </a:rPr>
-              <a:t>time with early dates showing a higher </a:t>
-            </a:r>
-          </a:p>
-          <a:p>
-            <a:pPr algn="l"/>
-            <a:r>
-              <a:rPr lang="en-US" b="0" dirty="0">
-                <a:solidFill>
-                  <a:srgbClr val="000000"/>
-                </a:solidFill>
-                <a:effectLst/>
-                <a:latin typeface="Open Sans"/>
-              </a:rPr>
-              <a:t>level of 1st dose allocations and later dates showing a higher level of 2nd dose </a:t>
-            </a:r>
-          </a:p>
-          <a:p>
-            <a:pPr algn="l"/>
-            <a:r>
-              <a:rPr lang="en-US" b="0" dirty="0">
-                <a:solidFill>
-                  <a:srgbClr val="000000"/>
-                </a:solidFill>
-                <a:effectLst/>
-                <a:latin typeface="Open Sans"/>
-              </a:rPr>
-              <a:t>allocations.</a:t>
-            </a:r>
-          </a:p>
-        </p:txBody>
-      </p:sp>
-      <p:sp>
-        <p:nvSpPr>
-          <p:cNvPr id="13" name="Subtitle 2">
-            <a:extLst>
-              <a:ext uri="{FF2B5EF4-FFF2-40B4-BE49-F238E27FC236}">
-                <a16:creationId xmlns:a16="http://schemas.microsoft.com/office/drawing/2014/main" id="{FCF82FA1-1910-4BBF-9622-F96EF9846A89}"/>
-              </a:ext>
-            </a:extLst>
-          </p:cNvPr>
-          <p:cNvSpPr txBox="1">
-            <a:spLocks/>
-          </p:cNvSpPr>
-          <p:nvPr/>
-        </p:nvSpPr>
-        <p:spPr>
-          <a:xfrm>
-            <a:off x="16988828" y="5622126"/>
-            <a:ext cx="6652221" cy="2985436"/>
-          </a:xfrm>
-          <a:prstGeom prst="rect">
-            <a:avLst/>
-          </a:prstGeom>
-        </p:spPr>
-        <p:txBody>
-          <a:bodyPr vert="horz" wrap="square" lIns="217490" tIns="108745" rIns="217490" bIns="108745" rtlCol="0">
-            <a:spAutoFit/>
-          </a:bodyPr>
-          <a:lstStyle>
-            <a:lvl1pPr marL="0" indent="0" algn="ctr" defTabSz="1087636" rtl="0" eaLnBrk="1" latinLnBrk="0" hangingPunct="1">
-              <a:lnSpc>
-                <a:spcPct val="120000"/>
-              </a:lnSpc>
-              <a:spcBef>
-                <a:spcPct val="20000"/>
-              </a:spcBef>
-              <a:buFont typeface="Arial"/>
-              <a:buNone/>
-              <a:defRPr sz="2400" kern="1200">
-                <a:solidFill>
-                  <a:schemeClr val="tx2"/>
-                </a:solidFill>
-                <a:latin typeface="Open Sans Light"/>
-                <a:ea typeface="+mn-ea"/>
-                <a:cs typeface="Open Sans Light"/>
-              </a:defRPr>
-            </a:lvl1pPr>
-            <a:lvl2pPr marL="1087636" indent="0" algn="ctr" defTabSz="1087636" rtl="0" eaLnBrk="1" latinLnBrk="0" hangingPunct="1">
-              <a:lnSpc>
-                <a:spcPct val="130000"/>
-              </a:lnSpc>
-              <a:spcBef>
-                <a:spcPct val="20000"/>
-              </a:spcBef>
-              <a:buFont typeface="Arial"/>
-              <a:buNone/>
-              <a:defRPr sz="3200" kern="1200">
-                <a:solidFill>
-                  <a:schemeClr val="tx1">
-                    <a:tint val="75000"/>
-                  </a:schemeClr>
-                </a:solidFill>
-                <a:latin typeface="Open Sans"/>
-                <a:ea typeface="+mn-ea"/>
-                <a:cs typeface="Open Sans"/>
-              </a:defRPr>
-            </a:lvl2pPr>
-            <a:lvl3pPr marL="2175271" indent="0" algn="ctr" defTabSz="1087636" rtl="0" eaLnBrk="1" latinLnBrk="0" hangingPunct="1">
-              <a:lnSpc>
-                <a:spcPct val="130000"/>
-              </a:lnSpc>
-              <a:spcBef>
-                <a:spcPct val="20000"/>
-              </a:spcBef>
-              <a:buFont typeface="Arial"/>
-              <a:buNone/>
-              <a:defRPr sz="3200" kern="1200">
-                <a:solidFill>
-                  <a:schemeClr val="tx1">
-                    <a:tint val="75000"/>
-                  </a:schemeClr>
-                </a:solidFill>
-                <a:latin typeface="Open Sans"/>
-                <a:ea typeface="+mn-ea"/>
-                <a:cs typeface="Open Sans"/>
-              </a:defRPr>
-            </a:lvl3pPr>
-            <a:lvl4pPr marL="3262912" indent="0" algn="ctr" defTabSz="1087636" rtl="0" eaLnBrk="1" latinLnBrk="0" hangingPunct="1">
-              <a:lnSpc>
-                <a:spcPct val="130000"/>
-              </a:lnSpc>
-              <a:spcBef>
-                <a:spcPct val="20000"/>
-              </a:spcBef>
-              <a:buFont typeface="Arial"/>
-              <a:buNone/>
-              <a:defRPr sz="3200" kern="1200">
-                <a:solidFill>
-                  <a:schemeClr val="tx1">
-                    <a:tint val="75000"/>
-                  </a:schemeClr>
-                </a:solidFill>
-                <a:latin typeface="Open Sans"/>
-                <a:ea typeface="+mn-ea"/>
-                <a:cs typeface="Open Sans"/>
-              </a:defRPr>
-            </a:lvl4pPr>
-            <a:lvl5pPr marL="4350546" indent="0" algn="ctr" defTabSz="1087636" rtl="0" eaLnBrk="1" latinLnBrk="0" hangingPunct="1">
-              <a:lnSpc>
-                <a:spcPct val="130000"/>
-              </a:lnSpc>
-              <a:spcBef>
-                <a:spcPct val="20000"/>
-              </a:spcBef>
-              <a:buFont typeface="Arial"/>
-              <a:buNone/>
-              <a:defRPr sz="3200" kern="1200">
-                <a:solidFill>
-                  <a:schemeClr val="tx1">
-                    <a:tint val="75000"/>
-                  </a:schemeClr>
-                </a:solidFill>
-                <a:latin typeface="Open Sans"/>
-                <a:ea typeface="+mn-ea"/>
-                <a:cs typeface="Open Sans"/>
-              </a:defRPr>
-            </a:lvl5pPr>
-            <a:lvl6pPr marL="5438184" indent="0" algn="ctr" defTabSz="1087636" rtl="0" eaLnBrk="1" latinLnBrk="0" hangingPunct="1">
-              <a:spcBef>
-                <a:spcPct val="20000"/>
-              </a:spcBef>
-              <a:buFont typeface="Arial"/>
-              <a:buNone/>
-              <a:defRPr sz="4800" kern="1200">
-                <a:solidFill>
-                  <a:schemeClr val="tx1">
-                    <a:tint val="75000"/>
-                  </a:schemeClr>
-                </a:solidFill>
-                <a:latin typeface="+mn-lt"/>
-                <a:ea typeface="+mn-ea"/>
-                <a:cs typeface="+mn-cs"/>
-              </a:defRPr>
-            </a:lvl6pPr>
-            <a:lvl7pPr marL="6525820" indent="0" algn="ctr" defTabSz="1087636" rtl="0" eaLnBrk="1" latinLnBrk="0" hangingPunct="1">
-              <a:spcBef>
-                <a:spcPct val="20000"/>
-              </a:spcBef>
-              <a:buFont typeface="Arial"/>
-              <a:buNone/>
-              <a:defRPr sz="4800" kern="1200">
-                <a:solidFill>
-                  <a:schemeClr val="tx1">
-                    <a:tint val="75000"/>
-                  </a:schemeClr>
-                </a:solidFill>
-                <a:latin typeface="+mn-lt"/>
-                <a:ea typeface="+mn-ea"/>
-                <a:cs typeface="+mn-cs"/>
-              </a:defRPr>
-            </a:lvl7pPr>
-            <a:lvl8pPr marL="7613455" indent="0" algn="ctr" defTabSz="1087636" rtl="0" eaLnBrk="1" latinLnBrk="0" hangingPunct="1">
-              <a:spcBef>
-                <a:spcPct val="20000"/>
-              </a:spcBef>
-              <a:buFont typeface="Arial"/>
-              <a:buNone/>
-              <a:defRPr sz="4800" kern="1200">
-                <a:solidFill>
-                  <a:schemeClr val="tx1">
-                    <a:tint val="75000"/>
-                  </a:schemeClr>
-                </a:solidFill>
-                <a:latin typeface="+mn-lt"/>
-                <a:ea typeface="+mn-ea"/>
-                <a:cs typeface="+mn-cs"/>
-              </a:defRPr>
-            </a:lvl8pPr>
-            <a:lvl9pPr marL="8701091" indent="0" algn="ctr" defTabSz="1087636" rtl="0" eaLnBrk="1" latinLnBrk="0" hangingPunct="1">
-              <a:spcBef>
-                <a:spcPct val="20000"/>
-              </a:spcBef>
-              <a:buFont typeface="Arial"/>
-              <a:buNone/>
-              <a:defRPr sz="4800" kern="1200">
-                <a:solidFill>
-                  <a:schemeClr val="tx1">
-                    <a:tint val="75000"/>
-                  </a:schemeClr>
-                </a:solidFill>
-                <a:latin typeface="+mn-lt"/>
-                <a:ea typeface="+mn-ea"/>
-                <a:cs typeface="+mn-cs"/>
-              </a:defRPr>
-            </a:lvl9pPr>
-          </a:lstStyle>
-          <a:p>
-            <a:pPr algn="l"/>
-            <a:r>
-              <a:rPr lang="en-US" b="0" dirty="0">
-                <a:solidFill>
-                  <a:srgbClr val="000000"/>
-                </a:solidFill>
-                <a:effectLst/>
-                <a:latin typeface="Open Sans"/>
-              </a:rPr>
-              <a:t>We expect to see larger quantities of Pfizer</a:t>
-            </a:r>
-          </a:p>
-          <a:p>
-            <a:pPr algn="l"/>
-            <a:r>
-              <a:rPr lang="en-US" b="0" dirty="0">
-                <a:solidFill>
-                  <a:srgbClr val="000000"/>
-                </a:solidFill>
-                <a:effectLst/>
-                <a:latin typeface="Open Sans"/>
-              </a:rPr>
-              <a:t>vaccines being allocated to states with the </a:t>
-            </a:r>
-          </a:p>
-          <a:p>
-            <a:pPr algn="l"/>
-            <a:r>
-              <a:rPr lang="en-US" b="0" dirty="0">
-                <a:solidFill>
-                  <a:srgbClr val="000000"/>
-                </a:solidFill>
-                <a:effectLst/>
-                <a:latin typeface="Open Sans"/>
-              </a:rPr>
-              <a:t>greatest population density due to storage requirements and larger quantities of Johnsonand Johnson vaccines being allocated to states with lower population densities.</a:t>
-            </a:r>
-          </a:p>
-        </p:txBody>
-      </p:sp>
-    </p:spTree>
-    <p:extLst>
-      <p:ext uri="{BB962C8B-B14F-4D97-AF65-F5344CB8AC3E}">
-        <p14:creationId xmlns:p14="http://schemas.microsoft.com/office/powerpoint/2010/main" val="3417605883"/>
       </p:ext>
     </p:extLst>
   </p:cSld>
@@ -20557,13 +22020,15 @@
               </a:ext>
             </a:extLst>
           </p:cNvPr>
-          <p:cNvCxnSpPr/>
+          <p:cNvCxnSpPr>
+            <a:cxnSpLocks/>
+          </p:cNvCxnSpPr>
           <p:nvPr/>
         </p:nvCxnSpPr>
         <p:spPr>
           <a:xfrm flipH="1" flipV="1">
-            <a:off x="16076945" y="6499102"/>
-            <a:ext cx="3660715" cy="3061675"/>
+            <a:off x="17297657" y="6762648"/>
+            <a:ext cx="2948564" cy="2489716"/>
           </a:xfrm>
           <a:prstGeom prst="line">
             <a:avLst/>
@@ -20811,7 +22276,7 @@
         </p:nvSpPr>
         <p:spPr>
           <a:xfrm>
-            <a:off x="19621712" y="8967170"/>
+            <a:off x="20069072" y="8971103"/>
             <a:ext cx="1691352" cy="1691792"/>
           </a:xfrm>
           <a:prstGeom prst="ellipse">
@@ -20953,7 +22418,7 @@
         </p:nvSpPr>
         <p:spPr>
           <a:xfrm>
-            <a:off x="15239479" y="5518510"/>
+            <a:off x="15606304" y="5518510"/>
             <a:ext cx="1691352" cy="1691792"/>
           </a:xfrm>
           <a:prstGeom prst="ellipse">
@@ -21015,7 +22480,7 @@
         </p:nvSpPr>
         <p:spPr>
           <a:xfrm>
-            <a:off x="18434484" y="11757148"/>
+            <a:off x="18916650" y="11674928"/>
             <a:ext cx="4409378" cy="1567612"/>
           </a:xfrm>
           <a:prstGeom prst="rect">
@@ -21228,7 +22693,7 @@
         </p:nvSpPr>
         <p:spPr>
           <a:xfrm>
-            <a:off x="19418062" y="11048204"/>
+            <a:off x="19865422" y="11048203"/>
             <a:ext cx="2098652" cy="584775"/>
           </a:xfrm>
           <a:prstGeom prst="rect">
@@ -22048,7 +23513,7 @@
         <p:spPr>
           <a:xfrm>
             <a:off x="13894557" y="3909366"/>
-            <a:ext cx="4787889" cy="1567612"/>
+            <a:ext cx="5022093" cy="1567612"/>
           </a:xfrm>
           <a:prstGeom prst="rect">
             <a:avLst/>
@@ -22534,7 +23999,7 @@
         </p:nvSpPr>
         <p:spPr>
           <a:xfrm>
-            <a:off x="15639145" y="6044023"/>
+            <a:off x="15931505" y="5997712"/>
             <a:ext cx="892021" cy="640766"/>
           </a:xfrm>
           <a:custGeom>
@@ -23045,45 +24510,6 @@
               <a:ea typeface="Open Sans Semibold" charset="0"/>
               <a:cs typeface="Open Sans Semibold" charset="0"/>
             </a:endParaRPr>
-          </a:p>
-        </p:txBody>
-      </p:sp>
-      <p:sp>
-        <p:nvSpPr>
-          <p:cNvPr id="2" name="TextBox 1">
-            <a:extLst>
-              <a:ext uri="{FF2B5EF4-FFF2-40B4-BE49-F238E27FC236}">
-                <a16:creationId xmlns:a16="http://schemas.microsoft.com/office/drawing/2014/main" id="{5CC6AA9A-2C97-4F9F-A28D-FD4553BFBB28}"/>
-              </a:ext>
-            </a:extLst>
-          </p:cNvPr>
-          <p:cNvSpPr txBox="1"/>
-          <p:nvPr/>
-        </p:nvSpPr>
-        <p:spPr>
-          <a:xfrm>
-            <a:off x="19148207" y="632658"/>
-            <a:ext cx="3963694" cy="1200329"/>
-          </a:xfrm>
-          <a:prstGeom prst="rect">
-            <a:avLst/>
-          </a:prstGeom>
-          <a:noFill/>
-        </p:spPr>
-        <p:txBody>
-          <a:bodyPr wrap="square" rtlCol="0">
-            <a:spAutoFit/>
-          </a:bodyPr>
-          <a:lstStyle/>
-          <a:p>
-            <a:r>
-              <a:rPr lang="en-US" dirty="0">
-                <a:solidFill>
-                  <a:srgbClr val="FF0000"/>
-                </a:solidFill>
-              </a:rPr>
-              <a:t>update upon final slides</a:t>
-            </a:r>
           </a:p>
         </p:txBody>
       </p:sp>
@@ -24069,7 +25495,7 @@
         </p:nvSpPr>
         <p:spPr>
           <a:xfrm>
-            <a:off x="1558533" y="5547616"/>
+            <a:off x="2121222" y="5572392"/>
             <a:ext cx="8229240" cy="844911"/>
           </a:xfrm>
           <a:prstGeom prst="rect">
@@ -24118,8 +25544,8 @@
         </p:nvSpPr>
         <p:spPr>
           <a:xfrm>
-            <a:off x="2599184" y="6848498"/>
-            <a:ext cx="9060829" cy="2740240"/>
+            <a:off x="2121222" y="6848498"/>
+            <a:ext cx="10889927" cy="2751204"/>
           </a:xfrm>
           <a:prstGeom prst="rect">
             <a:avLst/>
@@ -24330,24 +25756,6 @@
                 <a:ea typeface="Open Sans Light" panose="020B0306030504020204" pitchFamily="34" charset="0"/>
                 <a:cs typeface="Open Sans Light" panose="020B0306030504020204" pitchFamily="34" charset="0"/>
               </a:rPr>
-              <a:t>Correlation between # vaccines allotted and reported # deaths (nationwide and by state)</a:t>
-            </a:r>
-          </a:p>
-          <a:p>
-            <a:pPr algn="l">
-              <a:lnSpc>
-                <a:spcPts val="3640"/>
-              </a:lnSpc>
-            </a:pPr>
-            <a:r>
-              <a:rPr lang="en-US" sz="2700" dirty="0">
-                <a:solidFill>
-                  <a:schemeClr val="tx1"/>
-                </a:solidFill>
-                <a:latin typeface="Open Sans Light" panose="020B0306030504020204" pitchFamily="34" charset="0"/>
-                <a:ea typeface="Open Sans Light" panose="020B0306030504020204" pitchFamily="34" charset="0"/>
-                <a:cs typeface="Open Sans Light" panose="020B0306030504020204" pitchFamily="34" charset="0"/>
-              </a:rPr>
               <a:t>Reported Covid-19 cases based on poverty at state level</a:t>
             </a:r>
           </a:p>
@@ -24367,6 +25775,24 @@
                 <a:cs typeface="Open Sans Light" panose="020B0306030504020204" pitchFamily="34" charset="0"/>
               </a:rPr>
               <a:t>Reported Deaths based on poverty at state level </a:t>
+            </a:r>
+          </a:p>
+          <a:p>
+            <a:pPr algn="l">
+              <a:lnSpc>
+                <a:spcPts val="3640"/>
+              </a:lnSpc>
+            </a:pPr>
+            <a:r>
+              <a:rPr lang="en-US" sz="2700" dirty="0">
+                <a:solidFill>
+                  <a:schemeClr val="tx1"/>
+                </a:solidFill>
+                <a:latin typeface="Open Sans Light" panose="020B0306030504020204" pitchFamily="34" charset="0"/>
+                <a:ea typeface="Open Sans Light" panose="020B0306030504020204" pitchFamily="34" charset="0"/>
+                <a:cs typeface="Open Sans Light" panose="020B0306030504020204" pitchFamily="34" charset="0"/>
+              </a:rPr>
+              <a:t>Correlation between # vaccines allotted and reported # deaths (nationwide and by state)</a:t>
             </a:r>
           </a:p>
         </p:txBody>
@@ -24385,7 +25811,7 @@
         </p:nvSpPr>
         <p:spPr>
           <a:xfrm>
-            <a:off x="1508605" y="2751884"/>
+            <a:off x="992835" y="2775805"/>
             <a:ext cx="12901096" cy="841962"/>
           </a:xfrm>
           <a:prstGeom prst="rect">
@@ -24646,7 +26072,7 @@
         </p:nvSpPr>
         <p:spPr>
           <a:xfrm>
-            <a:off x="832433" y="5935327"/>
+            <a:off x="1664022" y="5935151"/>
             <a:ext cx="457200" cy="457200"/>
           </a:xfrm>
           <a:prstGeom prst="ellipse">
@@ -24702,7 +26128,7 @@
         </p:nvSpPr>
         <p:spPr>
           <a:xfrm>
-            <a:off x="832433" y="3124858"/>
+            <a:off x="350416" y="3172865"/>
             <a:ext cx="457200" cy="457200"/>
           </a:xfrm>
           <a:prstGeom prst="ellipse">
@@ -24972,8 +26398,8 @@
         </p:nvSpPr>
         <p:spPr>
           <a:xfrm>
-            <a:off x="3081872" y="3763572"/>
-            <a:ext cx="9060829" cy="1189046"/>
+            <a:off x="992835" y="3993938"/>
+            <a:ext cx="9357627" cy="1189046"/>
           </a:xfrm>
           <a:prstGeom prst="rect">
             <a:avLst/>
@@ -25205,7 +26631,7 @@
         </p:nvSpPr>
         <p:spPr>
           <a:xfrm>
-            <a:off x="832433" y="10400602"/>
+            <a:off x="2641068" y="10517739"/>
             <a:ext cx="457200" cy="457200"/>
           </a:xfrm>
           <a:prstGeom prst="ellipse">
@@ -25259,7 +26685,7 @@
         </p:nvSpPr>
         <p:spPr>
           <a:xfrm>
-            <a:off x="1796777" y="10078742"/>
+            <a:off x="3150149" y="10095284"/>
             <a:ext cx="4263218" cy="844911"/>
           </a:xfrm>
           <a:prstGeom prst="rect">
@@ -25316,8 +26742,8 @@
         </p:nvSpPr>
         <p:spPr>
           <a:xfrm>
-            <a:off x="3010036" y="11239293"/>
-            <a:ext cx="9060829" cy="644282"/>
+            <a:off x="3150149" y="11239293"/>
+            <a:ext cx="8920716" cy="655246"/>
           </a:xfrm>
           <a:prstGeom prst="rect">
             <a:avLst/>
@@ -28353,14 +29779,14 @@
           </a:ln>
           <a:extLst>
             <a:ext uri="{909E8E84-426E-40dd-AFC4-6F175D3DCCD1}">
-              <a14:hiddenFill xmlns:a14="http://schemas.microsoft.com/office/drawing/2010/main" xmlns="">
+              <a14:hiddenFill xmlns="" xmlns:a14="http://schemas.microsoft.com/office/drawing/2010/main">
                 <a:solidFill>
                   <a:srgbClr val="FFFFFF"/>
                 </a:solidFill>
               </a14:hiddenFill>
             </a:ext>
             <a:ext uri="{91240B29-F687-4f45-9708-019B960494DF}">
-              <a14:hiddenLine xmlns:a14="http://schemas.microsoft.com/office/drawing/2010/main" xmlns="" w="12700">
+              <a14:hiddenLine xmlns="" xmlns:a14="http://schemas.microsoft.com/office/drawing/2010/main" w="12700">
                 <a:solidFill>
                   <a:schemeClr val="tx1"/>
                 </a:solidFill>
@@ -28410,7 +29836,7 @@
         <p:spPr>
           <a:xfrm>
             <a:off x="1351044" y="8076847"/>
-            <a:ext cx="10306506" cy="2317817"/>
+            <a:ext cx="10306506" cy="2328781"/>
           </a:xfrm>
           <a:prstGeom prst="rect">
             <a:avLst/>
@@ -28603,7 +30029,7 @@
                 <a:ea typeface="Open Sans Light" panose="020B0306030504020204" pitchFamily="34" charset="0"/>
                 <a:cs typeface="Open Sans Light" panose="020B0306030504020204" pitchFamily="34" charset="0"/>
               </a:rPr>
-              <a:t>We will present 10 visualizations that will help illustrate the current situation related to the Covid-19 pandemic and where we stand relative to vaccinations at a state level within the United States.</a:t>
+              <a:t>We will present X visualizations that will help illustrate the current situation related to the Covid-19 pandemic and where we stand relative to vaccinations at a state level within the United States.</a:t>
             </a:r>
           </a:p>
         </p:txBody>
@@ -28641,10 +30067,10 @@
       </p:grpSpPr>
       <p:pic>
         <p:nvPicPr>
-          <p:cNvPr id="3" name="Picture 2">
+          <p:cNvPr id="7" name="Picture 6">
             <a:extLst>
               <a:ext uri="{FF2B5EF4-FFF2-40B4-BE49-F238E27FC236}">
-                <a16:creationId xmlns:a16="http://schemas.microsoft.com/office/drawing/2014/main" id="{4FCCA15A-1628-461E-AE8F-253E84D6513C}"/>
+                <a16:creationId xmlns:a16="http://schemas.microsoft.com/office/drawing/2014/main" id="{132D7594-B193-4198-BF5B-1C1D878E4CF8}"/>
               </a:ext>
             </a:extLst>
           </p:cNvPr>
@@ -28667,8 +30093,8 @@
         </p:blipFill>
         <p:spPr>
           <a:xfrm>
-            <a:off x="1421422" y="4264640"/>
-            <a:ext cx="21797099" cy="6385432"/>
+            <a:off x="0" y="3619841"/>
+            <a:ext cx="23747854" cy="7124356"/>
           </a:xfrm>
           <a:prstGeom prst="rect">
             <a:avLst/>
@@ -28677,10 +30103,10 @@
       </p:pic>
       <p:sp>
         <p:nvSpPr>
-          <p:cNvPr id="4" name="TextBox 3">
+          <p:cNvPr id="8" name="TextBox 7">
             <a:extLst>
               <a:ext uri="{FF2B5EF4-FFF2-40B4-BE49-F238E27FC236}">
-                <a16:creationId xmlns:a16="http://schemas.microsoft.com/office/drawing/2014/main" id="{4B0CE7D9-9AB7-40F1-B57F-6313CF0A58C2}"/>
+                <a16:creationId xmlns:a16="http://schemas.microsoft.com/office/drawing/2014/main" id="{5548D978-0C0F-4BC0-9B97-DA5E1B81EFE2}"/>
               </a:ext>
             </a:extLst>
           </p:cNvPr>
@@ -28689,91 +30115,8 @@
         </p:nvSpPr>
         <p:spPr>
           <a:xfrm>
-            <a:off x="9063106" y="1183811"/>
-            <a:ext cx="5123518" cy="1138773"/>
-          </a:xfrm>
-          <a:prstGeom prst="rect">
-            <a:avLst/>
-          </a:prstGeom>
-          <a:noFill/>
-        </p:spPr>
-        <p:txBody>
-          <a:bodyPr wrap="none" rtlCol="0">
-            <a:spAutoFit/>
-          </a:bodyPr>
-          <a:lstStyle/>
-          <a:p>
-            <a:pPr algn="ctr"/>
-            <a:r>
-              <a:rPr lang="en-US" sz="6800" dirty="0">
-                <a:solidFill>
-                  <a:schemeClr val="tx2"/>
-                </a:solidFill>
-                <a:latin typeface="Open Sans" panose="020B0606030504020204" pitchFamily="34" charset="0"/>
-                <a:cs typeface="Open Sans" panose="020B0606030504020204" pitchFamily="34" charset="0"/>
-              </a:rPr>
-              <a:t>Image Name</a:t>
-            </a:r>
-          </a:p>
-        </p:txBody>
-      </p:sp>
-      <p:cxnSp>
-        <p:nvCxnSpPr>
-          <p:cNvPr id="5" name="Straight Connector 4">
-            <a:extLst>
-              <a:ext uri="{FF2B5EF4-FFF2-40B4-BE49-F238E27FC236}">
-                <a16:creationId xmlns:a16="http://schemas.microsoft.com/office/drawing/2014/main" id="{5FAFFF41-FD2F-486D-A1AF-CBB945058C83}"/>
-              </a:ext>
-            </a:extLst>
-          </p:cNvPr>
-          <p:cNvCxnSpPr/>
-          <p:nvPr/>
-        </p:nvCxnSpPr>
-        <p:spPr>
-          <a:xfrm>
-            <a:off x="11520308" y="2622962"/>
-            <a:ext cx="1364539" cy="0"/>
-          </a:xfrm>
-          <a:prstGeom prst="line">
-            <a:avLst/>
-          </a:prstGeom>
-          <a:ln w="45720">
-            <a:solidFill>
-              <a:schemeClr val="accent3"/>
-            </a:solidFill>
-          </a:ln>
-        </p:spPr>
-        <p:style>
-          <a:lnRef idx="1">
-            <a:schemeClr val="accent1"/>
-          </a:lnRef>
-          <a:fillRef idx="0">
-            <a:schemeClr val="accent1"/>
-          </a:fillRef>
-          <a:effectRef idx="0">
-            <a:schemeClr val="accent1"/>
-          </a:effectRef>
-          <a:fontRef idx="minor">
-            <a:schemeClr val="tx1"/>
-          </a:fontRef>
-        </p:style>
-      </p:cxnSp>
-      <p:sp>
-        <p:nvSpPr>
-          <p:cNvPr id="6" name="TextBox 5">
-            <a:extLst>
-              <a:ext uri="{FF2B5EF4-FFF2-40B4-BE49-F238E27FC236}">
-                <a16:creationId xmlns:a16="http://schemas.microsoft.com/office/drawing/2014/main" id="{61A7B6F8-BA83-4266-A3D3-7590DFE1C8E6}"/>
-              </a:ext>
-            </a:extLst>
-          </p:cNvPr>
-          <p:cNvSpPr txBox="1"/>
-          <p:nvPr/>
-        </p:nvSpPr>
-        <p:spPr>
-          <a:xfrm>
-            <a:off x="2886635" y="11725835"/>
-            <a:ext cx="2951770" cy="646331"/>
+            <a:off x="1515035" y="11217105"/>
+            <a:ext cx="2303836" cy="461665"/>
           </a:xfrm>
           <a:prstGeom prst="rect">
             <a:avLst/>
@@ -28787,7 +30130,11 @@
           <a:lstStyle/>
           <a:p>
             <a:r>
-              <a:rPr lang="en-US" dirty="0"/>
+              <a:rPr lang="en-US" sz="2400" dirty="0">
+                <a:latin typeface="Open Sans" panose="020B0606030504020204" pitchFamily="34" charset="0"/>
+                <a:ea typeface="Open Sans" panose="020B0606030504020204" pitchFamily="34" charset="0"/>
+                <a:cs typeface="Open Sans" panose="020B0606030504020204" pitchFamily="34" charset="0"/>
+              </a:rPr>
               <a:t>Commentary:  </a:t>
             </a:r>
           </a:p>
@@ -28796,7 +30143,7 @@
     </p:spTree>
     <p:extLst>
       <p:ext uri="{BB962C8B-B14F-4D97-AF65-F5344CB8AC3E}">
-        <p14:creationId xmlns:p14="http://schemas.microsoft.com/office/powerpoint/2010/main" val="121746651"/>
+        <p14:creationId xmlns:p14="http://schemas.microsoft.com/office/powerpoint/2010/main" val="1386544691"/>
       </p:ext>
     </p:extLst>
   </p:cSld>

--- a/presentation/Project_one.pptx
+++ b/presentation/Project_one.pptx
@@ -252,7 +252,7 @@
             <a:fld id="{EFC10EE1-B198-C942-8235-326C972CBB30}" type="datetimeFigureOut">
               <a:rPr lang="en-US" smtClean="0"/>
               <a:pPr/>
-              <a:t>4/27/2021</a:t>
+              <a:t>4/28/2021</a:t>
             </a:fld>
             <a:endParaRPr lang="en-US" dirty="0"/>
           </a:p>
@@ -3011,8 +3011,8 @@
         </p:nvSpPr>
         <p:spPr>
           <a:xfrm>
-            <a:off x="7917401" y="7919829"/>
-            <a:ext cx="8641666" cy="1138776"/>
+            <a:off x="7665025" y="7919829"/>
+            <a:ext cx="9146420" cy="1148523"/>
           </a:xfrm>
           <a:prstGeom prst="rect">
             <a:avLst/>
@@ -3217,7 +3217,7 @@
                 <a:ea typeface="Open Sans Light" charset="0"/>
                 <a:cs typeface="Open Sans Light" charset="0"/>
               </a:rPr>
-              <a:t>Tarak Patel, Nicole Lund, Anne Niemiec</a:t>
+              <a:t>Tarak Patel, Nicole Lund &amp; Anne Niemiec</a:t>
             </a:r>
           </a:p>
         </p:txBody>
@@ -3296,15 +3296,6 @@
               </a:rPr>
               <a:t>Health Data </a:t>
             </a:r>
-            <a:endParaRPr lang="en-US" sz="6000" spc="3500" dirty="0">
-              <a:solidFill>
-                <a:schemeClr val="bg1"/>
-              </a:solidFill>
-              <a:latin typeface="Open Sans Light" charset="0"/>
-              <a:ea typeface="Open Sans Light" charset="0"/>
-              <a:cs typeface="Open Sans Light" charset="0"/>
-              <a:sym typeface="Bebas Neue" charset="0"/>
-            </a:endParaRPr>
           </a:p>
         </p:txBody>
       </p:sp>
@@ -3320,7 +3311,7 @@
   </p:clrMapOvr>
   <mc:AlternateContent xmlns:mc="http://schemas.openxmlformats.org/markup-compatibility/2006" xmlns:p14="http://schemas.microsoft.com/office/powerpoint/2010/main">
     <mc:Choice Requires="p14">
-      <p:transition p14:dur="0" advClick="0"/>
+      <p:transition p14:dur="10" advClick="0"/>
     </mc:Choice>
     <mc:Fallback xmlns="">
       <p:transition advClick="0"/>
@@ -3816,8 +3807,8 @@
         </p:nvSpPr>
         <p:spPr>
           <a:xfrm>
-            <a:off x="1515035" y="11217105"/>
-            <a:ext cx="2303836" cy="461665"/>
+            <a:off x="1515036" y="11217105"/>
+            <a:ext cx="21970186" cy="769441"/>
           </a:xfrm>
           <a:prstGeom prst="rect">
             <a:avLst/>
@@ -3825,7 +3816,7 @@
           <a:noFill/>
         </p:spPr>
         <p:txBody>
-          <a:bodyPr wrap="none" rtlCol="0">
+          <a:bodyPr wrap="square" rtlCol="0">
             <a:spAutoFit/>
           </a:bodyPr>
           <a:lstStyle/>
@@ -3837,6 +3828,24 @@
                 <a:cs typeface="Open Sans" panose="020B0606030504020204" pitchFamily="34" charset="0"/>
               </a:rPr>
               <a:t>Commentary:  </a:t>
+            </a:r>
+            <a:r>
+              <a:rPr lang="en-US" sz="2000" b="0" i="0" dirty="0">
+                <a:solidFill>
+                  <a:srgbClr val="000000"/>
+                </a:solidFill>
+                <a:effectLst/>
+                <a:latin typeface="Consolas" panose="020B0609020204030204" pitchFamily="49" charset="0"/>
+              </a:rPr>
+              <a:t>In this figure, the states are NOT normalized by population, therefore, it reflects a higher number of allocation for states including CA, FL, TX) that have a high population value.</a:t>
+            </a:r>
+            <a:r>
+              <a:rPr lang="en-US" sz="2000" dirty="0">
+                <a:latin typeface="Open Sans" panose="020B0606030504020204" pitchFamily="34" charset="0"/>
+                <a:ea typeface="Open Sans" panose="020B0606030504020204" pitchFamily="34" charset="0"/>
+                <a:cs typeface="Open Sans" panose="020B0606030504020204" pitchFamily="34" charset="0"/>
+              </a:rPr>
+              <a:t>  </a:t>
             </a:r>
           </a:p>
         </p:txBody>
@@ -3886,7 +3895,7 @@
         <p:spPr>
           <a:xfrm>
             <a:off x="1515035" y="11217105"/>
-            <a:ext cx="2303836" cy="461665"/>
+            <a:ext cx="22068865" cy="1384995"/>
           </a:xfrm>
           <a:prstGeom prst="rect">
             <a:avLst/>
@@ -3894,7 +3903,7 @@
           <a:noFill/>
         </p:spPr>
         <p:txBody>
-          <a:bodyPr wrap="none" rtlCol="0">
+          <a:bodyPr wrap="square" rtlCol="0">
             <a:spAutoFit/>
           </a:bodyPr>
           <a:lstStyle/>
@@ -3905,7 +3914,65 @@
                 <a:ea typeface="Open Sans" panose="020B0606030504020204" pitchFamily="34" charset="0"/>
                 <a:cs typeface="Open Sans" panose="020B0606030504020204" pitchFamily="34" charset="0"/>
               </a:rPr>
-              <a:t>Commentary:  </a:t>
+              <a:t>Commentary: </a:t>
+            </a:r>
+            <a:r>
+              <a:rPr lang="en-US" sz="2000" b="0" i="0" dirty="0">
+                <a:solidFill>
+                  <a:srgbClr val="000000"/>
+                </a:solidFill>
+                <a:effectLst/>
+                <a:latin typeface="Consolas" panose="020B0609020204030204" pitchFamily="49" charset="0"/>
+              </a:rPr>
+              <a:t>Whereas in this figure, once the population value is normalized, it portrays a more even allocation for all states with the exception of Utah and Alaska by percentage. We believe the reasoning is based on X. If the goal is to achieve vaccination for the entire population, the % value in the chart would equate to x%. The values are similar/same for Pfizer since the doses are automatically scheduled for you. </a:t>
+            </a:r>
+            <a:r>
+              <a:rPr lang="en-US" sz="2000" b="0" i="0" dirty="0" err="1">
+                <a:solidFill>
+                  <a:srgbClr val="000000"/>
+                </a:solidFill>
+                <a:effectLst/>
+                <a:latin typeface="Consolas" panose="020B0609020204030204" pitchFamily="49" charset="0"/>
+              </a:rPr>
+              <a:t>Maderna</a:t>
+            </a:r>
+            <a:r>
+              <a:rPr lang="en-US" sz="2000" b="0" i="0" dirty="0">
+                <a:solidFill>
+                  <a:srgbClr val="000000"/>
+                </a:solidFill>
+                <a:effectLst/>
+                <a:latin typeface="Consolas" panose="020B0609020204030204" pitchFamily="49" charset="0"/>
+              </a:rPr>
+              <a:t> has fewer shots (doses 1 &amp; 2) than Pfizer (doses 1 &amp; 2). Q:(1/3 should receive Pfizer, 1/3 </a:t>
+            </a:r>
+            <a:r>
+              <a:rPr lang="en-US" sz="2000" b="0" i="0" dirty="0" err="1">
+                <a:solidFill>
+                  <a:srgbClr val="000000"/>
+                </a:solidFill>
+                <a:effectLst/>
+                <a:latin typeface="Consolas" panose="020B0609020204030204" pitchFamily="49" charset="0"/>
+              </a:rPr>
+              <a:t>Moderna</a:t>
+            </a:r>
+            <a:r>
+              <a:rPr lang="en-US" sz="2000" b="0" i="0" dirty="0">
+                <a:solidFill>
+                  <a:srgbClr val="000000"/>
+                </a:solidFill>
+                <a:effectLst/>
+                <a:latin typeface="Consolas" panose="020B0609020204030204" pitchFamily="49" charset="0"/>
+              </a:rPr>
+              <a:t>, 1/3 J&amp;J)</a:t>
+            </a:r>
+            <a:r>
+              <a:rPr lang="en-US" sz="2000" dirty="0">
+                <a:latin typeface="Open Sans" panose="020B0606030504020204" pitchFamily="34" charset="0"/>
+                <a:ea typeface="Open Sans" panose="020B0606030504020204" pitchFamily="34" charset="0"/>
+                <a:cs typeface="Open Sans" panose="020B0606030504020204" pitchFamily="34" charset="0"/>
+              </a:rPr>
+              <a:t>  </a:t>
             </a:r>
           </a:p>
         </p:txBody>
@@ -3990,8 +4057,8 @@
         </p:nvSpPr>
         <p:spPr>
           <a:xfrm>
-            <a:off x="1515035" y="11217105"/>
-            <a:ext cx="2303836" cy="461665"/>
+            <a:off x="382167" y="1482555"/>
+            <a:ext cx="2761083" cy="8586966"/>
           </a:xfrm>
           <a:prstGeom prst="rect">
             <a:avLst/>
@@ -3999,7 +4066,7 @@
           <a:noFill/>
         </p:spPr>
         <p:txBody>
-          <a:bodyPr wrap="none" rtlCol="0">
+          <a:bodyPr wrap="square" rtlCol="0">
             <a:spAutoFit/>
           </a:bodyPr>
           <a:lstStyle/>
@@ -4010,17 +4077,85 @@
                 <a:ea typeface="Open Sans" panose="020B0606030504020204" pitchFamily="34" charset="0"/>
                 <a:cs typeface="Open Sans" panose="020B0606030504020204" pitchFamily="34" charset="0"/>
               </a:rPr>
-              <a:t>Commentary:  </a:t>
+              <a:t>Commentary:</a:t>
+            </a:r>
+            <a:r>
+              <a:rPr lang="en-US" sz="1800" b="0" i="0" dirty="0">
+                <a:solidFill>
+                  <a:srgbClr val="000000"/>
+                </a:solidFill>
+                <a:effectLst/>
+                <a:latin typeface="Consolas" panose="020B0609020204030204" pitchFamily="49" charset="0"/>
+              </a:rPr>
+              <a:t> Note, these images contain the number of total vaccines allocated by state. In figures 1 &amp; 2, you will notice the bars mirror each other due to the fact that the patient is automatically scheduled for the 2nd dose (Pfizer &amp; </a:t>
+            </a:r>
+            <a:r>
+              <a:rPr lang="en-US" sz="1800" b="0" i="0" dirty="0" err="1">
+                <a:solidFill>
+                  <a:srgbClr val="000000"/>
+                </a:solidFill>
+                <a:effectLst/>
+                <a:latin typeface="Consolas" panose="020B0609020204030204" pitchFamily="49" charset="0"/>
+              </a:rPr>
+              <a:t>Moderna</a:t>
+            </a:r>
+            <a:r>
+              <a:rPr lang="en-US" sz="1800" b="0" i="0" dirty="0">
+                <a:solidFill>
+                  <a:srgbClr val="000000"/>
+                </a:solidFill>
+                <a:effectLst/>
+                <a:latin typeface="Consolas" panose="020B0609020204030204" pitchFamily="49" charset="0"/>
+              </a:rPr>
+              <a:t>) at the time of receiving their first dose; hence the allocation for dose two is the same value as dose one. In the third figure, you only see one bar, since J&amp;J is a single dose vaccine. However, it appears that CA has received a higher number of doses of </a:t>
+            </a:r>
+            <a:r>
+              <a:rPr lang="en-US" sz="1800" b="0" i="0" dirty="0" err="1">
+                <a:solidFill>
+                  <a:srgbClr val="000000"/>
+                </a:solidFill>
+                <a:effectLst/>
+                <a:latin typeface="Consolas" panose="020B0609020204030204" pitchFamily="49" charset="0"/>
+              </a:rPr>
+              <a:t>Moderna</a:t>
+            </a:r>
+            <a:r>
+              <a:rPr lang="en-US" sz="1800" b="0" i="0" dirty="0">
+                <a:solidFill>
+                  <a:srgbClr val="000000"/>
+                </a:solidFill>
+                <a:effectLst/>
+                <a:latin typeface="Consolas" panose="020B0609020204030204" pitchFamily="49" charset="0"/>
+              </a:rPr>
+              <a:t> versus Pfizer and J&amp;J</a:t>
+            </a:r>
+            <a:r>
+              <a:rPr lang="en-US" sz="1200" b="0" i="0" dirty="0">
+                <a:solidFill>
+                  <a:srgbClr val="000000"/>
+                </a:solidFill>
+                <a:effectLst/>
+                <a:latin typeface="Consolas" panose="020B0609020204030204" pitchFamily="49" charset="0"/>
+              </a:rPr>
+              <a:t>.</a:t>
+            </a:r>
+            <a:r>
+              <a:rPr lang="en-US" sz="2400" dirty="0">
+                <a:latin typeface="Open Sans" panose="020B0606030504020204" pitchFamily="34" charset="0"/>
+                <a:ea typeface="Open Sans" panose="020B0606030504020204" pitchFamily="34" charset="0"/>
+                <a:cs typeface="Open Sans" panose="020B0606030504020204" pitchFamily="34" charset="0"/>
+              </a:rPr>
+              <a:t>  </a:t>
             </a:r>
           </a:p>
         </p:txBody>
       </p:sp>
       <p:pic>
         <p:nvPicPr>
-          <p:cNvPr id="5" name="Picture 4">
+          <p:cNvPr id="3" name="Picture 2">
             <a:extLst>
               <a:ext uri="{FF2B5EF4-FFF2-40B4-BE49-F238E27FC236}">
-                <a16:creationId xmlns:a16="http://schemas.microsoft.com/office/drawing/2014/main" id="{392A8263-F53D-48F7-B37C-CC73655E6ADA}"/>
+                <a16:creationId xmlns:a16="http://schemas.microsoft.com/office/drawing/2014/main" id="{E30A69E1-9AEA-4E5C-9BB9-74D052E78F0B}"/>
               </a:ext>
             </a:extLst>
           </p:cNvPr>
@@ -4030,15 +4165,21 @@
           <p:nvPr/>
         </p:nvPicPr>
         <p:blipFill>
-          <a:blip r:embed="rId2"/>
+          <a:blip r:embed="rId2">
+            <a:extLst>
+              <a:ext uri="{28A0092B-C50C-407E-A947-70E740481C1C}">
+                <a14:useLocalDpi xmlns:a14="http://schemas.microsoft.com/office/drawing/2010/main" val="0"/>
+              </a:ext>
+            </a:extLst>
+          </a:blip>
           <a:stretch>
             <a:fillRect/>
           </a:stretch>
         </p:blipFill>
         <p:spPr>
           <a:xfrm>
-            <a:off x="3902074" y="0"/>
-            <a:ext cx="16573501" cy="13716000"/>
+            <a:off x="1546225" y="-1162050"/>
+            <a:ext cx="21336000" cy="16001999"/>
           </a:xfrm>
           <a:prstGeom prst="rect">
             <a:avLst/>
@@ -5975,7 +6116,7 @@
         <p:spPr>
           <a:xfrm>
             <a:off x="1311275" y="5293947"/>
-            <a:ext cx="8787021" cy="1590179"/>
+            <a:ext cx="8998617" cy="1590179"/>
           </a:xfrm>
           <a:prstGeom prst="rect">
             <a:avLst/>
@@ -6515,7 +6656,14 @@
           </a:fontRef>
         </p:style>
         <p:txBody>
-          <a:bodyPr rtlCol="0" anchor="ctr"/>
+          <a:bodyPr rtlCol="0" anchor="ctr">
+            <a:scene3d>
+              <a:camera prst="orthographicFront">
+                <a:rot lat="0" lon="0" rev="5400000"/>
+              </a:camera>
+              <a:lightRig rig="threePt" dir="t"/>
+            </a:scene3d>
+          </a:bodyPr>
           <a:lstStyle/>
           <a:p>
             <a:pPr algn="ctr"/>
@@ -6931,8 +7079,8 @@
         </p:nvSpPr>
         <p:spPr>
           <a:xfrm>
-            <a:off x="8243678" y="580840"/>
-            <a:ext cx="7872412" cy="1107996"/>
+            <a:off x="8433153" y="580840"/>
+            <a:ext cx="7493462" cy="1107996"/>
           </a:xfrm>
           <a:prstGeom prst="rect">
             <a:avLst/>
@@ -6951,8 +7099,9 @@
                 <a:solidFill>
                   <a:schemeClr val="tx2"/>
                 </a:solidFill>
-                <a:latin typeface="Open Sans" panose="020B0606030504020204" pitchFamily="34" charset="0"/>
-                <a:cs typeface="Open Sans" panose="020B0606030504020204" pitchFamily="34" charset="0"/>
+                <a:latin typeface="Open Sans Light" panose="020B0306030504020204" pitchFamily="34" charset="0"/>
+                <a:ea typeface="Open Sans Light" panose="020B0306030504020204" pitchFamily="34" charset="0"/>
+                <a:cs typeface="Open Sans Light" panose="020B0306030504020204" pitchFamily="34" charset="0"/>
               </a:rPr>
               <a:t>Covid-19 Pandemic</a:t>
             </a:r>
@@ -17513,8 +17662,8 @@
         </p:nvSpPr>
         <p:spPr>
           <a:xfrm>
-            <a:off x="7937095" y="1183811"/>
-            <a:ext cx="7375545" cy="1138773"/>
+            <a:off x="7688437" y="1183811"/>
+            <a:ext cx="7872861" cy="1138773"/>
           </a:xfrm>
           <a:prstGeom prst="rect">
             <a:avLst/>
@@ -17533,8 +17682,9 @@
                 <a:solidFill>
                   <a:schemeClr val="tx2"/>
                 </a:solidFill>
-                <a:latin typeface="Open Sans" panose="020B0606030504020204" pitchFamily="34" charset="0"/>
-                <a:cs typeface="Open Sans" panose="020B0606030504020204" pitchFamily="34" charset="0"/>
+                <a:latin typeface="Open Sans Light" panose="020B0306030504020204" pitchFamily="34" charset="0"/>
+                <a:ea typeface="Open Sans Light" panose="020B0306030504020204" pitchFamily="34" charset="0"/>
+                <a:cs typeface="Open Sans Light" panose="020B0306030504020204" pitchFamily="34" charset="0"/>
               </a:rPr>
               <a:t>Vaccines Evaluated</a:t>
             </a:r>
@@ -23255,7 +23405,7 @@
         <p:spPr>
           <a:xfrm>
             <a:off x="6243832" y="3909366"/>
-            <a:ext cx="4409378" cy="644282"/>
+            <a:ext cx="4409378" cy="655246"/>
           </a:xfrm>
           <a:prstGeom prst="rect">
             <a:avLst/>
@@ -23448,7 +23598,29 @@
                 <a:ea typeface="Open Sans Light" panose="020B0306030504020204" pitchFamily="34" charset="0"/>
                 <a:cs typeface="Open Sans Light" panose="020B0306030504020204" pitchFamily="34" charset="0"/>
               </a:rPr>
-              <a:t>Pfizer, Maderna, and J&amp;J</a:t>
+              <a:t>Pfizer, </a:t>
+            </a:r>
+            <a:r>
+              <a:rPr lang="en-US" sz="2700" dirty="0" err="1">
+                <a:solidFill>
+                  <a:schemeClr val="tx1"/>
+                </a:solidFill>
+                <a:latin typeface="Open Sans Light" panose="020B0306030504020204" pitchFamily="34" charset="0"/>
+                <a:ea typeface="Open Sans Light" panose="020B0306030504020204" pitchFamily="34" charset="0"/>
+                <a:cs typeface="Open Sans Light" panose="020B0306030504020204" pitchFamily="34" charset="0"/>
+              </a:rPr>
+              <a:t>Moderna</a:t>
+            </a:r>
+            <a:r>
+              <a:rPr lang="en-US" sz="2700" dirty="0">
+                <a:solidFill>
+                  <a:schemeClr val="tx1"/>
+                </a:solidFill>
+                <a:latin typeface="Open Sans Light" panose="020B0306030504020204" pitchFamily="34" charset="0"/>
+                <a:ea typeface="Open Sans Light" panose="020B0306030504020204" pitchFamily="34" charset="0"/>
+                <a:cs typeface="Open Sans Light" panose="020B0306030504020204" pitchFamily="34" charset="0"/>
+              </a:rPr>
+              <a:t>, and J&amp;J</a:t>
             </a:r>
           </a:p>
         </p:txBody>
@@ -26313,8 +26485,8 @@
         </p:nvSpPr>
         <p:spPr>
           <a:xfrm>
-            <a:off x="3796794" y="734667"/>
-            <a:ext cx="6588343" cy="1138773"/>
+            <a:off x="3679615" y="734667"/>
+            <a:ext cx="6822702" cy="1138773"/>
           </a:xfrm>
           <a:prstGeom prst="rect">
             <a:avLst/>
@@ -26333,8 +26505,9 @@
                 <a:solidFill>
                   <a:schemeClr val="tx2"/>
                 </a:solidFill>
-                <a:latin typeface="Open Sans" panose="020B0606030504020204" pitchFamily="34" charset="0"/>
-                <a:cs typeface="Open Sans" panose="020B0606030504020204" pitchFamily="34" charset="0"/>
+                <a:latin typeface="Open Sans Light" panose="020B0306030504020204" pitchFamily="34" charset="0"/>
+                <a:ea typeface="Open Sans Light" panose="020B0306030504020204" pitchFamily="34" charset="0"/>
+                <a:cs typeface="Open Sans Light" panose="020B0306030504020204" pitchFamily="34" charset="0"/>
               </a:rPr>
               <a:t>Questions Posed</a:t>
             </a:r>
@@ -29768,7 +29941,7 @@
         <p:spPr bwMode="auto">
           <a:xfrm>
             <a:off x="2050494" y="4434259"/>
-            <a:ext cx="6907340" cy="1615827"/>
+            <a:ext cx="6545061" cy="1615827"/>
           </a:xfrm>
           <a:prstGeom prst="rect">
             <a:avLst/>
@@ -29809,9 +29982,9 @@
                 <a:solidFill>
                   <a:schemeClr val="tx2"/>
                 </a:solidFill>
-                <a:latin typeface="Open Sans" panose="020B0606030504020204" pitchFamily="34" charset="0"/>
-                <a:ea typeface="Open Sans" panose="020B0606030504020204" pitchFamily="34" charset="0"/>
-                <a:cs typeface="Open Sans" panose="020B0606030504020204" pitchFamily="34" charset="0"/>
+                <a:latin typeface="Open Sans Light" panose="020B0306030504020204" pitchFamily="34" charset="0"/>
+                <a:ea typeface="Open Sans Light" panose="020B0306030504020204" pitchFamily="34" charset="0"/>
+                <a:cs typeface="Open Sans Light" panose="020B0306030504020204" pitchFamily="34" charset="0"/>
                 <a:sym typeface="Bebas Neue" charset="0"/>
               </a:rPr>
               <a:t>Analysis</a:t>

--- a/presentation/Project_one.pptx
+++ b/presentation/Project_one.pptx
@@ -5,7 +5,7 @@
     <p:sldMasterId id="2147483970" r:id="rId1"/>
   </p:sldMasterIdLst>
   <p:notesMasterIdLst>
-    <p:notesMasterId r:id="rId29"/>
+    <p:notesMasterId r:id="rId26"/>
   </p:notesMasterIdLst>
   <p:sldIdLst>
     <p:sldId id="2440" r:id="rId2"/>
@@ -18,23 +18,20 @@
     <p:sldId id="2568" r:id="rId9"/>
     <p:sldId id="3313" r:id="rId10"/>
     <p:sldId id="3314" r:id="rId11"/>
-    <p:sldId id="3315" r:id="rId12"/>
-    <p:sldId id="3316" r:id="rId13"/>
-    <p:sldId id="3317" r:id="rId14"/>
-    <p:sldId id="3312" r:id="rId15"/>
-    <p:sldId id="3324" r:id="rId16"/>
-    <p:sldId id="3325" r:id="rId17"/>
-    <p:sldId id="3318" r:id="rId18"/>
-    <p:sldId id="3319" r:id="rId19"/>
-    <p:sldId id="3320" r:id="rId20"/>
-    <p:sldId id="3321" r:id="rId21"/>
-    <p:sldId id="3322" r:id="rId22"/>
-    <p:sldId id="3323" r:id="rId23"/>
-    <p:sldId id="2572" r:id="rId24"/>
-    <p:sldId id="3307" r:id="rId25"/>
-    <p:sldId id="2580" r:id="rId26"/>
-    <p:sldId id="2585" r:id="rId27"/>
-    <p:sldId id="3311" r:id="rId28"/>
+    <p:sldId id="3317" r:id="rId12"/>
+    <p:sldId id="3325" r:id="rId13"/>
+    <p:sldId id="3324" r:id="rId14"/>
+    <p:sldId id="3318" r:id="rId15"/>
+    <p:sldId id="3319" r:id="rId16"/>
+    <p:sldId id="3320" r:id="rId17"/>
+    <p:sldId id="3321" r:id="rId18"/>
+    <p:sldId id="3322" r:id="rId19"/>
+    <p:sldId id="3323" r:id="rId20"/>
+    <p:sldId id="2572" r:id="rId21"/>
+    <p:sldId id="3307" r:id="rId22"/>
+    <p:sldId id="2580" r:id="rId23"/>
+    <p:sldId id="2585" r:id="rId24"/>
+    <p:sldId id="3311" r:id="rId25"/>
   </p:sldIdLst>
   <p:sldSz cx="24377650" cy="13716000"/>
   <p:notesSz cx="6858000" cy="9144000"/>
@@ -3365,8 +3362,8 @@
         </p:blipFill>
         <p:spPr>
           <a:xfrm>
-            <a:off x="399678" y="3714750"/>
-            <a:ext cx="23578294" cy="7073488"/>
+            <a:off x="1" y="2037230"/>
+            <a:ext cx="24377650" cy="9030820"/>
           </a:xfrm>
           <a:prstGeom prst="rect">
             <a:avLst/>
@@ -3388,7 +3385,7 @@
         <p:spPr>
           <a:xfrm>
             <a:off x="1515035" y="11217105"/>
-            <a:ext cx="2303836" cy="461665"/>
+            <a:ext cx="20848143" cy="1200329"/>
           </a:xfrm>
           <a:prstGeom prst="rect">
             <a:avLst/>
@@ -3407,7 +3404,27 @@
                 <a:ea typeface="Open Sans" panose="020B0606030504020204" pitchFamily="34" charset="0"/>
                 <a:cs typeface="Open Sans" panose="020B0606030504020204" pitchFamily="34" charset="0"/>
               </a:rPr>
-              <a:t>Commentary:  </a:t>
+              <a:t>Commentary:  How many doses were administered by state?</a:t>
+            </a:r>
+          </a:p>
+          <a:p>
+            <a:r>
+              <a:rPr lang="en-US" sz="2400" dirty="0">
+                <a:latin typeface="Open Sans" panose="020B0606030504020204" pitchFamily="34" charset="0"/>
+                <a:ea typeface="Open Sans" panose="020B0606030504020204" pitchFamily="34" charset="0"/>
+                <a:cs typeface="Open Sans" panose="020B0606030504020204" pitchFamily="34" charset="0"/>
+              </a:rPr>
+              <a:t>This figure displays the relationship between the population and the number of vaccines allocated and administrated.  As you can see, California</a:t>
+            </a:r>
+          </a:p>
+          <a:p>
+            <a:r>
+              <a:rPr lang="en-US" sz="2400" dirty="0">
+                <a:latin typeface="Open Sans" panose="020B0606030504020204" pitchFamily="34" charset="0"/>
+                <a:ea typeface="Open Sans" panose="020B0606030504020204" pitchFamily="34" charset="0"/>
+                <a:cs typeface="Open Sans" panose="020B0606030504020204" pitchFamily="34" charset="0"/>
+              </a:rPr>
+              <a:t>and Texas have a large task ahead.  </a:t>
             </a:r>
           </a:p>
         </p:txBody>
@@ -3426,216 +3443,6 @@
 </file>
 
 <file path=ppt/slides/slide11.xml><?xml version="1.0" encoding="utf-8"?>
-<p:sld xmlns:a="http://schemas.openxmlformats.org/drawingml/2006/main" xmlns:r="http://schemas.openxmlformats.org/officeDocument/2006/relationships" xmlns:p="http://schemas.openxmlformats.org/presentationml/2006/main">
-  <p:cSld>
-    <p:spTree>
-      <p:nvGrpSpPr>
-        <p:cNvPr id="1" name=""/>
-        <p:cNvGrpSpPr/>
-        <p:nvPr/>
-      </p:nvGrpSpPr>
-      <p:grpSpPr>
-        <a:xfrm>
-          <a:off x="0" y="0"/>
-          <a:ext cx="0" cy="0"/>
-          <a:chOff x="0" y="0"/>
-          <a:chExt cx="0" cy="0"/>
-        </a:xfrm>
-      </p:grpSpPr>
-      <p:pic>
-        <p:nvPicPr>
-          <p:cNvPr id="7" name="Picture 6">
-            <a:extLst>
-              <a:ext uri="{FF2B5EF4-FFF2-40B4-BE49-F238E27FC236}">
-                <a16:creationId xmlns:a16="http://schemas.microsoft.com/office/drawing/2014/main" id="{EC848DA7-C00E-416E-BA5E-7069150F3764}"/>
-              </a:ext>
-            </a:extLst>
-          </p:cNvPr>
-          <p:cNvPicPr>
-            <a:picLocks noChangeAspect="1"/>
-          </p:cNvPicPr>
-          <p:nvPr/>
-        </p:nvPicPr>
-        <p:blipFill>
-          <a:blip r:embed="rId2">
-            <a:extLst>
-              <a:ext uri="{28A0092B-C50C-407E-A947-70E740481C1C}">
-                <a14:useLocalDpi xmlns:a14="http://schemas.microsoft.com/office/drawing/2010/main" val="0"/>
-              </a:ext>
-            </a:extLst>
-          </a:blip>
-          <a:stretch>
-            <a:fillRect/>
-          </a:stretch>
-        </p:blipFill>
-        <p:spPr>
-          <a:xfrm>
-            <a:off x="2366720" y="0"/>
-            <a:ext cx="18753765" cy="11252259"/>
-          </a:xfrm>
-          <a:prstGeom prst="rect">
-            <a:avLst/>
-          </a:prstGeom>
-        </p:spPr>
-      </p:pic>
-      <p:sp>
-        <p:nvSpPr>
-          <p:cNvPr id="8" name="TextBox 7">
-            <a:extLst>
-              <a:ext uri="{FF2B5EF4-FFF2-40B4-BE49-F238E27FC236}">
-                <a16:creationId xmlns:a16="http://schemas.microsoft.com/office/drawing/2014/main" id="{D5699C0F-76A3-4202-B252-EB19EB63AD09}"/>
-              </a:ext>
-            </a:extLst>
-          </p:cNvPr>
-          <p:cNvSpPr txBox="1"/>
-          <p:nvPr/>
-        </p:nvSpPr>
-        <p:spPr>
-          <a:xfrm>
-            <a:off x="1515035" y="11217105"/>
-            <a:ext cx="2303836" cy="461665"/>
-          </a:xfrm>
-          <a:prstGeom prst="rect">
-            <a:avLst/>
-          </a:prstGeom>
-          <a:noFill/>
-        </p:spPr>
-        <p:txBody>
-          <a:bodyPr wrap="none" rtlCol="0">
-            <a:spAutoFit/>
-          </a:bodyPr>
-          <a:lstStyle/>
-          <a:p>
-            <a:r>
-              <a:rPr lang="en-US" sz="2400" dirty="0">
-                <a:latin typeface="Open Sans" panose="020B0606030504020204" pitchFamily="34" charset="0"/>
-                <a:ea typeface="Open Sans" panose="020B0606030504020204" pitchFamily="34" charset="0"/>
-                <a:cs typeface="Open Sans" panose="020B0606030504020204" pitchFamily="34" charset="0"/>
-              </a:rPr>
-              <a:t>Commentary:  </a:t>
-            </a:r>
-          </a:p>
-        </p:txBody>
-      </p:sp>
-    </p:spTree>
-    <p:extLst>
-      <p:ext uri="{BB962C8B-B14F-4D97-AF65-F5344CB8AC3E}">
-        <p14:creationId xmlns:p14="http://schemas.microsoft.com/office/powerpoint/2010/main" val="2101011483"/>
-      </p:ext>
-    </p:extLst>
-  </p:cSld>
-  <p:clrMapOvr>
-    <a:masterClrMapping/>
-  </p:clrMapOvr>
-</p:sld>
-</file>
-
-<file path=ppt/slides/slide12.xml><?xml version="1.0" encoding="utf-8"?>
-<p:sld xmlns:a="http://schemas.openxmlformats.org/drawingml/2006/main" xmlns:r="http://schemas.openxmlformats.org/officeDocument/2006/relationships" xmlns:p="http://schemas.openxmlformats.org/presentationml/2006/main">
-  <p:cSld>
-    <p:spTree>
-      <p:nvGrpSpPr>
-        <p:cNvPr id="1" name=""/>
-        <p:cNvGrpSpPr/>
-        <p:nvPr/>
-      </p:nvGrpSpPr>
-      <p:grpSpPr>
-        <a:xfrm>
-          <a:off x="0" y="0"/>
-          <a:ext cx="0" cy="0"/>
-          <a:chOff x="0" y="0"/>
-          <a:chExt cx="0" cy="0"/>
-        </a:xfrm>
-      </p:grpSpPr>
-      <p:pic>
-        <p:nvPicPr>
-          <p:cNvPr id="3" name="Picture 2">
-            <a:extLst>
-              <a:ext uri="{FF2B5EF4-FFF2-40B4-BE49-F238E27FC236}">
-                <a16:creationId xmlns:a16="http://schemas.microsoft.com/office/drawing/2014/main" id="{AE6E0C08-B8BC-4CF5-A83F-BD248983B7E1}"/>
-              </a:ext>
-            </a:extLst>
-          </p:cNvPr>
-          <p:cNvPicPr>
-            <a:picLocks noChangeAspect="1"/>
-          </p:cNvPicPr>
-          <p:nvPr/>
-        </p:nvPicPr>
-        <p:blipFill>
-          <a:blip r:embed="rId2">
-            <a:extLst>
-              <a:ext uri="{28A0092B-C50C-407E-A947-70E740481C1C}">
-                <a14:useLocalDpi xmlns:a14="http://schemas.microsoft.com/office/drawing/2010/main" val="0"/>
-              </a:ext>
-            </a:extLst>
-          </a:blip>
-          <a:stretch>
-            <a:fillRect/>
-          </a:stretch>
-        </p:blipFill>
-        <p:spPr>
-          <a:xfrm>
-            <a:off x="2457403" y="195633"/>
-            <a:ext cx="18753841" cy="11252304"/>
-          </a:xfrm>
-          <a:prstGeom prst="rect">
-            <a:avLst/>
-          </a:prstGeom>
-        </p:spPr>
-      </p:pic>
-      <p:sp>
-        <p:nvSpPr>
-          <p:cNvPr id="7" name="TextBox 6">
-            <a:extLst>
-              <a:ext uri="{FF2B5EF4-FFF2-40B4-BE49-F238E27FC236}">
-                <a16:creationId xmlns:a16="http://schemas.microsoft.com/office/drawing/2014/main" id="{3B8F7EAC-7AA2-4BDB-9D2A-AE3721EA0EF9}"/>
-              </a:ext>
-            </a:extLst>
-          </p:cNvPr>
-          <p:cNvSpPr txBox="1"/>
-          <p:nvPr/>
-        </p:nvSpPr>
-        <p:spPr>
-          <a:xfrm>
-            <a:off x="1515035" y="11217105"/>
-            <a:ext cx="2303836" cy="461665"/>
-          </a:xfrm>
-          <a:prstGeom prst="rect">
-            <a:avLst/>
-          </a:prstGeom>
-          <a:noFill/>
-        </p:spPr>
-        <p:txBody>
-          <a:bodyPr wrap="none" rtlCol="0">
-            <a:spAutoFit/>
-          </a:bodyPr>
-          <a:lstStyle/>
-          <a:p>
-            <a:r>
-              <a:rPr lang="en-US" sz="2400" dirty="0">
-                <a:latin typeface="Open Sans" panose="020B0606030504020204" pitchFamily="34" charset="0"/>
-                <a:ea typeface="Open Sans" panose="020B0606030504020204" pitchFamily="34" charset="0"/>
-                <a:cs typeface="Open Sans" panose="020B0606030504020204" pitchFamily="34" charset="0"/>
-              </a:rPr>
-              <a:t>Commentary:  </a:t>
-            </a:r>
-          </a:p>
-        </p:txBody>
-      </p:sp>
-    </p:spTree>
-    <p:extLst>
-      <p:ext uri="{BB962C8B-B14F-4D97-AF65-F5344CB8AC3E}">
-        <p14:creationId xmlns:p14="http://schemas.microsoft.com/office/powerpoint/2010/main" val="4081986715"/>
-      </p:ext>
-    </p:extLst>
-  </p:cSld>
-  <p:clrMapOvr>
-    <a:masterClrMapping/>
-  </p:clrMapOvr>
-</p:sld>
-</file>
-
-<file path=ppt/slides/slide13.xml><?xml version="1.0" encoding="utf-8"?>
 <p:sld xmlns:a="http://schemas.openxmlformats.org/drawingml/2006/main" xmlns:r="http://schemas.openxmlformats.org/officeDocument/2006/relationships" xmlns:p="http://schemas.openxmlformats.org/presentationml/2006/main">
   <p:cSld>
     <p:spTree>
@@ -3703,7 +3510,7 @@
         <p:spPr>
           <a:xfrm>
             <a:off x="1515035" y="11217105"/>
-            <a:ext cx="2303836" cy="461665"/>
+            <a:ext cx="13672589" cy="830997"/>
           </a:xfrm>
           <a:prstGeom prst="rect">
             <a:avLst/>
@@ -3722,7 +3529,33 @@
                 <a:ea typeface="Open Sans" panose="020B0606030504020204" pitchFamily="34" charset="0"/>
                 <a:cs typeface="Open Sans" panose="020B0606030504020204" pitchFamily="34" charset="0"/>
               </a:rPr>
-              <a:t>Commentary:  </a:t>
+              <a:t>Commentary: How does the CDC handle the multi dose allocation in their distribution values.  </a:t>
+            </a:r>
+          </a:p>
+          <a:p>
+            <a:r>
+              <a:rPr lang="en-US" sz="2400" dirty="0">
+                <a:latin typeface="Open Sans" panose="020B0606030504020204" pitchFamily="34" charset="0"/>
+                <a:ea typeface="Open Sans" panose="020B0606030504020204" pitchFamily="34" charset="0"/>
+                <a:cs typeface="Open Sans" panose="020B0606030504020204" pitchFamily="34" charset="0"/>
+              </a:rPr>
+              <a:t>The CDC has allocated both doses for Pfizer and </a:t>
+            </a:r>
+            <a:r>
+              <a:rPr lang="en-US" sz="2400" dirty="0" err="1">
+                <a:latin typeface="Open Sans" panose="020B0606030504020204" pitchFamily="34" charset="0"/>
+                <a:ea typeface="Open Sans" panose="020B0606030504020204" pitchFamily="34" charset="0"/>
+                <a:cs typeface="Open Sans" panose="020B0606030504020204" pitchFamily="34" charset="0"/>
+              </a:rPr>
+              <a:t>Moderna</a:t>
+            </a:r>
+            <a:r>
+              <a:rPr lang="en-US" sz="2400" dirty="0">
+                <a:latin typeface="Open Sans" panose="020B0606030504020204" pitchFamily="34" charset="0"/>
+                <a:ea typeface="Open Sans" panose="020B0606030504020204" pitchFamily="34" charset="0"/>
+                <a:cs typeface="Open Sans" panose="020B0606030504020204" pitchFamily="34" charset="0"/>
+              </a:rPr>
+              <a:t> at the time of allocation. </a:t>
             </a:r>
           </a:p>
         </p:txBody>
@@ -3740,293 +3573,7 @@
 </p:sld>
 </file>
 
-<file path=ppt/slides/slide14.xml><?xml version="1.0" encoding="utf-8"?>
-<p:sld xmlns:a="http://schemas.openxmlformats.org/drawingml/2006/main" xmlns:r="http://schemas.openxmlformats.org/officeDocument/2006/relationships" xmlns:p="http://schemas.openxmlformats.org/presentationml/2006/main">
-  <p:cSld>
-    <p:spTree>
-      <p:nvGrpSpPr>
-        <p:cNvPr id="1" name=""/>
-        <p:cNvGrpSpPr/>
-        <p:nvPr/>
-      </p:nvGrpSpPr>
-      <p:grpSpPr>
-        <a:xfrm>
-          <a:off x="0" y="0"/>
-          <a:ext cx="0" cy="0"/>
-          <a:chOff x="0" y="0"/>
-          <a:chExt cx="0" cy="0"/>
-        </a:xfrm>
-      </p:grpSpPr>
-      <p:pic>
-        <p:nvPicPr>
-          <p:cNvPr id="3" name="Picture 2">
-            <a:extLst>
-              <a:ext uri="{FF2B5EF4-FFF2-40B4-BE49-F238E27FC236}">
-                <a16:creationId xmlns:a16="http://schemas.microsoft.com/office/drawing/2014/main" id="{4FCCA15A-1628-461E-AE8F-253E84D6513C}"/>
-              </a:ext>
-            </a:extLst>
-          </p:cNvPr>
-          <p:cNvPicPr>
-            <a:picLocks noChangeAspect="1"/>
-          </p:cNvPicPr>
-          <p:nvPr/>
-        </p:nvPicPr>
-        <p:blipFill>
-          <a:blip r:embed="rId2">
-            <a:extLst>
-              <a:ext uri="{28A0092B-C50C-407E-A947-70E740481C1C}">
-                <a14:useLocalDpi xmlns:a14="http://schemas.microsoft.com/office/drawing/2010/main" val="0"/>
-              </a:ext>
-            </a:extLst>
-          </a:blip>
-          <a:stretch>
-            <a:fillRect/>
-          </a:stretch>
-        </p:blipFill>
-        <p:spPr>
-          <a:xfrm>
-            <a:off x="196298" y="3446770"/>
-            <a:ext cx="23288923" cy="6822460"/>
-          </a:xfrm>
-          <a:prstGeom prst="rect">
-            <a:avLst/>
-          </a:prstGeom>
-        </p:spPr>
-      </p:pic>
-      <p:sp>
-        <p:nvSpPr>
-          <p:cNvPr id="6" name="TextBox 5">
-            <a:extLst>
-              <a:ext uri="{FF2B5EF4-FFF2-40B4-BE49-F238E27FC236}">
-                <a16:creationId xmlns:a16="http://schemas.microsoft.com/office/drawing/2014/main" id="{61A7B6F8-BA83-4266-A3D3-7590DFE1C8E6}"/>
-              </a:ext>
-            </a:extLst>
-          </p:cNvPr>
-          <p:cNvSpPr txBox="1"/>
-          <p:nvPr/>
-        </p:nvSpPr>
-        <p:spPr>
-          <a:xfrm>
-            <a:off x="1515036" y="11217105"/>
-            <a:ext cx="21970186" cy="769441"/>
-          </a:xfrm>
-          <a:prstGeom prst="rect">
-            <a:avLst/>
-          </a:prstGeom>
-          <a:noFill/>
-        </p:spPr>
-        <p:txBody>
-          <a:bodyPr wrap="square" rtlCol="0">
-            <a:spAutoFit/>
-          </a:bodyPr>
-          <a:lstStyle/>
-          <a:p>
-            <a:r>
-              <a:rPr lang="en-US" sz="2400" dirty="0">
-                <a:latin typeface="Open Sans" panose="020B0606030504020204" pitchFamily="34" charset="0"/>
-                <a:ea typeface="Open Sans" panose="020B0606030504020204" pitchFamily="34" charset="0"/>
-                <a:cs typeface="Open Sans" panose="020B0606030504020204" pitchFamily="34" charset="0"/>
-              </a:rPr>
-              <a:t>Commentary:  </a:t>
-            </a:r>
-            <a:r>
-              <a:rPr lang="en-US" sz="2000" b="0" i="0" dirty="0">
-                <a:solidFill>
-                  <a:srgbClr val="000000"/>
-                </a:solidFill>
-                <a:effectLst/>
-                <a:latin typeface="Consolas" panose="020B0609020204030204" pitchFamily="49" charset="0"/>
-              </a:rPr>
-              <a:t>In this figure, the states are NOT normalized by population, therefore, it reflects a higher number of allocation for states including CA, FL, TX) that have a high population value.</a:t>
-            </a:r>
-            <a:r>
-              <a:rPr lang="en-US" sz="2000" dirty="0">
-                <a:latin typeface="Open Sans" panose="020B0606030504020204" pitchFamily="34" charset="0"/>
-                <a:ea typeface="Open Sans" panose="020B0606030504020204" pitchFamily="34" charset="0"/>
-                <a:cs typeface="Open Sans" panose="020B0606030504020204" pitchFamily="34" charset="0"/>
-              </a:rPr>
-              <a:t>  </a:t>
-            </a:r>
-          </a:p>
-        </p:txBody>
-      </p:sp>
-    </p:spTree>
-    <p:extLst>
-      <p:ext uri="{BB962C8B-B14F-4D97-AF65-F5344CB8AC3E}">
-        <p14:creationId xmlns:p14="http://schemas.microsoft.com/office/powerpoint/2010/main" val="3427666166"/>
-      </p:ext>
-    </p:extLst>
-  </p:cSld>
-  <p:clrMapOvr>
-    <a:masterClrMapping/>
-  </p:clrMapOvr>
-</p:sld>
-</file>
-
-<file path=ppt/slides/slide15.xml><?xml version="1.0" encoding="utf-8"?>
-<p:sld xmlns:a="http://schemas.openxmlformats.org/drawingml/2006/main" xmlns:r="http://schemas.openxmlformats.org/officeDocument/2006/relationships" xmlns:p="http://schemas.openxmlformats.org/presentationml/2006/main">
-  <p:cSld>
-    <p:spTree>
-      <p:nvGrpSpPr>
-        <p:cNvPr id="1" name=""/>
-        <p:cNvGrpSpPr/>
-        <p:nvPr/>
-      </p:nvGrpSpPr>
-      <p:grpSpPr>
-        <a:xfrm>
-          <a:off x="0" y="0"/>
-          <a:ext cx="0" cy="0"/>
-          <a:chOff x="0" y="0"/>
-          <a:chExt cx="0" cy="0"/>
-        </a:xfrm>
-      </p:grpSpPr>
-      <p:sp>
-        <p:nvSpPr>
-          <p:cNvPr id="6" name="TextBox 5">
-            <a:extLst>
-              <a:ext uri="{FF2B5EF4-FFF2-40B4-BE49-F238E27FC236}">
-                <a16:creationId xmlns:a16="http://schemas.microsoft.com/office/drawing/2014/main" id="{61A7B6F8-BA83-4266-A3D3-7590DFE1C8E6}"/>
-              </a:ext>
-            </a:extLst>
-          </p:cNvPr>
-          <p:cNvSpPr txBox="1"/>
-          <p:nvPr/>
-        </p:nvSpPr>
-        <p:spPr>
-          <a:xfrm>
-            <a:off x="1515035" y="11217105"/>
-            <a:ext cx="22068865" cy="1384995"/>
-          </a:xfrm>
-          <a:prstGeom prst="rect">
-            <a:avLst/>
-          </a:prstGeom>
-          <a:noFill/>
-        </p:spPr>
-        <p:txBody>
-          <a:bodyPr wrap="square" rtlCol="0">
-            <a:spAutoFit/>
-          </a:bodyPr>
-          <a:lstStyle/>
-          <a:p>
-            <a:r>
-              <a:rPr lang="en-US" sz="2400" dirty="0">
-                <a:latin typeface="Open Sans" panose="020B0606030504020204" pitchFamily="34" charset="0"/>
-                <a:ea typeface="Open Sans" panose="020B0606030504020204" pitchFamily="34" charset="0"/>
-                <a:cs typeface="Open Sans" panose="020B0606030504020204" pitchFamily="34" charset="0"/>
-              </a:rPr>
-              <a:t>Commentary: </a:t>
-            </a:r>
-            <a:r>
-              <a:rPr lang="en-US" sz="2000" b="0" i="0" dirty="0">
-                <a:solidFill>
-                  <a:srgbClr val="000000"/>
-                </a:solidFill>
-                <a:effectLst/>
-                <a:latin typeface="Consolas" panose="020B0609020204030204" pitchFamily="49" charset="0"/>
-              </a:rPr>
-              <a:t>Whereas in this figure, once the population value is normalized, it portrays a more even allocation for all states with the exception of Utah and Alaska by percentage. We believe the reasoning is based on X. If the goal is to achieve vaccination for the entire population, the % value in the chart would equate to x%. The values are similar/same for Pfizer since the doses are automatically scheduled for you. </a:t>
-            </a:r>
-            <a:r>
-              <a:rPr lang="en-US" sz="2000" b="0" i="0" dirty="0" err="1">
-                <a:solidFill>
-                  <a:srgbClr val="000000"/>
-                </a:solidFill>
-                <a:effectLst/>
-                <a:latin typeface="Consolas" panose="020B0609020204030204" pitchFamily="49" charset="0"/>
-              </a:rPr>
-              <a:t>Maderna</a:t>
-            </a:r>
-            <a:r>
-              <a:rPr lang="en-US" sz="2000" b="0" i="0" dirty="0">
-                <a:solidFill>
-                  <a:srgbClr val="000000"/>
-                </a:solidFill>
-                <a:effectLst/>
-                <a:latin typeface="Consolas" panose="020B0609020204030204" pitchFamily="49" charset="0"/>
-              </a:rPr>
-              <a:t> has fewer shots (doses 1 &amp; 2) than Pfizer (doses 1 &amp; 2). Q:(1/3 should receive Pfizer, 1/3 </a:t>
-            </a:r>
-            <a:r>
-              <a:rPr lang="en-US" sz="2000" b="0" i="0" dirty="0" err="1">
-                <a:solidFill>
-                  <a:srgbClr val="000000"/>
-                </a:solidFill>
-                <a:effectLst/>
-                <a:latin typeface="Consolas" panose="020B0609020204030204" pitchFamily="49" charset="0"/>
-              </a:rPr>
-              <a:t>Moderna</a:t>
-            </a:r>
-            <a:r>
-              <a:rPr lang="en-US" sz="2000" b="0" i="0" dirty="0">
-                <a:solidFill>
-                  <a:srgbClr val="000000"/>
-                </a:solidFill>
-                <a:effectLst/>
-                <a:latin typeface="Consolas" panose="020B0609020204030204" pitchFamily="49" charset="0"/>
-              </a:rPr>
-              <a:t>, 1/3 J&amp;J)</a:t>
-            </a:r>
-            <a:r>
-              <a:rPr lang="en-US" sz="2000" dirty="0">
-                <a:latin typeface="Open Sans" panose="020B0606030504020204" pitchFamily="34" charset="0"/>
-                <a:ea typeface="Open Sans" panose="020B0606030504020204" pitchFamily="34" charset="0"/>
-                <a:cs typeface="Open Sans" panose="020B0606030504020204" pitchFamily="34" charset="0"/>
-              </a:rPr>
-              <a:t>  </a:t>
-            </a:r>
-          </a:p>
-        </p:txBody>
-      </p:sp>
-      <p:pic>
-        <p:nvPicPr>
-          <p:cNvPr id="4" name="Picture 3">
-            <a:extLst>
-              <a:ext uri="{FF2B5EF4-FFF2-40B4-BE49-F238E27FC236}">
-                <a16:creationId xmlns:a16="http://schemas.microsoft.com/office/drawing/2014/main" id="{0071525E-41BE-4341-BDAF-01AE139FE97C}"/>
-              </a:ext>
-            </a:extLst>
-          </p:cNvPr>
-          <p:cNvPicPr>
-            <a:picLocks noChangeAspect="1"/>
-          </p:cNvPicPr>
-          <p:nvPr/>
-        </p:nvPicPr>
-        <p:blipFill>
-          <a:blip r:embed="rId2">
-            <a:extLst>
-              <a:ext uri="{28A0092B-C50C-407E-A947-70E740481C1C}">
-                <a14:useLocalDpi xmlns:a14="http://schemas.microsoft.com/office/drawing/2010/main" val="0"/>
-              </a:ext>
-            </a:extLst>
-          </a:blip>
-          <a:stretch>
-            <a:fillRect/>
-          </a:stretch>
-        </p:blipFill>
-        <p:spPr>
-          <a:xfrm>
-            <a:off x="209717" y="3357711"/>
-            <a:ext cx="23958215" cy="7000578"/>
-          </a:xfrm>
-          <a:prstGeom prst="rect">
-            <a:avLst/>
-          </a:prstGeom>
-        </p:spPr>
-      </p:pic>
-    </p:spTree>
-    <p:extLst>
-      <p:ext uri="{BB962C8B-B14F-4D97-AF65-F5344CB8AC3E}">
-        <p14:creationId xmlns:p14="http://schemas.microsoft.com/office/powerpoint/2010/main" val="3596669641"/>
-      </p:ext>
-    </p:extLst>
-  </p:cSld>
-  <p:clrMapOvr>
-    <a:masterClrMapping/>
-  </p:clrMapOvr>
-</p:sld>
-</file>
-
-<file path=ppt/slides/slide16.xml><?xml version="1.0" encoding="utf-8"?>
+<file path=ppt/slides/slide12.xml><?xml version="1.0" encoding="utf-8"?>
 <p:sld xmlns:a="http://schemas.openxmlformats.org/drawingml/2006/main" xmlns:r="http://schemas.openxmlformats.org/officeDocument/2006/relationships" xmlns:p="http://schemas.openxmlformats.org/presentationml/2006/main">
   <p:cSld>
     <p:spTree>
@@ -4199,7 +3746,127 @@
 </p:sld>
 </file>
 
-<file path=ppt/slides/slide17.xml><?xml version="1.0" encoding="utf-8"?>
+<file path=ppt/slides/slide13.xml><?xml version="1.0" encoding="utf-8"?>
+<p:sld xmlns:a="http://schemas.openxmlformats.org/drawingml/2006/main" xmlns:r="http://schemas.openxmlformats.org/officeDocument/2006/relationships" xmlns:p="http://schemas.openxmlformats.org/presentationml/2006/main">
+  <p:cSld>
+    <p:spTree>
+      <p:nvGrpSpPr>
+        <p:cNvPr id="1" name=""/>
+        <p:cNvGrpSpPr/>
+        <p:nvPr/>
+      </p:nvGrpSpPr>
+      <p:grpSpPr>
+        <a:xfrm>
+          <a:off x="0" y="0"/>
+          <a:ext cx="0" cy="0"/>
+          <a:chOff x="0" y="0"/>
+          <a:chExt cx="0" cy="0"/>
+        </a:xfrm>
+      </p:grpSpPr>
+      <p:sp>
+        <p:nvSpPr>
+          <p:cNvPr id="6" name="TextBox 5">
+            <a:extLst>
+              <a:ext uri="{FF2B5EF4-FFF2-40B4-BE49-F238E27FC236}">
+                <a16:creationId xmlns:a16="http://schemas.microsoft.com/office/drawing/2014/main" id="{61A7B6F8-BA83-4266-A3D3-7590DFE1C8E6}"/>
+              </a:ext>
+            </a:extLst>
+          </p:cNvPr>
+          <p:cNvSpPr txBox="1"/>
+          <p:nvPr/>
+        </p:nvSpPr>
+        <p:spPr>
+          <a:xfrm>
+            <a:off x="1515035" y="11217105"/>
+            <a:ext cx="22068865" cy="1384995"/>
+          </a:xfrm>
+          <a:prstGeom prst="rect">
+            <a:avLst/>
+          </a:prstGeom>
+          <a:noFill/>
+        </p:spPr>
+        <p:txBody>
+          <a:bodyPr wrap="square" rtlCol="0">
+            <a:spAutoFit/>
+          </a:bodyPr>
+          <a:lstStyle/>
+          <a:p>
+            <a:r>
+              <a:rPr lang="en-US" sz="2400" dirty="0">
+                <a:latin typeface="Open Sans" panose="020B0606030504020204" pitchFamily="34" charset="0"/>
+                <a:ea typeface="Open Sans" panose="020B0606030504020204" pitchFamily="34" charset="0"/>
+                <a:cs typeface="Open Sans" panose="020B0606030504020204" pitchFamily="34" charset="0"/>
+              </a:rPr>
+              <a:t>Commentary: </a:t>
+            </a:r>
+            <a:r>
+              <a:rPr lang="en-US" sz="2000" b="0" i="0" dirty="0">
+                <a:solidFill>
+                  <a:srgbClr val="000000"/>
+                </a:solidFill>
+                <a:effectLst/>
+                <a:latin typeface="Consolas" panose="020B0609020204030204" pitchFamily="49" charset="0"/>
+              </a:rPr>
+              <a:t>In this figure, once the population value is normalized, it portrays a more even allocation for all states with the exception of Alaska by percentage. We believe the reasoning is based on the density of population and they report monthly on distribution versus weekly like the other states.  We used population to compare vaccine allocation of states with various sizes. The values are similar/same for Pfizer since the doses are automatically scheduled for you. </a:t>
+            </a:r>
+            <a:endParaRPr lang="en-US" sz="2000" dirty="0">
+              <a:latin typeface="Open Sans" panose="020B0606030504020204" pitchFamily="34" charset="0"/>
+              <a:ea typeface="Open Sans" panose="020B0606030504020204" pitchFamily="34" charset="0"/>
+              <a:cs typeface="Open Sans" panose="020B0606030504020204" pitchFamily="34" charset="0"/>
+            </a:endParaRPr>
+          </a:p>
+        </p:txBody>
+      </p:sp>
+      <p:pic>
+        <p:nvPicPr>
+          <p:cNvPr id="4" name="Picture 3">
+            <a:extLst>
+              <a:ext uri="{FF2B5EF4-FFF2-40B4-BE49-F238E27FC236}">
+                <a16:creationId xmlns:a16="http://schemas.microsoft.com/office/drawing/2014/main" id="{0071525E-41BE-4341-BDAF-01AE139FE97C}"/>
+              </a:ext>
+            </a:extLst>
+          </p:cNvPr>
+          <p:cNvPicPr>
+            <a:picLocks noChangeAspect="1"/>
+          </p:cNvPicPr>
+          <p:nvPr/>
+        </p:nvPicPr>
+        <p:blipFill>
+          <a:blip r:embed="rId2">
+            <a:extLst>
+              <a:ext uri="{28A0092B-C50C-407E-A947-70E740481C1C}">
+                <a14:useLocalDpi xmlns:a14="http://schemas.microsoft.com/office/drawing/2010/main" val="0"/>
+              </a:ext>
+            </a:extLst>
+          </a:blip>
+          <a:stretch>
+            <a:fillRect/>
+          </a:stretch>
+        </p:blipFill>
+        <p:spPr>
+          <a:xfrm>
+            <a:off x="209717" y="3357711"/>
+            <a:ext cx="23958215" cy="7000578"/>
+          </a:xfrm>
+          <a:prstGeom prst="rect">
+            <a:avLst/>
+          </a:prstGeom>
+        </p:spPr>
+      </p:pic>
+    </p:spTree>
+    <p:extLst>
+      <p:ext uri="{BB962C8B-B14F-4D97-AF65-F5344CB8AC3E}">
+        <p14:creationId xmlns:p14="http://schemas.microsoft.com/office/powerpoint/2010/main" val="3596669641"/>
+      </p:ext>
+    </p:extLst>
+  </p:cSld>
+  <p:clrMapOvr>
+    <a:masterClrMapping/>
+  </p:clrMapOvr>
+</p:sld>
+</file>
+
+<file path=ppt/slides/slide14.xml><?xml version="1.0" encoding="utf-8"?>
 <p:sld xmlns:a="http://schemas.openxmlformats.org/drawingml/2006/main" xmlns:r="http://schemas.openxmlformats.org/officeDocument/2006/relationships" xmlns:p="http://schemas.openxmlformats.org/presentationml/2006/main">
   <p:cSld>
     <p:spTree>
@@ -4304,7 +3971,7 @@
 </p:sld>
 </file>
 
-<file path=ppt/slides/slide18.xml><?xml version="1.0" encoding="utf-8"?>
+<file path=ppt/slides/slide15.xml><?xml version="1.0" encoding="utf-8"?>
 <p:sld xmlns:a="http://schemas.openxmlformats.org/drawingml/2006/main" xmlns:r="http://schemas.openxmlformats.org/officeDocument/2006/relationships" xmlns:p="http://schemas.openxmlformats.org/presentationml/2006/main">
   <p:cSld>
     <p:spTree>
@@ -4409,7 +4076,7 @@
 </p:sld>
 </file>
 
-<file path=ppt/slides/slide19.xml><?xml version="1.0" encoding="utf-8"?>
+<file path=ppt/slides/slide16.xml><?xml version="1.0" encoding="utf-8"?>
 <p:sld xmlns:a="http://schemas.openxmlformats.org/drawingml/2006/main" xmlns:r="http://schemas.openxmlformats.org/officeDocument/2006/relationships" xmlns:p="http://schemas.openxmlformats.org/presentationml/2006/main">
   <p:cSld>
     <p:spTree>
@@ -4505,6 +4172,321 @@
     <p:extLst>
       <p:ext uri="{BB962C8B-B14F-4D97-AF65-F5344CB8AC3E}">
         <p14:creationId xmlns:p14="http://schemas.microsoft.com/office/powerpoint/2010/main" val="554629027"/>
+      </p:ext>
+    </p:extLst>
+  </p:cSld>
+  <p:clrMapOvr>
+    <a:masterClrMapping/>
+  </p:clrMapOvr>
+</p:sld>
+</file>
+
+<file path=ppt/slides/slide17.xml><?xml version="1.0" encoding="utf-8"?>
+<p:sld xmlns:a="http://schemas.openxmlformats.org/drawingml/2006/main" xmlns:r="http://schemas.openxmlformats.org/officeDocument/2006/relationships" xmlns:p="http://schemas.openxmlformats.org/presentationml/2006/main">
+  <p:cSld>
+    <p:spTree>
+      <p:nvGrpSpPr>
+        <p:cNvPr id="1" name=""/>
+        <p:cNvGrpSpPr/>
+        <p:nvPr/>
+      </p:nvGrpSpPr>
+      <p:grpSpPr>
+        <a:xfrm>
+          <a:off x="0" y="0"/>
+          <a:ext cx="0" cy="0"/>
+          <a:chOff x="0" y="0"/>
+          <a:chExt cx="0" cy="0"/>
+        </a:xfrm>
+      </p:grpSpPr>
+      <p:sp>
+        <p:nvSpPr>
+          <p:cNvPr id="7" name="TextBox 6">
+            <a:extLst>
+              <a:ext uri="{FF2B5EF4-FFF2-40B4-BE49-F238E27FC236}">
+                <a16:creationId xmlns:a16="http://schemas.microsoft.com/office/drawing/2014/main" id="{52040759-D789-46E3-B613-7E50821A1881}"/>
+              </a:ext>
+            </a:extLst>
+          </p:cNvPr>
+          <p:cNvSpPr txBox="1"/>
+          <p:nvPr/>
+        </p:nvSpPr>
+        <p:spPr>
+          <a:xfrm>
+            <a:off x="1515035" y="11217105"/>
+            <a:ext cx="2303836" cy="461665"/>
+          </a:xfrm>
+          <a:prstGeom prst="rect">
+            <a:avLst/>
+          </a:prstGeom>
+          <a:noFill/>
+        </p:spPr>
+        <p:txBody>
+          <a:bodyPr wrap="none" rtlCol="0">
+            <a:spAutoFit/>
+          </a:bodyPr>
+          <a:lstStyle/>
+          <a:p>
+            <a:r>
+              <a:rPr lang="en-US" sz="2400" dirty="0">
+                <a:latin typeface="Open Sans" panose="020B0606030504020204" pitchFamily="34" charset="0"/>
+                <a:ea typeface="Open Sans" panose="020B0606030504020204" pitchFamily="34" charset="0"/>
+                <a:cs typeface="Open Sans" panose="020B0606030504020204" pitchFamily="34" charset="0"/>
+              </a:rPr>
+              <a:t>Commentary:  </a:t>
+            </a:r>
+          </a:p>
+        </p:txBody>
+      </p:sp>
+      <p:pic>
+        <p:nvPicPr>
+          <p:cNvPr id="3" name="Picture 2">
+            <a:extLst>
+              <a:ext uri="{FF2B5EF4-FFF2-40B4-BE49-F238E27FC236}">
+                <a16:creationId xmlns:a16="http://schemas.microsoft.com/office/drawing/2014/main" id="{4DB415E9-1636-4559-8CC4-CF12CABE284A}"/>
+              </a:ext>
+            </a:extLst>
+          </p:cNvPr>
+          <p:cNvPicPr>
+            <a:picLocks noChangeAspect="1"/>
+          </p:cNvPicPr>
+          <p:nvPr/>
+        </p:nvPicPr>
+        <p:blipFill>
+          <a:blip r:embed="rId2">
+            <a:extLst>
+              <a:ext uri="{28A0092B-C50C-407E-A947-70E740481C1C}">
+                <a14:useLocalDpi xmlns:a14="http://schemas.microsoft.com/office/drawing/2010/main" val="0"/>
+              </a:ext>
+            </a:extLst>
+          </a:blip>
+          <a:stretch>
+            <a:fillRect/>
+          </a:stretch>
+        </p:blipFill>
+        <p:spPr>
+          <a:xfrm>
+            <a:off x="1943053" y="6524"/>
+            <a:ext cx="18684303" cy="11210581"/>
+          </a:xfrm>
+          <a:prstGeom prst="rect">
+            <a:avLst/>
+          </a:prstGeom>
+        </p:spPr>
+      </p:pic>
+    </p:spTree>
+    <p:extLst>
+      <p:ext uri="{BB962C8B-B14F-4D97-AF65-F5344CB8AC3E}">
+        <p14:creationId xmlns:p14="http://schemas.microsoft.com/office/powerpoint/2010/main" val="2449586150"/>
+      </p:ext>
+    </p:extLst>
+  </p:cSld>
+  <p:clrMapOvr>
+    <a:masterClrMapping/>
+  </p:clrMapOvr>
+</p:sld>
+</file>
+
+<file path=ppt/slides/slide18.xml><?xml version="1.0" encoding="utf-8"?>
+<p:sld xmlns:a="http://schemas.openxmlformats.org/drawingml/2006/main" xmlns:r="http://schemas.openxmlformats.org/officeDocument/2006/relationships" xmlns:p="http://schemas.openxmlformats.org/presentationml/2006/main">
+  <p:cSld>
+    <p:spTree>
+      <p:nvGrpSpPr>
+        <p:cNvPr id="1" name=""/>
+        <p:cNvGrpSpPr/>
+        <p:nvPr/>
+      </p:nvGrpSpPr>
+      <p:grpSpPr>
+        <a:xfrm>
+          <a:off x="0" y="0"/>
+          <a:ext cx="0" cy="0"/>
+          <a:chOff x="0" y="0"/>
+          <a:chExt cx="0" cy="0"/>
+        </a:xfrm>
+      </p:grpSpPr>
+      <p:sp>
+        <p:nvSpPr>
+          <p:cNvPr id="7" name="TextBox 6">
+            <a:extLst>
+              <a:ext uri="{FF2B5EF4-FFF2-40B4-BE49-F238E27FC236}">
+                <a16:creationId xmlns:a16="http://schemas.microsoft.com/office/drawing/2014/main" id="{52040759-D789-46E3-B613-7E50821A1881}"/>
+              </a:ext>
+            </a:extLst>
+          </p:cNvPr>
+          <p:cNvSpPr txBox="1"/>
+          <p:nvPr/>
+        </p:nvSpPr>
+        <p:spPr>
+          <a:xfrm>
+            <a:off x="1515035" y="11217105"/>
+            <a:ext cx="2303836" cy="461665"/>
+          </a:xfrm>
+          <a:prstGeom prst="rect">
+            <a:avLst/>
+          </a:prstGeom>
+          <a:noFill/>
+        </p:spPr>
+        <p:txBody>
+          <a:bodyPr wrap="none" rtlCol="0">
+            <a:spAutoFit/>
+          </a:bodyPr>
+          <a:lstStyle/>
+          <a:p>
+            <a:r>
+              <a:rPr lang="en-US" sz="2400" dirty="0">
+                <a:latin typeface="Open Sans" panose="020B0606030504020204" pitchFamily="34" charset="0"/>
+                <a:ea typeface="Open Sans" panose="020B0606030504020204" pitchFamily="34" charset="0"/>
+                <a:cs typeface="Open Sans" panose="020B0606030504020204" pitchFamily="34" charset="0"/>
+              </a:rPr>
+              <a:t>Commentary:  </a:t>
+            </a:r>
+          </a:p>
+        </p:txBody>
+      </p:sp>
+      <p:pic>
+        <p:nvPicPr>
+          <p:cNvPr id="3" name="Picture 2">
+            <a:extLst>
+              <a:ext uri="{FF2B5EF4-FFF2-40B4-BE49-F238E27FC236}">
+                <a16:creationId xmlns:a16="http://schemas.microsoft.com/office/drawing/2014/main" id="{A70A89C9-3410-4EF2-9605-9FB2D7E00DC6}"/>
+              </a:ext>
+            </a:extLst>
+          </p:cNvPr>
+          <p:cNvPicPr>
+            <a:picLocks noChangeAspect="1"/>
+          </p:cNvPicPr>
+          <p:nvPr/>
+        </p:nvPicPr>
+        <p:blipFill>
+          <a:blip r:embed="rId2">
+            <a:extLst>
+              <a:ext uri="{28A0092B-C50C-407E-A947-70E740481C1C}">
+                <a14:useLocalDpi xmlns:a14="http://schemas.microsoft.com/office/drawing/2010/main" val="0"/>
+              </a:ext>
+            </a:extLst>
+          </a:blip>
+          <a:stretch>
+            <a:fillRect/>
+          </a:stretch>
+        </p:blipFill>
+        <p:spPr>
+          <a:xfrm>
+            <a:off x="2111659" y="130347"/>
+            <a:ext cx="18477931" cy="11086758"/>
+          </a:xfrm>
+          <a:prstGeom prst="rect">
+            <a:avLst/>
+          </a:prstGeom>
+        </p:spPr>
+      </p:pic>
+    </p:spTree>
+    <p:extLst>
+      <p:ext uri="{BB962C8B-B14F-4D97-AF65-F5344CB8AC3E}">
+        <p14:creationId xmlns:p14="http://schemas.microsoft.com/office/powerpoint/2010/main" val="4162362849"/>
+      </p:ext>
+    </p:extLst>
+  </p:cSld>
+  <p:clrMapOvr>
+    <a:masterClrMapping/>
+  </p:clrMapOvr>
+</p:sld>
+</file>
+
+<file path=ppt/slides/slide19.xml><?xml version="1.0" encoding="utf-8"?>
+<p:sld xmlns:a="http://schemas.openxmlformats.org/drawingml/2006/main" xmlns:r="http://schemas.openxmlformats.org/officeDocument/2006/relationships" xmlns:p="http://schemas.openxmlformats.org/presentationml/2006/main">
+  <p:cSld>
+    <p:spTree>
+      <p:nvGrpSpPr>
+        <p:cNvPr id="1" name=""/>
+        <p:cNvGrpSpPr/>
+        <p:nvPr/>
+      </p:nvGrpSpPr>
+      <p:grpSpPr>
+        <a:xfrm>
+          <a:off x="0" y="0"/>
+          <a:ext cx="0" cy="0"/>
+          <a:chOff x="0" y="0"/>
+          <a:chExt cx="0" cy="0"/>
+        </a:xfrm>
+      </p:grpSpPr>
+      <p:sp>
+        <p:nvSpPr>
+          <p:cNvPr id="7" name="TextBox 6">
+            <a:extLst>
+              <a:ext uri="{FF2B5EF4-FFF2-40B4-BE49-F238E27FC236}">
+                <a16:creationId xmlns:a16="http://schemas.microsoft.com/office/drawing/2014/main" id="{52040759-D789-46E3-B613-7E50821A1881}"/>
+              </a:ext>
+            </a:extLst>
+          </p:cNvPr>
+          <p:cNvSpPr txBox="1"/>
+          <p:nvPr/>
+        </p:nvSpPr>
+        <p:spPr>
+          <a:xfrm>
+            <a:off x="1515035" y="11217105"/>
+            <a:ext cx="2303836" cy="461665"/>
+          </a:xfrm>
+          <a:prstGeom prst="rect">
+            <a:avLst/>
+          </a:prstGeom>
+          <a:noFill/>
+        </p:spPr>
+        <p:txBody>
+          <a:bodyPr wrap="none" rtlCol="0">
+            <a:spAutoFit/>
+          </a:bodyPr>
+          <a:lstStyle/>
+          <a:p>
+            <a:r>
+              <a:rPr lang="en-US" sz="2400" dirty="0">
+                <a:latin typeface="Open Sans" panose="020B0606030504020204" pitchFamily="34" charset="0"/>
+                <a:ea typeface="Open Sans" panose="020B0606030504020204" pitchFamily="34" charset="0"/>
+                <a:cs typeface="Open Sans" panose="020B0606030504020204" pitchFamily="34" charset="0"/>
+              </a:rPr>
+              <a:t>Commentary:  </a:t>
+            </a:r>
+          </a:p>
+        </p:txBody>
+      </p:sp>
+      <p:pic>
+        <p:nvPicPr>
+          <p:cNvPr id="3" name="Picture 2">
+            <a:extLst>
+              <a:ext uri="{FF2B5EF4-FFF2-40B4-BE49-F238E27FC236}">
+                <a16:creationId xmlns:a16="http://schemas.microsoft.com/office/drawing/2014/main" id="{B2826A21-2C98-4BC4-9DFE-629F238C7019}"/>
+              </a:ext>
+            </a:extLst>
+          </p:cNvPr>
+          <p:cNvPicPr>
+            <a:picLocks noChangeAspect="1"/>
+          </p:cNvPicPr>
+          <p:nvPr/>
+        </p:nvPicPr>
+        <p:blipFill>
+          <a:blip r:embed="rId2">
+            <a:extLst>
+              <a:ext uri="{28A0092B-C50C-407E-A947-70E740481C1C}">
+                <a14:useLocalDpi xmlns:a14="http://schemas.microsoft.com/office/drawing/2010/main" val="0"/>
+              </a:ext>
+            </a:extLst>
+          </a:blip>
+          <a:stretch>
+            <a:fillRect/>
+          </a:stretch>
+        </p:blipFill>
+        <p:spPr>
+          <a:xfrm>
+            <a:off x="2028171" y="377998"/>
+            <a:ext cx="17620679" cy="10572407"/>
+          </a:xfrm>
+          <a:prstGeom prst="rect">
+            <a:avLst/>
+          </a:prstGeom>
+        </p:spPr>
+      </p:pic>
+    </p:spTree>
+    <p:extLst>
+      <p:ext uri="{BB962C8B-B14F-4D97-AF65-F5344CB8AC3E}">
+        <p14:creationId xmlns:p14="http://schemas.microsoft.com/office/powerpoint/2010/main" val="4128095273"/>
       </p:ext>
     </p:extLst>
   </p:cSld>
@@ -4915,7 +4897,9 @@
                   <a:srgbClr val="000000"/>
                 </a:solidFill>
                 <a:effectLst/>
-                <a:latin typeface="Open Sans"/>
+                <a:latin typeface="Open Sans Light" panose="020B0306030504020204" pitchFamily="34" charset="0"/>
+                <a:ea typeface="Open Sans Light" panose="020B0306030504020204" pitchFamily="34" charset="0"/>
+                <a:cs typeface="Open Sans Light" panose="020B0306030504020204" pitchFamily="34" charset="0"/>
               </a:rPr>
               <a:t>We expect to see a significant ramp-up</a:t>
             </a:r>
@@ -4928,7 +4912,9 @@
                   <a:srgbClr val="000000"/>
                 </a:solidFill>
                 <a:effectLst/>
-                <a:latin typeface="Open Sans"/>
+                <a:latin typeface="Open Sans Light" panose="020B0306030504020204" pitchFamily="34" charset="0"/>
+                <a:ea typeface="Open Sans Light" panose="020B0306030504020204" pitchFamily="34" charset="0"/>
+                <a:cs typeface="Open Sans Light" panose="020B0306030504020204" pitchFamily="34" charset="0"/>
               </a:rPr>
               <a:t>in vaccine allocation with time.  Aside from </a:t>
             </a:r>
@@ -4941,7 +4927,9 @@
                   <a:srgbClr val="000000"/>
                 </a:solidFill>
                 <a:effectLst/>
-                <a:latin typeface="Open Sans"/>
+                <a:latin typeface="Open Sans Light" panose="020B0306030504020204" pitchFamily="34" charset="0"/>
+                <a:ea typeface="Open Sans Light" panose="020B0306030504020204" pitchFamily="34" charset="0"/>
+                <a:cs typeface="Open Sans Light" panose="020B0306030504020204" pitchFamily="34" charset="0"/>
               </a:rPr>
               <a:t>known anomalies like the Texas storm in March.</a:t>
             </a:r>
@@ -5151,7 +5139,9 @@
                   <a:srgbClr val="000000"/>
                 </a:solidFill>
                 <a:effectLst/>
-                <a:latin typeface="Open Sans"/>
+                <a:latin typeface="Open Sans Light" panose="020B0306030504020204" pitchFamily="34" charset="0"/>
+                <a:ea typeface="Open Sans Light" panose="020B0306030504020204" pitchFamily="34" charset="0"/>
+                <a:cs typeface="Open Sans Light" panose="020B0306030504020204" pitchFamily="34" charset="0"/>
               </a:rPr>
               <a:t>We believe the distribution ratios between</a:t>
             </a:r>
@@ -5164,7 +5154,9 @@
                   <a:srgbClr val="000000"/>
                 </a:solidFill>
                 <a:effectLst/>
-                <a:latin typeface="Open Sans"/>
+                <a:latin typeface="Open Sans Light" panose="020B0306030504020204" pitchFamily="34" charset="0"/>
+                <a:ea typeface="Open Sans Light" panose="020B0306030504020204" pitchFamily="34" charset="0"/>
+                <a:cs typeface="Open Sans Light" panose="020B0306030504020204" pitchFamily="34" charset="0"/>
               </a:rPr>
               <a:t>the first and second dose will invert </a:t>
             </a:r>
@@ -5177,7 +5169,9 @@
                   <a:srgbClr val="000000"/>
                 </a:solidFill>
                 <a:effectLst/>
-                <a:latin typeface="Open Sans"/>
+                <a:latin typeface="Open Sans Light" panose="020B0306030504020204" pitchFamily="34" charset="0"/>
+                <a:ea typeface="Open Sans Light" panose="020B0306030504020204" pitchFamily="34" charset="0"/>
+                <a:cs typeface="Open Sans Light" panose="020B0306030504020204" pitchFamily="34" charset="0"/>
               </a:rPr>
               <a:t>over time with early dates showing a </a:t>
             </a:r>
@@ -5190,7 +5184,9 @@
                   <a:srgbClr val="000000"/>
                 </a:solidFill>
                 <a:effectLst/>
-                <a:latin typeface="Open Sans"/>
+                <a:latin typeface="Open Sans Light" panose="020B0306030504020204" pitchFamily="34" charset="0"/>
+                <a:ea typeface="Open Sans Light" panose="020B0306030504020204" pitchFamily="34" charset="0"/>
+                <a:cs typeface="Open Sans Light" panose="020B0306030504020204" pitchFamily="34" charset="0"/>
               </a:rPr>
               <a:t>higher level of 1st dose allocations and </a:t>
             </a:r>
@@ -5203,7 +5199,9 @@
                   <a:srgbClr val="000000"/>
                 </a:solidFill>
                 <a:effectLst/>
-                <a:latin typeface="Open Sans"/>
+                <a:latin typeface="Open Sans Light" panose="020B0306030504020204" pitchFamily="34" charset="0"/>
+                <a:ea typeface="Open Sans Light" panose="020B0306030504020204" pitchFamily="34" charset="0"/>
+                <a:cs typeface="Open Sans Light" panose="020B0306030504020204" pitchFamily="34" charset="0"/>
               </a:rPr>
               <a:t>later dates showing a higher level </a:t>
             </a:r>
@@ -5216,7 +5214,9 @@
                   <a:srgbClr val="000000"/>
                 </a:solidFill>
                 <a:effectLst/>
-                <a:latin typeface="Open Sans"/>
+                <a:latin typeface="Open Sans Light" panose="020B0306030504020204" pitchFamily="34" charset="0"/>
+                <a:ea typeface="Open Sans Light" panose="020B0306030504020204" pitchFamily="34" charset="0"/>
+                <a:cs typeface="Open Sans Light" panose="020B0306030504020204" pitchFamily="34" charset="0"/>
               </a:rPr>
               <a:t>of 2nd dose allocations.</a:t>
             </a:r>
@@ -5426,7 +5426,9 @@
                   <a:srgbClr val="000000"/>
                 </a:solidFill>
                 <a:effectLst/>
-                <a:latin typeface="Open Sans"/>
+                <a:latin typeface="Open Sans Light" panose="020B0306030504020204" pitchFamily="34" charset="0"/>
+                <a:ea typeface="Open Sans Light" panose="020B0306030504020204" pitchFamily="34" charset="0"/>
+                <a:cs typeface="Open Sans Light" panose="020B0306030504020204" pitchFamily="34" charset="0"/>
               </a:rPr>
               <a:t>We expect to see larger quantities of Pfizer</a:t>
             </a:r>
@@ -5439,7 +5441,9 @@
                   <a:srgbClr val="000000"/>
                 </a:solidFill>
                 <a:effectLst/>
-                <a:latin typeface="Open Sans"/>
+                <a:latin typeface="Open Sans Light" panose="020B0306030504020204" pitchFamily="34" charset="0"/>
+                <a:ea typeface="Open Sans Light" panose="020B0306030504020204" pitchFamily="34" charset="0"/>
+                <a:cs typeface="Open Sans Light" panose="020B0306030504020204" pitchFamily="34" charset="0"/>
               </a:rPr>
               <a:t>vaccines being allocated to states with the </a:t>
             </a:r>
@@ -5452,7 +5456,9 @@
                   <a:srgbClr val="000000"/>
                 </a:solidFill>
                 <a:effectLst/>
-                <a:latin typeface="Open Sans"/>
+                <a:latin typeface="Open Sans Light" panose="020B0306030504020204" pitchFamily="34" charset="0"/>
+                <a:ea typeface="Open Sans Light" panose="020B0306030504020204" pitchFamily="34" charset="0"/>
+                <a:cs typeface="Open Sans Light" panose="020B0306030504020204" pitchFamily="34" charset="0"/>
               </a:rPr>
               <a:t>greatest population density due to storage</a:t>
             </a:r>
@@ -5465,9 +5471,11 @@
                   <a:srgbClr val="000000"/>
                 </a:solidFill>
                 <a:effectLst/>
-                <a:latin typeface="Open Sans"/>
+                <a:latin typeface="Open Sans Light" panose="020B0306030504020204" pitchFamily="34" charset="0"/>
+                <a:ea typeface="Open Sans Light" panose="020B0306030504020204" pitchFamily="34" charset="0"/>
+                <a:cs typeface="Open Sans Light" panose="020B0306030504020204" pitchFamily="34" charset="0"/>
               </a:rPr>
-              <a:t> requirements and larger quantities of </a:t>
+              <a:t>requirements and larger quantities of </a:t>
             </a:r>
           </a:p>
           <a:p>
@@ -5478,7 +5486,9 @@
                   <a:srgbClr val="000000"/>
                 </a:solidFill>
                 <a:effectLst/>
-                <a:latin typeface="Open Sans"/>
+                <a:latin typeface="Open Sans Light" panose="020B0306030504020204" pitchFamily="34" charset="0"/>
+                <a:ea typeface="Open Sans Light" panose="020B0306030504020204" pitchFamily="34" charset="0"/>
+                <a:cs typeface="Open Sans Light" panose="020B0306030504020204" pitchFamily="34" charset="0"/>
               </a:rPr>
               <a:t>Johnson and Johnson vaccines being  </a:t>
             </a:r>
@@ -5490,7 +5500,9 @@
                 <a:solidFill>
                   <a:srgbClr val="000000"/>
                 </a:solidFill>
-                <a:latin typeface="Open Sans"/>
+                <a:latin typeface="Open Sans Light" panose="020B0306030504020204" pitchFamily="34" charset="0"/>
+                <a:ea typeface="Open Sans Light" panose="020B0306030504020204" pitchFamily="34" charset="0"/>
+                <a:cs typeface="Open Sans Light" panose="020B0306030504020204" pitchFamily="34" charset="0"/>
               </a:rPr>
               <a:t>a</a:t>
             </a:r>
@@ -5500,9 +5512,70 @@
                   <a:srgbClr val="000000"/>
                 </a:solidFill>
                 <a:effectLst/>
-                <a:latin typeface="Open Sans"/>
+                <a:latin typeface="Open Sans Light" panose="020B0306030504020204" pitchFamily="34" charset="0"/>
+                <a:ea typeface="Open Sans Light" panose="020B0306030504020204" pitchFamily="34" charset="0"/>
+                <a:cs typeface="Open Sans Light" panose="020B0306030504020204" pitchFamily="34" charset="0"/>
               </a:rPr>
               <a:t>llocated to states with lower population densities.</a:t>
+            </a:r>
+          </a:p>
+        </p:txBody>
+      </p:sp>
+      <p:sp>
+        <p:nvSpPr>
+          <p:cNvPr id="2" name="TextBox 1">
+            <a:extLst>
+              <a:ext uri="{FF2B5EF4-FFF2-40B4-BE49-F238E27FC236}">
+                <a16:creationId xmlns:a16="http://schemas.microsoft.com/office/drawing/2014/main" id="{217A0788-3123-4C01-8352-B8977B99DBBA}"/>
+              </a:ext>
+            </a:extLst>
+          </p:cNvPr>
+          <p:cNvSpPr txBox="1"/>
+          <p:nvPr/>
+        </p:nvSpPr>
+        <p:spPr>
+          <a:xfrm>
+            <a:off x="18839124" y="11277600"/>
+            <a:ext cx="5087676" cy="1200329"/>
+          </a:xfrm>
+          <a:prstGeom prst="rect">
+            <a:avLst/>
+          </a:prstGeom>
+          <a:noFill/>
+        </p:spPr>
+        <p:txBody>
+          <a:bodyPr wrap="square" rtlCol="0">
+            <a:spAutoFit/>
+          </a:bodyPr>
+          <a:lstStyle/>
+          <a:p>
+            <a:r>
+              <a:rPr lang="en-US" sz="2400" dirty="0">
+                <a:latin typeface="Open Sans Light" panose="020B0306030504020204" pitchFamily="34" charset="0"/>
+                <a:ea typeface="Open Sans Light" panose="020B0306030504020204" pitchFamily="34" charset="0"/>
+                <a:cs typeface="Open Sans Light" panose="020B0306030504020204" pitchFamily="34" charset="0"/>
+              </a:rPr>
+              <a:t>We believe that states should be</a:t>
+            </a:r>
+          </a:p>
+          <a:p>
+            <a:r>
+              <a:rPr lang="en-US" sz="2400" dirty="0">
+                <a:latin typeface="Open Sans Light" panose="020B0306030504020204" pitchFamily="34" charset="0"/>
+                <a:ea typeface="Open Sans Light" panose="020B0306030504020204" pitchFamily="34" charset="0"/>
+                <a:cs typeface="Open Sans Light" panose="020B0306030504020204" pitchFamily="34" charset="0"/>
+              </a:rPr>
+              <a:t>administering vaccines quickly</a:t>
+            </a:r>
+          </a:p>
+          <a:p>
+            <a:r>
+              <a:rPr lang="en-US" sz="2400" dirty="0">
+                <a:latin typeface="Open Sans Light" panose="020B0306030504020204" pitchFamily="34" charset="0"/>
+                <a:ea typeface="Open Sans Light" panose="020B0306030504020204" pitchFamily="34" charset="0"/>
+                <a:cs typeface="Open Sans Light" panose="020B0306030504020204" pitchFamily="34" charset="0"/>
+              </a:rPr>
+              <a:t>based on the allotments.</a:t>
             </a:r>
           </a:p>
         </p:txBody>
@@ -5521,321 +5594,6 @@
 </file>
 
 <file path=ppt/slides/slide20.xml><?xml version="1.0" encoding="utf-8"?>
-<p:sld xmlns:a="http://schemas.openxmlformats.org/drawingml/2006/main" xmlns:r="http://schemas.openxmlformats.org/officeDocument/2006/relationships" xmlns:p="http://schemas.openxmlformats.org/presentationml/2006/main">
-  <p:cSld>
-    <p:spTree>
-      <p:nvGrpSpPr>
-        <p:cNvPr id="1" name=""/>
-        <p:cNvGrpSpPr/>
-        <p:nvPr/>
-      </p:nvGrpSpPr>
-      <p:grpSpPr>
-        <a:xfrm>
-          <a:off x="0" y="0"/>
-          <a:ext cx="0" cy="0"/>
-          <a:chOff x="0" y="0"/>
-          <a:chExt cx="0" cy="0"/>
-        </a:xfrm>
-      </p:grpSpPr>
-      <p:sp>
-        <p:nvSpPr>
-          <p:cNvPr id="7" name="TextBox 6">
-            <a:extLst>
-              <a:ext uri="{FF2B5EF4-FFF2-40B4-BE49-F238E27FC236}">
-                <a16:creationId xmlns:a16="http://schemas.microsoft.com/office/drawing/2014/main" id="{52040759-D789-46E3-B613-7E50821A1881}"/>
-              </a:ext>
-            </a:extLst>
-          </p:cNvPr>
-          <p:cNvSpPr txBox="1"/>
-          <p:nvPr/>
-        </p:nvSpPr>
-        <p:spPr>
-          <a:xfrm>
-            <a:off x="1515035" y="11217105"/>
-            <a:ext cx="2303836" cy="461665"/>
-          </a:xfrm>
-          <a:prstGeom prst="rect">
-            <a:avLst/>
-          </a:prstGeom>
-          <a:noFill/>
-        </p:spPr>
-        <p:txBody>
-          <a:bodyPr wrap="none" rtlCol="0">
-            <a:spAutoFit/>
-          </a:bodyPr>
-          <a:lstStyle/>
-          <a:p>
-            <a:r>
-              <a:rPr lang="en-US" sz="2400" dirty="0">
-                <a:latin typeface="Open Sans" panose="020B0606030504020204" pitchFamily="34" charset="0"/>
-                <a:ea typeface="Open Sans" panose="020B0606030504020204" pitchFamily="34" charset="0"/>
-                <a:cs typeface="Open Sans" panose="020B0606030504020204" pitchFamily="34" charset="0"/>
-              </a:rPr>
-              <a:t>Commentary:  </a:t>
-            </a:r>
-          </a:p>
-        </p:txBody>
-      </p:sp>
-      <p:pic>
-        <p:nvPicPr>
-          <p:cNvPr id="3" name="Picture 2">
-            <a:extLst>
-              <a:ext uri="{FF2B5EF4-FFF2-40B4-BE49-F238E27FC236}">
-                <a16:creationId xmlns:a16="http://schemas.microsoft.com/office/drawing/2014/main" id="{4DB415E9-1636-4559-8CC4-CF12CABE284A}"/>
-              </a:ext>
-            </a:extLst>
-          </p:cNvPr>
-          <p:cNvPicPr>
-            <a:picLocks noChangeAspect="1"/>
-          </p:cNvPicPr>
-          <p:nvPr/>
-        </p:nvPicPr>
-        <p:blipFill>
-          <a:blip r:embed="rId2">
-            <a:extLst>
-              <a:ext uri="{28A0092B-C50C-407E-A947-70E740481C1C}">
-                <a14:useLocalDpi xmlns:a14="http://schemas.microsoft.com/office/drawing/2010/main" val="0"/>
-              </a:ext>
-            </a:extLst>
-          </a:blip>
-          <a:stretch>
-            <a:fillRect/>
-          </a:stretch>
-        </p:blipFill>
-        <p:spPr>
-          <a:xfrm>
-            <a:off x="1943053" y="6524"/>
-            <a:ext cx="18684303" cy="11210581"/>
-          </a:xfrm>
-          <a:prstGeom prst="rect">
-            <a:avLst/>
-          </a:prstGeom>
-        </p:spPr>
-      </p:pic>
-    </p:spTree>
-    <p:extLst>
-      <p:ext uri="{BB962C8B-B14F-4D97-AF65-F5344CB8AC3E}">
-        <p14:creationId xmlns:p14="http://schemas.microsoft.com/office/powerpoint/2010/main" val="2449586150"/>
-      </p:ext>
-    </p:extLst>
-  </p:cSld>
-  <p:clrMapOvr>
-    <a:masterClrMapping/>
-  </p:clrMapOvr>
-</p:sld>
-</file>
-
-<file path=ppt/slides/slide21.xml><?xml version="1.0" encoding="utf-8"?>
-<p:sld xmlns:a="http://schemas.openxmlformats.org/drawingml/2006/main" xmlns:r="http://schemas.openxmlformats.org/officeDocument/2006/relationships" xmlns:p="http://schemas.openxmlformats.org/presentationml/2006/main">
-  <p:cSld>
-    <p:spTree>
-      <p:nvGrpSpPr>
-        <p:cNvPr id="1" name=""/>
-        <p:cNvGrpSpPr/>
-        <p:nvPr/>
-      </p:nvGrpSpPr>
-      <p:grpSpPr>
-        <a:xfrm>
-          <a:off x="0" y="0"/>
-          <a:ext cx="0" cy="0"/>
-          <a:chOff x="0" y="0"/>
-          <a:chExt cx="0" cy="0"/>
-        </a:xfrm>
-      </p:grpSpPr>
-      <p:sp>
-        <p:nvSpPr>
-          <p:cNvPr id="7" name="TextBox 6">
-            <a:extLst>
-              <a:ext uri="{FF2B5EF4-FFF2-40B4-BE49-F238E27FC236}">
-                <a16:creationId xmlns:a16="http://schemas.microsoft.com/office/drawing/2014/main" id="{52040759-D789-46E3-B613-7E50821A1881}"/>
-              </a:ext>
-            </a:extLst>
-          </p:cNvPr>
-          <p:cNvSpPr txBox="1"/>
-          <p:nvPr/>
-        </p:nvSpPr>
-        <p:spPr>
-          <a:xfrm>
-            <a:off x="1515035" y="11217105"/>
-            <a:ext cx="2303836" cy="461665"/>
-          </a:xfrm>
-          <a:prstGeom prst="rect">
-            <a:avLst/>
-          </a:prstGeom>
-          <a:noFill/>
-        </p:spPr>
-        <p:txBody>
-          <a:bodyPr wrap="none" rtlCol="0">
-            <a:spAutoFit/>
-          </a:bodyPr>
-          <a:lstStyle/>
-          <a:p>
-            <a:r>
-              <a:rPr lang="en-US" sz="2400" dirty="0">
-                <a:latin typeface="Open Sans" panose="020B0606030504020204" pitchFamily="34" charset="0"/>
-                <a:ea typeface="Open Sans" panose="020B0606030504020204" pitchFamily="34" charset="0"/>
-                <a:cs typeface="Open Sans" panose="020B0606030504020204" pitchFamily="34" charset="0"/>
-              </a:rPr>
-              <a:t>Commentary:  </a:t>
-            </a:r>
-          </a:p>
-        </p:txBody>
-      </p:sp>
-      <p:pic>
-        <p:nvPicPr>
-          <p:cNvPr id="3" name="Picture 2">
-            <a:extLst>
-              <a:ext uri="{FF2B5EF4-FFF2-40B4-BE49-F238E27FC236}">
-                <a16:creationId xmlns:a16="http://schemas.microsoft.com/office/drawing/2014/main" id="{A70A89C9-3410-4EF2-9605-9FB2D7E00DC6}"/>
-              </a:ext>
-            </a:extLst>
-          </p:cNvPr>
-          <p:cNvPicPr>
-            <a:picLocks noChangeAspect="1"/>
-          </p:cNvPicPr>
-          <p:nvPr/>
-        </p:nvPicPr>
-        <p:blipFill>
-          <a:blip r:embed="rId2">
-            <a:extLst>
-              <a:ext uri="{28A0092B-C50C-407E-A947-70E740481C1C}">
-                <a14:useLocalDpi xmlns:a14="http://schemas.microsoft.com/office/drawing/2010/main" val="0"/>
-              </a:ext>
-            </a:extLst>
-          </a:blip>
-          <a:stretch>
-            <a:fillRect/>
-          </a:stretch>
-        </p:blipFill>
-        <p:spPr>
-          <a:xfrm>
-            <a:off x="2111659" y="130347"/>
-            <a:ext cx="18477931" cy="11086758"/>
-          </a:xfrm>
-          <a:prstGeom prst="rect">
-            <a:avLst/>
-          </a:prstGeom>
-        </p:spPr>
-      </p:pic>
-    </p:spTree>
-    <p:extLst>
-      <p:ext uri="{BB962C8B-B14F-4D97-AF65-F5344CB8AC3E}">
-        <p14:creationId xmlns:p14="http://schemas.microsoft.com/office/powerpoint/2010/main" val="4162362849"/>
-      </p:ext>
-    </p:extLst>
-  </p:cSld>
-  <p:clrMapOvr>
-    <a:masterClrMapping/>
-  </p:clrMapOvr>
-</p:sld>
-</file>
-
-<file path=ppt/slides/slide22.xml><?xml version="1.0" encoding="utf-8"?>
-<p:sld xmlns:a="http://schemas.openxmlformats.org/drawingml/2006/main" xmlns:r="http://schemas.openxmlformats.org/officeDocument/2006/relationships" xmlns:p="http://schemas.openxmlformats.org/presentationml/2006/main">
-  <p:cSld>
-    <p:spTree>
-      <p:nvGrpSpPr>
-        <p:cNvPr id="1" name=""/>
-        <p:cNvGrpSpPr/>
-        <p:nvPr/>
-      </p:nvGrpSpPr>
-      <p:grpSpPr>
-        <a:xfrm>
-          <a:off x="0" y="0"/>
-          <a:ext cx="0" cy="0"/>
-          <a:chOff x="0" y="0"/>
-          <a:chExt cx="0" cy="0"/>
-        </a:xfrm>
-      </p:grpSpPr>
-      <p:sp>
-        <p:nvSpPr>
-          <p:cNvPr id="7" name="TextBox 6">
-            <a:extLst>
-              <a:ext uri="{FF2B5EF4-FFF2-40B4-BE49-F238E27FC236}">
-                <a16:creationId xmlns:a16="http://schemas.microsoft.com/office/drawing/2014/main" id="{52040759-D789-46E3-B613-7E50821A1881}"/>
-              </a:ext>
-            </a:extLst>
-          </p:cNvPr>
-          <p:cNvSpPr txBox="1"/>
-          <p:nvPr/>
-        </p:nvSpPr>
-        <p:spPr>
-          <a:xfrm>
-            <a:off x="1515035" y="11217105"/>
-            <a:ext cx="2303836" cy="461665"/>
-          </a:xfrm>
-          <a:prstGeom prst="rect">
-            <a:avLst/>
-          </a:prstGeom>
-          <a:noFill/>
-        </p:spPr>
-        <p:txBody>
-          <a:bodyPr wrap="none" rtlCol="0">
-            <a:spAutoFit/>
-          </a:bodyPr>
-          <a:lstStyle/>
-          <a:p>
-            <a:r>
-              <a:rPr lang="en-US" sz="2400" dirty="0">
-                <a:latin typeface="Open Sans" panose="020B0606030504020204" pitchFamily="34" charset="0"/>
-                <a:ea typeface="Open Sans" panose="020B0606030504020204" pitchFamily="34" charset="0"/>
-                <a:cs typeface="Open Sans" panose="020B0606030504020204" pitchFamily="34" charset="0"/>
-              </a:rPr>
-              <a:t>Commentary:  </a:t>
-            </a:r>
-          </a:p>
-        </p:txBody>
-      </p:sp>
-      <p:pic>
-        <p:nvPicPr>
-          <p:cNvPr id="3" name="Picture 2">
-            <a:extLst>
-              <a:ext uri="{FF2B5EF4-FFF2-40B4-BE49-F238E27FC236}">
-                <a16:creationId xmlns:a16="http://schemas.microsoft.com/office/drawing/2014/main" id="{B2826A21-2C98-4BC4-9DFE-629F238C7019}"/>
-              </a:ext>
-            </a:extLst>
-          </p:cNvPr>
-          <p:cNvPicPr>
-            <a:picLocks noChangeAspect="1"/>
-          </p:cNvPicPr>
-          <p:nvPr/>
-        </p:nvPicPr>
-        <p:blipFill>
-          <a:blip r:embed="rId2">
-            <a:extLst>
-              <a:ext uri="{28A0092B-C50C-407E-A947-70E740481C1C}">
-                <a14:useLocalDpi xmlns:a14="http://schemas.microsoft.com/office/drawing/2010/main" val="0"/>
-              </a:ext>
-            </a:extLst>
-          </a:blip>
-          <a:stretch>
-            <a:fillRect/>
-          </a:stretch>
-        </p:blipFill>
-        <p:spPr>
-          <a:xfrm>
-            <a:off x="2028171" y="377998"/>
-            <a:ext cx="17620679" cy="10572407"/>
-          </a:xfrm>
-          <a:prstGeom prst="rect">
-            <a:avLst/>
-          </a:prstGeom>
-        </p:spPr>
-      </p:pic>
-    </p:spTree>
-    <p:extLst>
-      <p:ext uri="{BB962C8B-B14F-4D97-AF65-F5344CB8AC3E}">
-        <p14:creationId xmlns:p14="http://schemas.microsoft.com/office/powerpoint/2010/main" val="4128095273"/>
-      </p:ext>
-    </p:extLst>
-  </p:cSld>
-  <p:clrMapOvr>
-    <a:masterClrMapping/>
-  </p:clrMapOvr>
-</p:sld>
-</file>
-
-<file path=ppt/slides/slide23.xml><?xml version="1.0" encoding="utf-8"?>
 <p:sld xmlns:a="http://schemas.openxmlformats.org/drawingml/2006/main" xmlns:r="http://schemas.openxmlformats.org/officeDocument/2006/relationships" xmlns:p="http://schemas.openxmlformats.org/presentationml/2006/main">
   <p:cSld>
     <p:spTree>
@@ -6202,7 +5960,7 @@
 </p:sld>
 </file>
 
-<file path=ppt/slides/slide24.xml><?xml version="1.0" encoding="utf-8"?>
+<file path=ppt/slides/slide21.xml><?xml version="1.0" encoding="utf-8"?>
 <p:sld xmlns:a="http://schemas.openxmlformats.org/drawingml/2006/main" xmlns:r="http://schemas.openxmlformats.org/officeDocument/2006/relationships" xmlns:p="http://schemas.openxmlformats.org/presentationml/2006/main">
   <p:cSld>
     <p:spTree>
@@ -7231,7 +6989,7 @@
 </p:sld>
 </file>
 
-<file path=ppt/slides/slide25.xml><?xml version="1.0" encoding="utf-8"?>
+<file path=ppt/slides/slide22.xml><?xml version="1.0" encoding="utf-8"?>
 <p:sld xmlns:a="http://schemas.openxmlformats.org/drawingml/2006/main" xmlns:r="http://schemas.openxmlformats.org/officeDocument/2006/relationships" xmlns:p="http://schemas.openxmlformats.org/presentationml/2006/main">
   <p:cSld>
     <p:spTree>
@@ -9032,7 +8790,7 @@
 </p:sld>
 </file>
 
-<file path=ppt/slides/slide26.xml><?xml version="1.0" encoding="utf-8"?>
+<file path=ppt/slides/slide23.xml><?xml version="1.0" encoding="utf-8"?>
 <p:sld xmlns:a="http://schemas.openxmlformats.org/drawingml/2006/main" xmlns:r="http://schemas.openxmlformats.org/officeDocument/2006/relationships" xmlns:p="http://schemas.openxmlformats.org/presentationml/2006/main">
   <p:cSld>
     <p:spTree>
@@ -10990,7 +10748,7 @@
 </p:sld>
 </file>
 
-<file path=ppt/slides/slide27.xml><?xml version="1.0" encoding="utf-8"?>
+<file path=ppt/slides/slide24.xml><?xml version="1.0" encoding="utf-8"?>
 <p:sld xmlns:a="http://schemas.openxmlformats.org/drawingml/2006/main" xmlns:r="http://schemas.openxmlformats.org/officeDocument/2006/relationships" xmlns:p="http://schemas.openxmlformats.org/presentationml/2006/main">
   <p:cSld>
     <p:spTree>
@@ -20119,7 +19877,7 @@
         <p:spPr>
           <a:xfrm>
             <a:off x="14301518" y="10518771"/>
-            <a:ext cx="7360271" cy="562593"/>
+            <a:ext cx="7360271" cy="993737"/>
           </a:xfrm>
           <a:prstGeom prst="rect">
             <a:avLst/>
@@ -20306,9 +20064,27 @@
                 </a:solidFill>
                 <a:effectLst/>
                 <a:latin typeface="Open Sans" panose="020B0606030504020204"/>
+                <a:hlinkClick r:id="rId2"/>
               </a:rPr>
               <a:t>https://ourworldindata.org/us-states-vaccinations</a:t>
             </a:r>
+            <a:endParaRPr lang="en-US" sz="2000" b="0" dirty="0">
+              <a:solidFill>
+                <a:srgbClr val="000000"/>
+              </a:solidFill>
+              <a:effectLst/>
+              <a:latin typeface="Open Sans" panose="020B0606030504020204"/>
+            </a:endParaRPr>
+          </a:p>
+          <a:p>
+            <a:pPr algn="l"/>
+            <a:endParaRPr lang="en-US" sz="2000" b="0" dirty="0">
+              <a:solidFill>
+                <a:srgbClr val="000000"/>
+              </a:solidFill>
+              <a:effectLst/>
+              <a:latin typeface="Open Sans" panose="020B0606030504020204"/>
+            </a:endParaRPr>
           </a:p>
         </p:txBody>
       </p:sp>
@@ -20376,7 +20152,7 @@
         <p:spPr>
           <a:xfrm>
             <a:off x="14301518" y="4862850"/>
-            <a:ext cx="7360271" cy="924038"/>
+            <a:ext cx="7360271" cy="1363068"/>
           </a:xfrm>
           <a:prstGeom prst="rect">
             <a:avLst/>
@@ -20563,9 +20339,27 @@
                 </a:solidFill>
                 <a:effectLst/>
                 <a:latin typeface="Open Sans" panose="020B0606030504020204"/>
+                <a:hlinkClick r:id="rId3"/>
               </a:rPr>
               <a:t>https://data.cdc.gov/Case-Surveillance/United-States-COVID-19-Cases-and-Deaths-by-State-o/9mfq-cb36</a:t>
             </a:r>
+            <a:endParaRPr lang="en-US" sz="2000" b="0" dirty="0">
+              <a:solidFill>
+                <a:srgbClr val="000000"/>
+              </a:solidFill>
+              <a:effectLst/>
+              <a:latin typeface="Open Sans" panose="020B0606030504020204"/>
+            </a:endParaRPr>
+          </a:p>
+          <a:p>
+            <a:pPr algn="l"/>
+            <a:endParaRPr lang="en-US" sz="2000" b="0" dirty="0">
+              <a:solidFill>
+                <a:srgbClr val="000000"/>
+              </a:solidFill>
+              <a:effectLst/>
+              <a:latin typeface="Open Sans" panose="020B0606030504020204"/>
+            </a:endParaRPr>
           </a:p>
         </p:txBody>
       </p:sp>
@@ -20633,7 +20427,7 @@
         <p:spPr>
           <a:xfrm>
             <a:off x="14301518" y="7760863"/>
-            <a:ext cx="7360271" cy="924038"/>
+            <a:ext cx="7360271" cy="1363068"/>
           </a:xfrm>
           <a:prstGeom prst="rect">
             <a:avLst/>
@@ -20820,9 +20614,27 @@
                 </a:solidFill>
                 <a:effectLst/>
                 <a:latin typeface="Open Sans" panose="020B0606030504020204"/>
+                <a:hlinkClick r:id="rId4"/>
               </a:rPr>
               <a:t>https://www.infoplease.com/us/postal-information/state-abbreviations-and-state-postal-codes</a:t>
             </a:r>
+            <a:endParaRPr lang="en-US" sz="2000" b="0" dirty="0">
+              <a:solidFill>
+                <a:srgbClr val="000000"/>
+              </a:solidFill>
+              <a:effectLst/>
+              <a:latin typeface="Open Sans" panose="020B0606030504020204"/>
+            </a:endParaRPr>
+          </a:p>
+          <a:p>
+            <a:pPr algn="l"/>
+            <a:endParaRPr lang="en-US" sz="2000" b="0" dirty="0">
+              <a:solidFill>
+                <a:srgbClr val="000000"/>
+              </a:solidFill>
+              <a:effectLst/>
+              <a:latin typeface="Open Sans" panose="020B0606030504020204"/>
+            </a:endParaRPr>
           </a:p>
         </p:txBody>
       </p:sp>
@@ -20890,7 +20702,7 @@
         <p:spPr>
           <a:xfrm>
             <a:off x="3127996" y="10518771"/>
-            <a:ext cx="7360271" cy="924038"/>
+            <a:ext cx="7360271" cy="1363068"/>
           </a:xfrm>
           <a:prstGeom prst="rect">
             <a:avLst/>
@@ -21077,8 +20889,29 @@
                 </a:solidFill>
                 <a:effectLst/>
                 <a:latin typeface="Open Sans" panose="020B0606030504020204"/>
+                <a:hlinkClick r:id="rId5"/>
               </a:rPr>
               <a:t>https://data.cdc.gov/Vaccinations/COVID-19-Vaccine-Distribution-Allocations-by-Juris/w9zu-fywh</a:t>
+            </a:r>
+            <a:endParaRPr lang="en-US" sz="2000" b="0" dirty="0">
+              <a:solidFill>
+                <a:srgbClr val="000000"/>
+              </a:solidFill>
+              <a:effectLst/>
+              <a:latin typeface="Open Sans" panose="020B0606030504020204"/>
+            </a:endParaRPr>
+          </a:p>
+          <a:p>
+            <a:pPr algn="l"/>
+            <a:r>
+              <a:rPr lang="en-US" sz="2000" b="0" dirty="0">
+                <a:solidFill>
+                  <a:srgbClr val="000000"/>
+                </a:solidFill>
+                <a:effectLst/>
+                <a:latin typeface="Open Sans" panose="020B0606030504020204"/>
+              </a:rPr>
+              <a:t> </a:t>
             </a:r>
           </a:p>
         </p:txBody>
@@ -21147,7 +20980,7 @@
         <p:spPr>
           <a:xfrm>
             <a:off x="3127996" y="4862850"/>
-            <a:ext cx="7360271" cy="1650711"/>
+            <a:ext cx="7360271" cy="2184896"/>
           </a:xfrm>
           <a:prstGeom prst="rect">
             <a:avLst/>
@@ -21338,9 +21171,31 @@
                 </a:solidFill>
                 <a:effectLst/>
                 <a:latin typeface="Open Sans"/>
+                <a:hlinkClick r:id="rId6"/>
               </a:rPr>
               <a:t>https://data.cdc.gov/Vaccinations/COVID-19-Vaccine-Distribution-Allocations-by-Juris/saz5-9hgg</a:t>
             </a:r>
+            <a:endParaRPr lang="en-US" sz="2000" b="0" dirty="0">
+              <a:solidFill>
+                <a:srgbClr val="000000"/>
+              </a:solidFill>
+              <a:effectLst/>
+              <a:latin typeface="Open Sans"/>
+            </a:endParaRPr>
+          </a:p>
+          <a:p>
+            <a:pPr algn="l">
+              <a:lnSpc>
+                <a:spcPts val="3640"/>
+              </a:lnSpc>
+            </a:pPr>
+            <a:endParaRPr lang="en-US" sz="2000" b="0" dirty="0">
+              <a:solidFill>
+                <a:srgbClr val="000000"/>
+              </a:solidFill>
+              <a:effectLst/>
+              <a:latin typeface="Open Sans"/>
+            </a:endParaRPr>
           </a:p>
           <a:p>
             <a:pPr algn="l">
@@ -21423,7 +21278,7 @@
         <p:spPr>
           <a:xfrm>
             <a:off x="3127996" y="7760863"/>
-            <a:ext cx="7360271" cy="1650711"/>
+            <a:ext cx="7360271" cy="2184896"/>
           </a:xfrm>
           <a:prstGeom prst="rect">
             <a:avLst/>
@@ -21614,9 +21469,31 @@
                 </a:solidFill>
                 <a:effectLst/>
                 <a:latin typeface="Open Sans"/>
+                <a:hlinkClick r:id="rId7"/>
               </a:rPr>
               <a:t>https://data.cdc.gov/Vaccinations/COVID-19-Vaccine-Distribution-Allocations-by-Juris/b7pe-5nws</a:t>
             </a:r>
+            <a:endParaRPr lang="en-US" sz="2000" b="0" dirty="0">
+              <a:solidFill>
+                <a:srgbClr val="000000"/>
+              </a:solidFill>
+              <a:effectLst/>
+              <a:latin typeface="Open Sans"/>
+            </a:endParaRPr>
+          </a:p>
+          <a:p>
+            <a:pPr algn="l">
+              <a:lnSpc>
+                <a:spcPts val="3640"/>
+              </a:lnSpc>
+            </a:pPr>
+            <a:endParaRPr lang="en-US" sz="2000" b="0" dirty="0">
+              <a:solidFill>
+                <a:srgbClr val="000000"/>
+              </a:solidFill>
+              <a:effectLst/>
+              <a:latin typeface="Open Sans"/>
+            </a:endParaRPr>
           </a:p>
           <a:p>
             <a:pPr algn="l">
@@ -22631,7 +22508,7 @@
         <p:spPr>
           <a:xfrm>
             <a:off x="18916650" y="11674928"/>
-            <a:ext cx="4409378" cy="1567612"/>
+            <a:ext cx="4409378" cy="1578576"/>
           </a:xfrm>
           <a:prstGeom prst="rect">
             <a:avLst/>
@@ -22824,7 +22701,7 @@
                 <a:ea typeface="Open Sans Light" panose="020B0306030504020204" pitchFamily="34" charset="0"/>
                 <a:cs typeface="Open Sans Light" panose="020B0306030504020204" pitchFamily="34" charset="0"/>
               </a:rPr>
-              <a:t>Date in which the state or territory records transmission</a:t>
+              <a:t>Date in which the state or territory records transmission and deaths</a:t>
             </a:r>
           </a:p>
         </p:txBody>
@@ -23598,29 +23475,7 @@
                 <a:ea typeface="Open Sans Light" panose="020B0306030504020204" pitchFamily="34" charset="0"/>
                 <a:cs typeface="Open Sans Light" panose="020B0306030504020204" pitchFamily="34" charset="0"/>
               </a:rPr>
-              <a:t>Pfizer, </a:t>
-            </a:r>
-            <a:r>
-              <a:rPr lang="en-US" sz="2700" dirty="0" err="1">
-                <a:solidFill>
-                  <a:schemeClr val="tx1"/>
-                </a:solidFill>
-                <a:latin typeface="Open Sans Light" panose="020B0306030504020204" pitchFamily="34" charset="0"/>
-                <a:ea typeface="Open Sans Light" panose="020B0306030504020204" pitchFamily="34" charset="0"/>
-                <a:cs typeface="Open Sans Light" panose="020B0306030504020204" pitchFamily="34" charset="0"/>
-              </a:rPr>
-              <a:t>Moderna</a:t>
-            </a:r>
-            <a:r>
-              <a:rPr lang="en-US" sz="2700" dirty="0">
-                <a:solidFill>
-                  <a:schemeClr val="tx1"/>
-                </a:solidFill>
-                <a:latin typeface="Open Sans Light" panose="020B0306030504020204" pitchFamily="34" charset="0"/>
-                <a:ea typeface="Open Sans Light" panose="020B0306030504020204" pitchFamily="34" charset="0"/>
-                <a:cs typeface="Open Sans Light" panose="020B0306030504020204" pitchFamily="34" charset="0"/>
-              </a:rPr>
-              <a:t>, and J&amp;J</a:t>
+              <a:t>Pfizer, Moderna, and J&amp;J</a:t>
             </a:r>
           </a:p>
         </p:txBody>
@@ -27505,8 +27360,8 @@
         </p:nvSpPr>
         <p:spPr>
           <a:xfrm>
-            <a:off x="3308404" y="3297273"/>
-            <a:ext cx="5844870" cy="868123"/>
+            <a:off x="3308404" y="3290765"/>
+            <a:ext cx="8271303" cy="881139"/>
           </a:xfrm>
           <a:prstGeom prst="rect">
             <a:avLst/>
@@ -27533,7 +27388,18 @@
                 <a:ea typeface="Open Sans Semibold" charset="0"/>
                 <a:cs typeface="Open Sans Semibold" charset="0"/>
               </a:rPr>
-              <a:t>Summarized data restrictions</a:t>
+              <a:t>Summarized data restrictions- </a:t>
+            </a:r>
+            <a:r>
+              <a:rPr lang="en-US" sz="2000" b="1" dirty="0">
+                <a:solidFill>
+                  <a:srgbClr val="FF0000"/>
+                </a:solidFill>
+                <a:latin typeface="Open Sans Semibold" charset="0"/>
+                <a:ea typeface="Open Sans Semibold" charset="0"/>
+                <a:cs typeface="Open Sans Semibold" charset="0"/>
+              </a:rPr>
+              <a:t>move to bottom</a:t>
             </a:r>
           </a:p>
         </p:txBody>
@@ -30009,7 +29875,7 @@
         <p:spPr>
           <a:xfrm>
             <a:off x="1351044" y="8076847"/>
-            <a:ext cx="10306506" cy="2328781"/>
+            <a:ext cx="10306506" cy="1790172"/>
           </a:xfrm>
           <a:prstGeom prst="rect">
             <a:avLst/>
@@ -30202,7 +30068,7 @@
                 <a:ea typeface="Open Sans Light" panose="020B0306030504020204" pitchFamily="34" charset="0"/>
                 <a:cs typeface="Open Sans Light" panose="020B0306030504020204" pitchFamily="34" charset="0"/>
               </a:rPr>
-              <a:t>We will present X visualizations that will help illustrate the current situation related to the Covid-19 pandemic and where we stand relative to vaccinations at a state level within the United States.</a:t>
+              <a:t>We will present visualizations that will help illustrate the current situation related to the Covid-19 pandemic and where we stand relative to vaccinations at a state level within the United States.</a:t>
             </a:r>
           </a:p>
         </p:txBody>
@@ -30266,8 +30132,8 @@
         </p:blipFill>
         <p:spPr>
           <a:xfrm>
-            <a:off x="0" y="3619841"/>
-            <a:ext cx="23747854" cy="7124356"/>
+            <a:off x="0" y="2419350"/>
+            <a:ext cx="24377650" cy="8545623"/>
           </a:xfrm>
           <a:prstGeom prst="rect">
             <a:avLst/>
@@ -30288,8 +30154,8 @@
         </p:nvSpPr>
         <p:spPr>
           <a:xfrm>
-            <a:off x="1515035" y="11217105"/>
-            <a:ext cx="2303836" cy="461665"/>
+            <a:off x="1515034" y="11217105"/>
+            <a:ext cx="21840265" cy="1692771"/>
           </a:xfrm>
           <a:prstGeom prst="rect">
             <a:avLst/>
@@ -30297,7 +30163,7 @@
           <a:noFill/>
         </p:spPr>
         <p:txBody>
-          <a:bodyPr wrap="none" rtlCol="0">
+          <a:bodyPr wrap="square" rtlCol="0">
             <a:spAutoFit/>
           </a:bodyPr>
           <a:lstStyle/>
@@ -30308,8 +30174,85 @@
                 <a:ea typeface="Open Sans" panose="020B0606030504020204" pitchFamily="34" charset="0"/>
                 <a:cs typeface="Open Sans" panose="020B0606030504020204" pitchFamily="34" charset="0"/>
               </a:rPr>
-              <a:t>Commentary:  </a:t>
+              <a:t>Commentary:  How well are states distributing the vaccines received from the CDC.</a:t>
             </a:r>
+            <a:endParaRPr lang="en-US" sz="2000" dirty="0">
+              <a:latin typeface="Open Sans" panose="020B0606030504020204" pitchFamily="34" charset="0"/>
+              <a:ea typeface="Open Sans" panose="020B0606030504020204" pitchFamily="34" charset="0"/>
+              <a:cs typeface="Open Sans" panose="020B0606030504020204" pitchFamily="34" charset="0"/>
+            </a:endParaRPr>
+          </a:p>
+          <a:p>
+            <a:r>
+              <a:rPr lang="en-US" sz="2000" dirty="0">
+                <a:latin typeface="Open Sans" panose="020B0606030504020204" pitchFamily="34" charset="0"/>
+                <a:ea typeface="Open Sans" panose="020B0606030504020204" pitchFamily="34" charset="0"/>
+                <a:cs typeface="Open Sans" panose="020B0606030504020204" pitchFamily="34" charset="0"/>
+              </a:rPr>
+              <a:t>This figure represents the percent of vaccines allocated versus the percent of vaccines administered.  This is a calculation based on the number of doses.  Keep in mind that two of the three vaccines in our dataset require two doses (Pfizer &amp; </a:t>
+            </a:r>
+            <a:r>
+              <a:rPr lang="en-US" sz="2000" dirty="0" err="1">
+                <a:latin typeface="Open Sans" panose="020B0606030504020204" pitchFamily="34" charset="0"/>
+                <a:ea typeface="Open Sans" panose="020B0606030504020204" pitchFamily="34" charset="0"/>
+                <a:cs typeface="Open Sans" panose="020B0606030504020204" pitchFamily="34" charset="0"/>
+              </a:rPr>
+              <a:t>Moderna</a:t>
+            </a:r>
+            <a:r>
+              <a:rPr lang="en-US" sz="2000" dirty="0">
+                <a:latin typeface="Open Sans" panose="020B0606030504020204" pitchFamily="34" charset="0"/>
+                <a:ea typeface="Open Sans" panose="020B0606030504020204" pitchFamily="34" charset="0"/>
+                <a:cs typeface="Open Sans" panose="020B0606030504020204" pitchFamily="34" charset="0"/>
+              </a:rPr>
+              <a:t>).  The majority of states are adequately administering the vaccines upon receipt from the CDC.  New Hampshire and New Mexico reflect a higher number of vaccines received versus administered and we suspect it is related to the indigenous population and their diligence within the tribal community to administer them quickly; while we suspect Alaska has experienced challenges with administering the vaccination based on population density.</a:t>
+            </a:r>
+          </a:p>
+        </p:txBody>
+      </p:sp>
+      <p:sp>
+        <p:nvSpPr>
+          <p:cNvPr id="2" name="TextBox 1">
+            <a:extLst>
+              <a:ext uri="{FF2B5EF4-FFF2-40B4-BE49-F238E27FC236}">
+                <a16:creationId xmlns:a16="http://schemas.microsoft.com/office/drawing/2014/main" id="{454D060D-8BC3-47B1-84D5-767B87C4768F}"/>
+              </a:ext>
+            </a:extLst>
+          </p:cNvPr>
+          <p:cNvSpPr txBox="1"/>
+          <p:nvPr/>
+        </p:nvSpPr>
+        <p:spPr>
+          <a:xfrm>
+            <a:off x="2000250" y="10725147"/>
+            <a:ext cx="2876550" cy="1200329"/>
+          </a:xfrm>
+          <a:prstGeom prst="rect">
+            <a:avLst/>
+          </a:prstGeom>
+          <a:noFill/>
+        </p:spPr>
+        <p:txBody>
+          <a:bodyPr wrap="square" rtlCol="0">
+            <a:spAutoFit/>
+          </a:bodyPr>
+          <a:lstStyle/>
+          <a:p>
+            <a:pPr marL="571500" indent="-571500">
+              <a:buFont typeface="Arial" panose="020B0604020202020204" pitchFamily="34" charset="0"/>
+              <a:buChar char="•"/>
+            </a:pPr>
+            <a:r>
+              <a:rPr lang="en-US" dirty="0"/>
+              <a:t>Anomaly</a:t>
+            </a:r>
+          </a:p>
+          <a:p>
+            <a:pPr marL="571500" indent="-571500">
+              <a:buFont typeface="Arial" panose="020B0604020202020204" pitchFamily="34" charset="0"/>
+              <a:buChar char="•"/>
+            </a:pPr>
+            <a:endParaRPr lang="en-US" dirty="0"/>
           </a:p>
         </p:txBody>
       </p:sp>

--- a/presentation/Project_one.pptx
+++ b/presentation/Project_one.pptx
@@ -2914,14 +2914,14 @@
           </a:ln>
           <a:extLst>
             <a:ext uri="{909E8E84-426E-40dd-AFC4-6F175D3DCCD1}">
-              <a14:hiddenFill xmlns:a14="http://schemas.microsoft.com/office/drawing/2010/main" xmlns="">
+              <a14:hiddenFill xmlns="" xmlns:a14="http://schemas.microsoft.com/office/drawing/2010/main">
                 <a:solidFill>
                   <a:srgbClr val="FFFFFF"/>
                 </a:solidFill>
               </a14:hiddenFill>
             </a:ext>
             <a:ext uri="{91240B29-F687-4f45-9708-019B960494DF}">
-              <a14:hiddenLine xmlns:a14="http://schemas.microsoft.com/office/drawing/2010/main" xmlns="" w="12700">
+              <a14:hiddenLine xmlns="" xmlns:a14="http://schemas.microsoft.com/office/drawing/2010/main" w="12700">
                 <a:solidFill>
                   <a:schemeClr val="tx1"/>
                 </a:solidFill>
@@ -3035,7 +3035,7 @@
         </p:blipFill>
         <p:spPr>
           <a:xfrm>
-            <a:off x="2666953" y="292794"/>
+            <a:off x="2666953" y="512928"/>
             <a:ext cx="18591907" cy="11155143"/>
           </a:xfrm>
           <a:prstGeom prst="rect">
@@ -3057,13 +3057,15 @@
         </p:nvSpPr>
         <p:spPr>
           <a:xfrm>
-            <a:off x="1515035" y="11217105"/>
-            <a:ext cx="13672589" cy="830997"/>
+            <a:off x="1212652" y="11674299"/>
+            <a:ext cx="22011154" cy="769441"/>
           </a:xfrm>
           <a:prstGeom prst="rect">
             <a:avLst/>
           </a:prstGeom>
-          <a:noFill/>
+          <a:solidFill>
+            <a:srgbClr val="6CB5E3"/>
+          </a:solidFill>
         </p:spPr>
         <p:txBody>
           <a:bodyPr wrap="none" rtlCol="0">
@@ -3072,17 +3074,7 @@
           <a:lstStyle/>
           <a:p>
             <a:r>
-              <a:rPr lang="en-US" sz="2400" dirty="0">
-                <a:latin typeface="Open Sans" panose="020B0606030504020204" pitchFamily="34" charset="0"/>
-                <a:ea typeface="Open Sans" panose="020B0606030504020204" pitchFamily="34" charset="0"/>
-                <a:cs typeface="Open Sans" panose="020B0606030504020204" pitchFamily="34" charset="0"/>
-              </a:rPr>
-              <a:t>Commentary: How does the CDC handle the multi dose allocation in their distribution values?  </a:t>
-            </a:r>
-          </a:p>
-          <a:p>
-            <a:r>
-              <a:rPr lang="en-US" sz="2400" dirty="0">
+              <a:rPr lang="en-US" sz="4400" dirty="0">
                 <a:latin typeface="Open Sans" panose="020B0606030504020204" pitchFamily="34" charset="0"/>
                 <a:ea typeface="Open Sans" panose="020B0606030504020204" pitchFamily="34" charset="0"/>
                 <a:cs typeface="Open Sans" panose="020B0606030504020204" pitchFamily="34" charset="0"/>
@@ -3090,7 +3082,7 @@
               <a:t>The CDC has allocated both doses for Pfizer and </a:t>
             </a:r>
             <a:r>
-              <a:rPr lang="en-US" sz="2400" dirty="0" err="1">
+              <a:rPr lang="en-US" sz="4400" dirty="0" err="1">
                 <a:latin typeface="Open Sans" panose="020B0606030504020204" pitchFamily="34" charset="0"/>
                 <a:ea typeface="Open Sans" panose="020B0606030504020204" pitchFamily="34" charset="0"/>
                 <a:cs typeface="Open Sans" panose="020B0606030504020204" pitchFamily="34" charset="0"/>
@@ -3098,13 +3090,61 @@
               <a:t>Moderna</a:t>
             </a:r>
             <a:r>
-              <a:rPr lang="en-US" sz="2400" dirty="0">
+              <a:rPr lang="en-US" sz="4400" dirty="0">
                 <a:latin typeface="Open Sans" panose="020B0606030504020204" pitchFamily="34" charset="0"/>
                 <a:ea typeface="Open Sans" panose="020B0606030504020204" pitchFamily="34" charset="0"/>
                 <a:cs typeface="Open Sans" panose="020B0606030504020204" pitchFamily="34" charset="0"/>
               </a:rPr>
               <a:t> at the time of allocation. </a:t>
             </a:r>
+          </a:p>
+        </p:txBody>
+      </p:sp>
+      <p:sp>
+        <p:nvSpPr>
+          <p:cNvPr id="4" name="TextBox 3">
+            <a:extLst>
+              <a:ext uri="{FF2B5EF4-FFF2-40B4-BE49-F238E27FC236}">
+                <a16:creationId xmlns:a16="http://schemas.microsoft.com/office/drawing/2014/main" id="{6EF0A6DB-031A-4DF1-8ED1-8261B8DCA09F}"/>
+              </a:ext>
+            </a:extLst>
+          </p:cNvPr>
+          <p:cNvSpPr txBox="1"/>
+          <p:nvPr/>
+        </p:nvSpPr>
+        <p:spPr>
+          <a:xfrm>
+            <a:off x="853804" y="366136"/>
+            <a:ext cx="22728851" cy="738664"/>
+          </a:xfrm>
+          <a:prstGeom prst="rect">
+            <a:avLst/>
+          </a:prstGeom>
+          <a:noFill/>
+        </p:spPr>
+        <p:txBody>
+          <a:bodyPr wrap="none" lIns="91440" tIns="0" rIns="0" bIns="0" rtlCol="0">
+            <a:spAutoFit/>
+          </a:bodyPr>
+          <a:lstStyle/>
+          <a:p>
+            <a:pPr algn="ctr"/>
+            <a:r>
+              <a:rPr lang="en-US" sz="4800" dirty="0">
+                <a:latin typeface="Open Sans" panose="020B0606030504020204" pitchFamily="34" charset="0"/>
+                <a:ea typeface="Open Sans" panose="020B0606030504020204" pitchFamily="34" charset="0"/>
+                <a:cs typeface="Open Sans" panose="020B0606030504020204" pitchFamily="34" charset="0"/>
+              </a:rPr>
+              <a:t>How does the CDC handle the multi dose allocation in their distribution values?</a:t>
+            </a:r>
+            <a:endParaRPr lang="en-US" sz="4400" spc="300" dirty="0">
+              <a:solidFill>
+                <a:schemeClr val="tx2"/>
+              </a:solidFill>
+              <a:latin typeface="Open Sans Light" panose="020B0306030504020204" pitchFamily="34" charset="0"/>
+              <a:ea typeface="Open Sans Light" panose="020B0306030504020204" pitchFamily="34" charset="0"/>
+              <a:cs typeface="Open Sans Light" panose="020B0306030504020204" pitchFamily="34" charset="0"/>
+            </a:endParaRPr>
           </a:p>
         </p:txBody>
       </p:sp>
@@ -3189,7 +3229,7 @@
         <p:spPr>
           <a:xfrm>
             <a:off x="1515035" y="11217105"/>
-            <a:ext cx="20848143" cy="1200329"/>
+            <a:ext cx="22104897" cy="1200329"/>
           </a:xfrm>
           <a:prstGeom prst="rect">
             <a:avLst/>
@@ -3213,12 +3253,20 @@
           </a:p>
           <a:p>
             <a:r>
+              <a:rPr lang="en-US" sz="2400" b="1" dirty="0">
+                <a:latin typeface="Open Sans" panose="020B0606030504020204" pitchFamily="34" charset="0"/>
+                <a:ea typeface="Open Sans" panose="020B0606030504020204" pitchFamily="34" charset="0"/>
+                <a:cs typeface="Open Sans" panose="020B0606030504020204" pitchFamily="34" charset="0"/>
+              </a:rPr>
+              <a:t>This figure displays the relationship between the population and the number of vaccines allocated and administrated.</a:t>
+            </a:r>
+            <a:r>
               <a:rPr lang="en-US" sz="2400" dirty="0">
                 <a:latin typeface="Open Sans" panose="020B0606030504020204" pitchFamily="34" charset="0"/>
                 <a:ea typeface="Open Sans" panose="020B0606030504020204" pitchFamily="34" charset="0"/>
                 <a:cs typeface="Open Sans" panose="020B0606030504020204" pitchFamily="34" charset="0"/>
               </a:rPr>
-              <a:t>This figure displays the relationship between the population and the number of vaccines allocated and administrated.  As you can see, California</a:t>
+              <a:t>  As you can see, California</a:t>
             </a:r>
           </a:p>
           <a:p>
@@ -3580,7 +3628,7 @@
         </p:blipFill>
         <p:spPr>
           <a:xfrm>
-            <a:off x="1546225" y="-1162050"/>
+            <a:off x="4966757" y="-1162050"/>
             <a:ext cx="21336000" cy="16001999"/>
           </a:xfrm>
           <a:prstGeom prst="rect">
@@ -17695,14 +17743,14 @@
           </a:ln>
           <a:extLst>
             <a:ext uri="{909E8E84-426E-40dd-AFC4-6F175D3DCCD1}">
-              <a14:hiddenFill xmlns:a14="http://schemas.microsoft.com/office/drawing/2010/main" xmlns="">
+              <a14:hiddenFill xmlns="" xmlns:a14="http://schemas.microsoft.com/office/drawing/2010/main">
                 <a:solidFill>
                   <a:srgbClr val="FFFFFF"/>
                 </a:solidFill>
               </a14:hiddenFill>
             </a:ext>
             <a:ext uri="{91240B29-F687-4f45-9708-019B960494DF}">
-              <a14:hiddenLine xmlns:a14="http://schemas.microsoft.com/office/drawing/2010/main" xmlns="" w="12700">
+              <a14:hiddenLine xmlns="" xmlns:a14="http://schemas.microsoft.com/office/drawing/2010/main" w="12700">
                 <a:solidFill>
                   <a:schemeClr val="tx1"/>
                 </a:solidFill>
